--- a/examples/modularized-state-machines/fr.inria.diverse.puzzle.examples/explanation/example-explanation.pptx
+++ b/examples/modularized-state-machines/fr.inria.diverse.puzzle.examples/explanation/example-explanation.pptx
@@ -9,12 +9,15 @@
     <p:sldId id="257" r:id="rId3"/>
     <p:sldId id="259" r:id="rId4"/>
     <p:sldId id="260" r:id="rId5"/>
-    <p:sldId id="270" r:id="rId6"/>
-    <p:sldId id="269" r:id="rId7"/>
-    <p:sldId id="261" r:id="rId8"/>
-    <p:sldId id="262" r:id="rId9"/>
-    <p:sldId id="265" r:id="rId10"/>
-    <p:sldId id="263" r:id="rId11"/>
+    <p:sldId id="271" r:id="rId6"/>
+    <p:sldId id="272" r:id="rId7"/>
+    <p:sldId id="270" r:id="rId8"/>
+    <p:sldId id="273" r:id="rId9"/>
+    <p:sldId id="274" r:id="rId10"/>
+    <p:sldId id="269" r:id="rId11"/>
+    <p:sldId id="261" r:id="rId12"/>
+    <p:sldId id="275" r:id="rId13"/>
+    <p:sldId id="276" r:id="rId14"/>
   </p:sldIdLst>
   <p:sldSz cx="9144000" cy="6858000" type="screen4x3"/>
   <p:notesSz cx="6858000" cy="9144000"/>
@@ -297,7 +300,7 @@
           <a:p>
             <a:fld id="{E4780C73-0703-F942-A0F9-32E0E04FA7A0}" type="datetimeFigureOut">
               <a:rPr lang="fr-FR" smtClean="0"/>
-              <a:t>29/05/2016</a:t>
+              <a:t>30/05/2016</a:t>
             </a:fld>
             <a:endParaRPr lang="fr-FR"/>
           </a:p>
@@ -467,7 +470,7 @@
           <a:p>
             <a:fld id="{E4780C73-0703-F942-A0F9-32E0E04FA7A0}" type="datetimeFigureOut">
               <a:rPr lang="fr-FR" smtClean="0"/>
-              <a:t>29/05/2016</a:t>
+              <a:t>30/05/2016</a:t>
             </a:fld>
             <a:endParaRPr lang="fr-FR"/>
           </a:p>
@@ -647,7 +650,7 @@
           <a:p>
             <a:fld id="{E4780C73-0703-F942-A0F9-32E0E04FA7A0}" type="datetimeFigureOut">
               <a:rPr lang="fr-FR" smtClean="0"/>
-              <a:t>29/05/2016</a:t>
+              <a:t>30/05/2016</a:t>
             </a:fld>
             <a:endParaRPr lang="fr-FR"/>
           </a:p>
@@ -817,7 +820,7 @@
           <a:p>
             <a:fld id="{E4780C73-0703-F942-A0F9-32E0E04FA7A0}" type="datetimeFigureOut">
               <a:rPr lang="fr-FR" smtClean="0"/>
-              <a:t>29/05/2016</a:t>
+              <a:t>30/05/2016</a:t>
             </a:fld>
             <a:endParaRPr lang="fr-FR"/>
           </a:p>
@@ -1063,7 +1066,7 @@
           <a:p>
             <a:fld id="{E4780C73-0703-F942-A0F9-32E0E04FA7A0}" type="datetimeFigureOut">
               <a:rPr lang="fr-FR" smtClean="0"/>
-              <a:t>29/05/2016</a:t>
+              <a:t>30/05/2016</a:t>
             </a:fld>
             <a:endParaRPr lang="fr-FR"/>
           </a:p>
@@ -1351,7 +1354,7 @@
           <a:p>
             <a:fld id="{E4780C73-0703-F942-A0F9-32E0E04FA7A0}" type="datetimeFigureOut">
               <a:rPr lang="fr-FR" smtClean="0"/>
-              <a:t>29/05/2016</a:t>
+              <a:t>30/05/2016</a:t>
             </a:fld>
             <a:endParaRPr lang="fr-FR"/>
           </a:p>
@@ -1773,7 +1776,7 @@
           <a:p>
             <a:fld id="{E4780C73-0703-F942-A0F9-32E0E04FA7A0}" type="datetimeFigureOut">
               <a:rPr lang="fr-FR" smtClean="0"/>
-              <a:t>29/05/2016</a:t>
+              <a:t>30/05/2016</a:t>
             </a:fld>
             <a:endParaRPr lang="fr-FR"/>
           </a:p>
@@ -1891,7 +1894,7 @@
           <a:p>
             <a:fld id="{E4780C73-0703-F942-A0F9-32E0E04FA7A0}" type="datetimeFigureOut">
               <a:rPr lang="fr-FR" smtClean="0"/>
-              <a:t>29/05/2016</a:t>
+              <a:t>30/05/2016</a:t>
             </a:fld>
             <a:endParaRPr lang="fr-FR"/>
           </a:p>
@@ -1986,7 +1989,7 @@
           <a:p>
             <a:fld id="{E4780C73-0703-F942-A0F9-32E0E04FA7A0}" type="datetimeFigureOut">
               <a:rPr lang="fr-FR" smtClean="0"/>
-              <a:t>29/05/2016</a:t>
+              <a:t>30/05/2016</a:t>
             </a:fld>
             <a:endParaRPr lang="fr-FR"/>
           </a:p>
@@ -2263,7 +2266,7 @@
           <a:p>
             <a:fld id="{E4780C73-0703-F942-A0F9-32E0E04FA7A0}" type="datetimeFigureOut">
               <a:rPr lang="fr-FR" smtClean="0"/>
-              <a:t>29/05/2016</a:t>
+              <a:t>30/05/2016</a:t>
             </a:fld>
             <a:endParaRPr lang="fr-FR"/>
           </a:p>
@@ -2516,7 +2519,7 @@
           <a:p>
             <a:fld id="{E4780C73-0703-F942-A0F9-32E0E04FA7A0}" type="datetimeFigureOut">
               <a:rPr lang="fr-FR" smtClean="0"/>
-              <a:t>29/05/2016</a:t>
+              <a:t>30/05/2016</a:t>
             </a:fld>
             <a:endParaRPr lang="fr-FR"/>
           </a:p>
@@ -2729,7 +2732,7 @@
           <a:p>
             <a:fld id="{E4780C73-0703-F942-A0F9-32E0E04FA7A0}" type="datetimeFigureOut">
               <a:rPr lang="fr-FR" smtClean="0"/>
-              <a:t>29/05/2016</a:t>
+              <a:t>30/05/2016</a:t>
             </a:fld>
             <a:endParaRPr lang="fr-FR"/>
           </a:p>
@@ -3132,7 +3135,23 @@
                   <a:srgbClr val="FF6600"/>
                 </a:solidFill>
               </a:rPr>
-              <a:t>Let’s get fun!</a:t>
+              <a:t>Modular Design of </a:t>
+            </a:r>
+            <a:r>
+              <a:rPr lang="en-US" dirty="0" err="1" smtClean="0">
+                <a:solidFill>
+                  <a:srgbClr val="FF6600"/>
+                </a:solidFill>
+              </a:rPr>
+              <a:t>xDSML</a:t>
+            </a:r>
+            <a:r>
+              <a:rPr lang="en-US" dirty="0" smtClean="0">
+                <a:solidFill>
+                  <a:srgbClr val="FF6600"/>
+                </a:solidFill>
+              </a:rPr>
+              <a:t/>
             </a:r>
             <a:br>
               <a:rPr lang="en-US" dirty="0" smtClean="0">
@@ -3233,154 +3252,4589 @@
             <a:spLocks noGrp="1"/>
           </p:cNvSpPr>
           <p:nvPr>
-            <p:ph type="ctrTitle"/>
+            <p:ph type="title"/>
           </p:nvPr>
+        </p:nvSpPr>
+        <p:spPr/>
+        <p:txBody>
+          <a:bodyPr/>
+          <a:lstStyle/>
+          <a:p>
+            <a:r>
+              <a:rPr lang="en-US" dirty="0" smtClean="0"/>
+              <a:t>The citizen watch</a:t>
+            </a:r>
+            <a:endParaRPr lang="en-US" dirty="0"/>
+          </a:p>
+        </p:txBody>
+      </p:sp>
+      <p:grpSp>
+        <p:nvGrpSpPr>
+          <p:cNvPr id="31" name="Grouper 30"/>
+          <p:cNvGrpSpPr/>
+          <p:nvPr/>
+        </p:nvGrpSpPr>
+        <p:grpSpPr>
+          <a:xfrm>
+            <a:off x="4221192" y="1810985"/>
+            <a:ext cx="4714798" cy="3182004"/>
+            <a:chOff x="4069772" y="1996196"/>
+            <a:chExt cx="4714798" cy="3182004"/>
+          </a:xfrm>
+        </p:grpSpPr>
+        <p:sp>
+          <p:nvSpPr>
+            <p:cNvPr id="27" name="Rectangle 26"/>
+            <p:cNvSpPr/>
+            <p:nvPr/>
+          </p:nvSpPr>
+          <p:spPr>
+            <a:xfrm>
+              <a:off x="4266069" y="1996196"/>
+              <a:ext cx="4518501" cy="3182004"/>
+            </a:xfrm>
+            <a:prstGeom prst="rect">
+              <a:avLst/>
+            </a:prstGeom>
+            <a:solidFill>
+              <a:schemeClr val="bg1"/>
+            </a:solidFill>
+            <a:ln w="3175" cmpd="sng">
+              <a:solidFill>
+                <a:srgbClr val="A6A6A6"/>
+              </a:solidFill>
+            </a:ln>
+          </p:spPr>
+          <p:style>
+            <a:lnRef idx="1">
+              <a:schemeClr val="accent1"/>
+            </a:lnRef>
+            <a:fillRef idx="3">
+              <a:schemeClr val="accent1"/>
+            </a:fillRef>
+            <a:effectRef idx="2">
+              <a:schemeClr val="accent1"/>
+            </a:effectRef>
+            <a:fontRef idx="minor">
+              <a:schemeClr val="lt1"/>
+            </a:fontRef>
+          </p:style>
+          <p:txBody>
+            <a:bodyPr rtlCol="0" anchor="ctr"/>
+            <a:lstStyle/>
+            <a:p>
+              <a:pPr algn="ctr"/>
+              <a:endParaRPr lang="fr-FR"/>
+            </a:p>
+          </p:txBody>
+        </p:sp>
+        <p:sp>
+          <p:nvSpPr>
+            <p:cNvPr id="13" name="Forme libre 12"/>
+            <p:cNvSpPr/>
+            <p:nvPr/>
+          </p:nvSpPr>
+          <p:spPr>
+            <a:xfrm>
+              <a:off x="4843748" y="2761694"/>
+              <a:ext cx="704609" cy="838371"/>
+            </a:xfrm>
+            <a:custGeom>
+              <a:avLst/>
+              <a:gdLst>
+                <a:gd name="connsiteX0" fmla="*/ 57081 w 747543"/>
+                <a:gd name="connsiteY0" fmla="*/ 0 h 838371"/>
+                <a:gd name="connsiteX1" fmla="*/ 69411 w 747543"/>
+                <a:gd name="connsiteY1" fmla="*/ 493159 h 838371"/>
+                <a:gd name="connsiteX2" fmla="*/ 747543 w 747543"/>
+                <a:gd name="connsiteY2" fmla="*/ 838371 h 838371"/>
+                <a:gd name="connsiteX0" fmla="*/ 11323 w 701785"/>
+                <a:gd name="connsiteY0" fmla="*/ 0 h 838371"/>
+                <a:gd name="connsiteX1" fmla="*/ 208598 w 701785"/>
+                <a:gd name="connsiteY1" fmla="*/ 542475 h 838371"/>
+                <a:gd name="connsiteX2" fmla="*/ 701785 w 701785"/>
+                <a:gd name="connsiteY2" fmla="*/ 838371 h 838371"/>
+                <a:gd name="connsiteX0" fmla="*/ 14147 w 704609"/>
+                <a:gd name="connsiteY0" fmla="*/ 0 h 838371"/>
+                <a:gd name="connsiteX1" fmla="*/ 174433 w 704609"/>
+                <a:gd name="connsiteY1" fmla="*/ 554804 h 838371"/>
+                <a:gd name="connsiteX2" fmla="*/ 704609 w 704609"/>
+                <a:gd name="connsiteY2" fmla="*/ 838371 h 838371"/>
+              </a:gdLst>
+              <a:ahLst/>
+              <a:cxnLst>
+                <a:cxn ang="0">
+                  <a:pos x="connsiteX0" y="connsiteY0"/>
+                </a:cxn>
+                <a:cxn ang="0">
+                  <a:pos x="connsiteX1" y="connsiteY1"/>
+                </a:cxn>
+                <a:cxn ang="0">
+                  <a:pos x="connsiteX2" y="connsiteY2"/>
+                </a:cxn>
+              </a:cxnLst>
+              <a:rect l="l" t="t" r="r" b="b"/>
+              <a:pathLst>
+                <a:path w="704609" h="838371">
+                  <a:moveTo>
+                    <a:pt x="14147" y="0"/>
+                  </a:moveTo>
+                  <a:cubicBezTo>
+                    <a:pt x="-37227" y="176715"/>
+                    <a:pt x="59356" y="415076"/>
+                    <a:pt x="174433" y="554804"/>
+                  </a:cubicBezTo>
+                  <a:cubicBezTo>
+                    <a:pt x="289510" y="694532"/>
+                    <a:pt x="704609" y="838371"/>
+                    <a:pt x="704609" y="838371"/>
+                  </a:cubicBezTo>
+                </a:path>
+              </a:pathLst>
+            </a:custGeom>
+            <a:ln w="9525" cmpd="sng">
+              <a:solidFill>
+                <a:schemeClr val="tx1"/>
+              </a:solidFill>
+              <a:headEnd type="none"/>
+              <a:tailEnd type="arrow"/>
+            </a:ln>
+          </p:spPr>
+          <p:style>
+            <a:lnRef idx="2">
+              <a:schemeClr val="accent1"/>
+            </a:lnRef>
+            <a:fillRef idx="0">
+              <a:schemeClr val="accent1"/>
+            </a:fillRef>
+            <a:effectRef idx="1">
+              <a:schemeClr val="accent1"/>
+            </a:effectRef>
+            <a:fontRef idx="minor">
+              <a:schemeClr val="tx1"/>
+            </a:fontRef>
+          </p:style>
+          <p:txBody>
+            <a:bodyPr rtlCol="0" anchor="ctr"/>
+            <a:lstStyle/>
+            <a:p>
+              <a:pPr algn="ctr"/>
+              <a:endParaRPr lang="fr-FR"/>
+            </a:p>
+          </p:txBody>
+        </p:sp>
+        <p:sp>
+          <p:nvSpPr>
+            <p:cNvPr id="14" name="Forme libre 13"/>
+            <p:cNvSpPr/>
+            <p:nvPr/>
+          </p:nvSpPr>
+          <p:spPr>
+            <a:xfrm>
+              <a:off x="6016885" y="3032733"/>
+              <a:ext cx="1220639" cy="356882"/>
+            </a:xfrm>
+            <a:custGeom>
+              <a:avLst/>
+              <a:gdLst>
+                <a:gd name="connsiteX0" fmla="*/ 0 w 1085012"/>
+                <a:gd name="connsiteY0" fmla="*/ 591990 h 591990"/>
+                <a:gd name="connsiteX1" fmla="*/ 419209 w 1085012"/>
+                <a:gd name="connsiteY1" fmla="*/ 49515 h 591990"/>
+                <a:gd name="connsiteX2" fmla="*/ 1085012 w 1085012"/>
+                <a:gd name="connsiteY2" fmla="*/ 24857 h 591990"/>
+              </a:gdLst>
+              <a:ahLst/>
+              <a:cxnLst>
+                <a:cxn ang="0">
+                  <a:pos x="connsiteX0" y="connsiteY0"/>
+                </a:cxn>
+                <a:cxn ang="0">
+                  <a:pos x="connsiteX1" y="connsiteY1"/>
+                </a:cxn>
+                <a:cxn ang="0">
+                  <a:pos x="connsiteX2" y="connsiteY2"/>
+                </a:cxn>
+              </a:cxnLst>
+              <a:rect l="l" t="t" r="r" b="b"/>
+              <a:pathLst>
+                <a:path w="1085012" h="591990">
+                  <a:moveTo>
+                    <a:pt x="0" y="591990"/>
+                  </a:moveTo>
+                  <a:cubicBezTo>
+                    <a:pt x="119187" y="368013"/>
+                    <a:pt x="238374" y="144037"/>
+                    <a:pt x="419209" y="49515"/>
+                  </a:cubicBezTo>
+                  <a:cubicBezTo>
+                    <a:pt x="600044" y="-45007"/>
+                    <a:pt x="1085012" y="24857"/>
+                    <a:pt x="1085012" y="24857"/>
+                  </a:cubicBezTo>
+                </a:path>
+              </a:pathLst>
+            </a:custGeom>
+            <a:ln w="9525" cmpd="sng">
+              <a:solidFill>
+                <a:schemeClr val="tx1"/>
+              </a:solidFill>
+              <a:headEnd type="none"/>
+              <a:tailEnd type="arrow"/>
+            </a:ln>
+          </p:spPr>
+          <p:style>
+            <a:lnRef idx="2">
+              <a:schemeClr val="accent1"/>
+            </a:lnRef>
+            <a:fillRef idx="0">
+              <a:schemeClr val="accent1"/>
+            </a:fillRef>
+            <a:effectRef idx="1">
+              <a:schemeClr val="accent1"/>
+            </a:effectRef>
+            <a:fontRef idx="minor">
+              <a:schemeClr val="tx1"/>
+            </a:fontRef>
+          </p:style>
+          <p:txBody>
+            <a:bodyPr rtlCol="0" anchor="ctr"/>
+            <a:lstStyle/>
+            <a:p>
+              <a:pPr algn="ctr"/>
+              <a:endParaRPr lang="fr-FR"/>
+            </a:p>
+          </p:txBody>
+        </p:sp>
+        <p:sp>
+          <p:nvSpPr>
+            <p:cNvPr id="15" name="Forme libre 14"/>
+            <p:cNvSpPr/>
+            <p:nvPr/>
+          </p:nvSpPr>
+          <p:spPr>
+            <a:xfrm flipV="1">
+              <a:off x="6016885" y="3946130"/>
+              <a:ext cx="1217196" cy="406001"/>
+            </a:xfrm>
+            <a:custGeom>
+              <a:avLst/>
+              <a:gdLst>
+                <a:gd name="connsiteX0" fmla="*/ 0 w 1085012"/>
+                <a:gd name="connsiteY0" fmla="*/ 591990 h 591990"/>
+                <a:gd name="connsiteX1" fmla="*/ 419209 w 1085012"/>
+                <a:gd name="connsiteY1" fmla="*/ 49515 h 591990"/>
+                <a:gd name="connsiteX2" fmla="*/ 1085012 w 1085012"/>
+                <a:gd name="connsiteY2" fmla="*/ 24857 h 591990"/>
+              </a:gdLst>
+              <a:ahLst/>
+              <a:cxnLst>
+                <a:cxn ang="0">
+                  <a:pos x="connsiteX0" y="connsiteY0"/>
+                </a:cxn>
+                <a:cxn ang="0">
+                  <a:pos x="connsiteX1" y="connsiteY1"/>
+                </a:cxn>
+                <a:cxn ang="0">
+                  <a:pos x="connsiteX2" y="connsiteY2"/>
+                </a:cxn>
+              </a:cxnLst>
+              <a:rect l="l" t="t" r="r" b="b"/>
+              <a:pathLst>
+                <a:path w="1085012" h="591990">
+                  <a:moveTo>
+                    <a:pt x="0" y="591990"/>
+                  </a:moveTo>
+                  <a:cubicBezTo>
+                    <a:pt x="119187" y="368013"/>
+                    <a:pt x="238374" y="144037"/>
+                    <a:pt x="419209" y="49515"/>
+                  </a:cubicBezTo>
+                  <a:cubicBezTo>
+                    <a:pt x="600044" y="-45007"/>
+                    <a:pt x="1085012" y="24857"/>
+                    <a:pt x="1085012" y="24857"/>
+                  </a:cubicBezTo>
+                </a:path>
+              </a:pathLst>
+            </a:custGeom>
+            <a:ln w="9525" cmpd="sng">
+              <a:solidFill>
+                <a:schemeClr val="tx1"/>
+              </a:solidFill>
+              <a:headEnd type="none"/>
+              <a:tailEnd type="arrow"/>
+            </a:ln>
+          </p:spPr>
+          <p:style>
+            <a:lnRef idx="2">
+              <a:schemeClr val="accent1"/>
+            </a:lnRef>
+            <a:fillRef idx="0">
+              <a:schemeClr val="accent1"/>
+            </a:fillRef>
+            <a:effectRef idx="1">
+              <a:schemeClr val="accent1"/>
+            </a:effectRef>
+            <a:fontRef idx="minor">
+              <a:schemeClr val="tx1"/>
+            </a:fontRef>
+          </p:style>
+          <p:txBody>
+            <a:bodyPr rtlCol="0" anchor="ctr"/>
+            <a:lstStyle/>
+            <a:p>
+              <a:pPr algn="ctr"/>
+              <a:endParaRPr lang="fr-FR"/>
+            </a:p>
+          </p:txBody>
+        </p:sp>
+        <p:sp>
+          <p:nvSpPr>
+            <p:cNvPr id="5" name="Ellipse 4"/>
+            <p:cNvSpPr/>
+            <p:nvPr/>
+          </p:nvSpPr>
+          <p:spPr>
+            <a:xfrm>
+              <a:off x="4709938" y="2457920"/>
+              <a:ext cx="308242" cy="308225"/>
+            </a:xfrm>
+            <a:prstGeom prst="ellipse">
+              <a:avLst/>
+            </a:prstGeom>
+            <a:solidFill>
+              <a:schemeClr val="tx1"/>
+            </a:solidFill>
+            <a:ln>
+              <a:solidFill>
+                <a:schemeClr val="tx1">
+                  <a:lumMod val="95000"/>
+                  <a:lumOff val="5000"/>
+                </a:schemeClr>
+              </a:solidFill>
+            </a:ln>
+          </p:spPr>
+          <p:style>
+            <a:lnRef idx="1">
+              <a:schemeClr val="accent1"/>
+            </a:lnRef>
+            <a:fillRef idx="3">
+              <a:schemeClr val="accent1"/>
+            </a:fillRef>
+            <a:effectRef idx="2">
+              <a:schemeClr val="accent1"/>
+            </a:effectRef>
+            <a:fontRef idx="minor">
+              <a:schemeClr val="lt1"/>
+            </a:fontRef>
+          </p:style>
+          <p:txBody>
+            <a:bodyPr rtlCol="0" anchor="ctr"/>
+            <a:lstStyle/>
+            <a:p>
+              <a:pPr algn="ctr"/>
+              <a:endParaRPr lang="fr-FR" dirty="0"/>
+            </a:p>
+          </p:txBody>
+        </p:sp>
+        <p:sp>
+          <p:nvSpPr>
+            <p:cNvPr id="9" name="Ellipse 8"/>
+            <p:cNvSpPr/>
+            <p:nvPr/>
+          </p:nvSpPr>
+          <p:spPr>
+            <a:xfrm>
+              <a:off x="5540473" y="3352628"/>
+              <a:ext cx="624370" cy="630491"/>
+            </a:xfrm>
+            <a:prstGeom prst="ellipse">
+              <a:avLst/>
+            </a:prstGeom>
+            <a:solidFill>
+              <a:schemeClr val="bg1"/>
+            </a:solidFill>
+            <a:ln w="28575" cmpd="sng">
+              <a:solidFill>
+                <a:schemeClr val="tx1">
+                  <a:lumMod val="95000"/>
+                  <a:lumOff val="5000"/>
+                </a:schemeClr>
+              </a:solidFill>
+            </a:ln>
+          </p:spPr>
+          <p:style>
+            <a:lnRef idx="1">
+              <a:schemeClr val="accent1"/>
+            </a:lnRef>
+            <a:fillRef idx="3">
+              <a:schemeClr val="accent1"/>
+            </a:fillRef>
+            <a:effectRef idx="2">
+              <a:schemeClr val="accent1"/>
+            </a:effectRef>
+            <a:fontRef idx="minor">
+              <a:schemeClr val="lt1"/>
+            </a:fontRef>
+          </p:style>
+          <p:txBody>
+            <a:bodyPr rtlCol="0" anchor="ctr"/>
+            <a:lstStyle/>
+            <a:p>
+              <a:pPr algn="ctr"/>
+              <a:endParaRPr lang="fr-FR"/>
+            </a:p>
+          </p:txBody>
+        </p:sp>
+        <p:sp>
+          <p:nvSpPr>
+            <p:cNvPr id="10" name="Ellipse 9"/>
+            <p:cNvSpPr/>
+            <p:nvPr/>
+          </p:nvSpPr>
+          <p:spPr>
+            <a:xfrm>
+              <a:off x="7234081" y="2759124"/>
+              <a:ext cx="624370" cy="630491"/>
+            </a:xfrm>
+            <a:prstGeom prst="ellipse">
+              <a:avLst/>
+            </a:prstGeom>
+            <a:solidFill>
+              <a:schemeClr val="bg1"/>
+            </a:solidFill>
+            <a:ln w="28575" cmpd="sng">
+              <a:solidFill>
+                <a:schemeClr val="tx1">
+                  <a:lumMod val="95000"/>
+                  <a:lumOff val="5000"/>
+                </a:schemeClr>
+              </a:solidFill>
+            </a:ln>
+          </p:spPr>
+          <p:style>
+            <a:lnRef idx="1">
+              <a:schemeClr val="accent1"/>
+            </a:lnRef>
+            <a:fillRef idx="3">
+              <a:schemeClr val="accent1"/>
+            </a:fillRef>
+            <a:effectRef idx="2">
+              <a:schemeClr val="accent1"/>
+            </a:effectRef>
+            <a:fontRef idx="minor">
+              <a:schemeClr val="lt1"/>
+            </a:fontRef>
+          </p:style>
+          <p:txBody>
+            <a:bodyPr rtlCol="0" anchor="ctr"/>
+            <a:lstStyle/>
+            <a:p>
+              <a:pPr algn="ctr"/>
+              <a:endParaRPr lang="fr-FR"/>
+            </a:p>
+          </p:txBody>
+        </p:sp>
+        <p:sp>
+          <p:nvSpPr>
+            <p:cNvPr id="11" name="Ellipse 10"/>
+            <p:cNvSpPr/>
+            <p:nvPr/>
+          </p:nvSpPr>
+          <p:spPr>
+            <a:xfrm>
+              <a:off x="7234081" y="3946132"/>
+              <a:ext cx="624370" cy="630491"/>
+            </a:xfrm>
+            <a:prstGeom prst="ellipse">
+              <a:avLst/>
+            </a:prstGeom>
+            <a:solidFill>
+              <a:schemeClr val="bg1"/>
+            </a:solidFill>
+            <a:ln w="28575" cmpd="sng">
+              <a:solidFill>
+                <a:schemeClr val="tx1">
+                  <a:lumMod val="95000"/>
+                  <a:lumOff val="5000"/>
+                </a:schemeClr>
+              </a:solidFill>
+            </a:ln>
+          </p:spPr>
+          <p:style>
+            <a:lnRef idx="1">
+              <a:schemeClr val="accent1"/>
+            </a:lnRef>
+            <a:fillRef idx="3">
+              <a:schemeClr val="accent1"/>
+            </a:fillRef>
+            <a:effectRef idx="2">
+              <a:schemeClr val="accent1"/>
+            </a:effectRef>
+            <a:fontRef idx="minor">
+              <a:schemeClr val="lt1"/>
+            </a:fontRef>
+          </p:style>
+          <p:txBody>
+            <a:bodyPr rtlCol="0" anchor="ctr"/>
+            <a:lstStyle/>
+            <a:p>
+              <a:pPr algn="ctr"/>
+              <a:endParaRPr lang="fr-FR"/>
+            </a:p>
+          </p:txBody>
+        </p:sp>
+        <p:sp>
+          <p:nvSpPr>
+            <p:cNvPr id="18" name="ZoneTexte 17"/>
+            <p:cNvSpPr txBox="1"/>
+            <p:nvPr/>
+          </p:nvSpPr>
+          <p:spPr>
+            <a:xfrm>
+              <a:off x="4438683" y="2108257"/>
+              <a:ext cx="838418" cy="369332"/>
+            </a:xfrm>
+            <a:prstGeom prst="rect">
+              <a:avLst/>
+            </a:prstGeom>
+            <a:noFill/>
+          </p:spPr>
+          <p:txBody>
+            <a:bodyPr wrap="square" rtlCol="0">
+              <a:spAutoFit/>
+            </a:bodyPr>
+            <a:lstStyle/>
+            <a:p>
+              <a:pPr algn="ctr"/>
+              <a:r>
+                <a:rPr lang="fr-FR" dirty="0" smtClean="0"/>
+                <a:t>Initial</a:t>
+              </a:r>
+            </a:p>
+          </p:txBody>
+        </p:sp>
+        <p:sp>
+          <p:nvSpPr>
+            <p:cNvPr id="19" name="ZoneTexte 18"/>
+            <p:cNvSpPr txBox="1"/>
+            <p:nvPr/>
+          </p:nvSpPr>
+          <p:spPr>
+            <a:xfrm>
+              <a:off x="4782098" y="3810195"/>
+              <a:ext cx="1129893" cy="369332"/>
+            </a:xfrm>
+            <a:prstGeom prst="rect">
+              <a:avLst/>
+            </a:prstGeom>
+            <a:noFill/>
+          </p:spPr>
+          <p:txBody>
+            <a:bodyPr wrap="square" rtlCol="0">
+              <a:spAutoFit/>
+            </a:bodyPr>
+            <a:lstStyle/>
+            <a:p>
+              <a:pPr algn="ctr"/>
+              <a:r>
+                <a:rPr lang="fr-FR" dirty="0" smtClean="0"/>
+                <a:t>displays</a:t>
+              </a:r>
+            </a:p>
+          </p:txBody>
+        </p:sp>
+        <p:sp>
+          <p:nvSpPr>
+            <p:cNvPr id="20" name="ZoneTexte 19"/>
+            <p:cNvSpPr txBox="1"/>
+            <p:nvPr/>
+          </p:nvSpPr>
+          <p:spPr>
+            <a:xfrm>
+              <a:off x="7024470" y="2389792"/>
+              <a:ext cx="1129893" cy="369332"/>
+            </a:xfrm>
+            <a:prstGeom prst="rect">
+              <a:avLst/>
+            </a:prstGeom>
+            <a:noFill/>
+          </p:spPr>
+          <p:txBody>
+            <a:bodyPr wrap="square" rtlCol="0">
+              <a:spAutoFit/>
+            </a:bodyPr>
+            <a:lstStyle/>
+            <a:p>
+              <a:pPr algn="ctr"/>
+              <a:r>
+                <a:rPr lang="fr-FR" dirty="0" err="1"/>
+                <a:t>a</a:t>
+              </a:r>
+              <a:r>
+                <a:rPr lang="fr-FR" dirty="0" err="1" smtClean="0"/>
+                <a:t>larm</a:t>
+              </a:r>
+              <a:r>
+                <a:rPr lang="fr-FR" dirty="0" smtClean="0"/>
+                <a:t> 1</a:t>
+              </a:r>
+            </a:p>
+          </p:txBody>
+        </p:sp>
+        <p:sp>
+          <p:nvSpPr>
+            <p:cNvPr id="21" name="ZoneTexte 20"/>
+            <p:cNvSpPr txBox="1"/>
+            <p:nvPr/>
+          </p:nvSpPr>
+          <p:spPr>
+            <a:xfrm>
+              <a:off x="7054806" y="4511553"/>
+              <a:ext cx="1129893" cy="369332"/>
+            </a:xfrm>
+            <a:prstGeom prst="rect">
+              <a:avLst/>
+            </a:prstGeom>
+            <a:noFill/>
+          </p:spPr>
+          <p:txBody>
+            <a:bodyPr wrap="square" rtlCol="0">
+              <a:spAutoFit/>
+            </a:bodyPr>
+            <a:lstStyle/>
+            <a:p>
+              <a:pPr algn="ctr"/>
+              <a:r>
+                <a:rPr lang="fr-FR" dirty="0" err="1"/>
+                <a:t>a</a:t>
+              </a:r>
+              <a:r>
+                <a:rPr lang="fr-FR" dirty="0" err="1" smtClean="0"/>
+                <a:t>larm</a:t>
+              </a:r>
+              <a:r>
+                <a:rPr lang="fr-FR" dirty="0" smtClean="0"/>
+                <a:t> 2</a:t>
+              </a:r>
+            </a:p>
+          </p:txBody>
+        </p:sp>
+        <p:sp>
+          <p:nvSpPr>
+            <p:cNvPr id="22" name="ZoneTexte 21"/>
+            <p:cNvSpPr txBox="1"/>
+            <p:nvPr/>
+          </p:nvSpPr>
+          <p:spPr>
+            <a:xfrm>
+              <a:off x="4069772" y="3078822"/>
+              <a:ext cx="1129893" cy="323165"/>
+            </a:xfrm>
+            <a:prstGeom prst="rect">
+              <a:avLst/>
+            </a:prstGeom>
+            <a:noFill/>
+          </p:spPr>
+          <p:txBody>
+            <a:bodyPr wrap="square" rtlCol="0">
+              <a:spAutoFit/>
+            </a:bodyPr>
+            <a:lstStyle/>
+            <a:p>
+              <a:pPr algn="ctr"/>
+              <a:r>
+                <a:rPr lang="fr-FR" sz="1500" dirty="0" err="1" smtClean="0">
+                  <a:latin typeface="Consolas"/>
+                  <a:cs typeface="Consolas"/>
+                </a:rPr>
+                <a:t>start</a:t>
+              </a:r>
+              <a:endParaRPr lang="fr-FR" sz="1500" dirty="0" smtClean="0">
+                <a:latin typeface="Consolas"/>
+                <a:cs typeface="Consolas"/>
+              </a:endParaRPr>
+            </a:p>
+          </p:txBody>
+        </p:sp>
+        <p:sp>
+          <p:nvSpPr>
+            <p:cNvPr id="24" name="ZoneTexte 23"/>
+            <p:cNvSpPr txBox="1"/>
+            <p:nvPr/>
+          </p:nvSpPr>
+          <p:spPr>
+            <a:xfrm>
+              <a:off x="6054302" y="3344709"/>
+              <a:ext cx="1129893" cy="323165"/>
+            </a:xfrm>
+            <a:prstGeom prst="rect">
+              <a:avLst/>
+            </a:prstGeom>
+            <a:noFill/>
+          </p:spPr>
+          <p:txBody>
+            <a:bodyPr wrap="square" rtlCol="0">
+              <a:spAutoFit/>
+            </a:bodyPr>
+            <a:lstStyle/>
+            <a:p>
+              <a:pPr algn="ctr"/>
+              <a:r>
+                <a:rPr lang="fr-FR" sz="1500" dirty="0" smtClean="0">
+                  <a:latin typeface="Consolas"/>
+                  <a:cs typeface="Consolas"/>
+                </a:rPr>
+                <a:t>a</a:t>
+              </a:r>
+            </a:p>
+          </p:txBody>
+        </p:sp>
+      </p:grpSp>
+      <p:sp>
+        <p:nvSpPr>
+          <p:cNvPr id="28" name="Rectangle 27"/>
+          <p:cNvSpPr/>
+          <p:nvPr/>
         </p:nvSpPr>
         <p:spPr>
           <a:xfrm>
-            <a:off x="546100" y="2618248"/>
-            <a:ext cx="7772400" cy="1470025"/>
+            <a:off x="113777" y="6430173"/>
+            <a:ext cx="8899220" cy="307777"/>
+          </a:xfrm>
+          <a:prstGeom prst="rect">
+            <a:avLst/>
+          </a:prstGeom>
+        </p:spPr>
+        <p:txBody>
+          <a:bodyPr wrap="square">
+            <a:spAutoFit/>
+          </a:bodyPr>
+          <a:lstStyle/>
+          <a:p>
+            <a:pPr algn="ctr"/>
+            <a:r>
+              <a:rPr lang="en-US" sz="1400" dirty="0"/>
+              <a:t>David </a:t>
+            </a:r>
+            <a:r>
+              <a:rPr lang="en-US" sz="1400" dirty="0" err="1"/>
+              <a:t>Harel</a:t>
+            </a:r>
+            <a:r>
+              <a:rPr lang="en-US" sz="1400" dirty="0"/>
+              <a:t>. 1987. Statecharts: A visual formalism for complex systems. Sci. </a:t>
+            </a:r>
+            <a:r>
+              <a:rPr lang="en-US" sz="1400" dirty="0" err="1"/>
+              <a:t>Comput</a:t>
+            </a:r>
+            <a:r>
+              <a:rPr lang="en-US" sz="1400" dirty="0"/>
+              <a:t>. Program. 8, 3 (June 1987), 231-274. </a:t>
+            </a:r>
+            <a:endParaRPr lang="fr-FR" sz="1400" dirty="0"/>
+          </a:p>
+        </p:txBody>
+      </p:sp>
+      <p:cxnSp>
+        <p:nvCxnSpPr>
+          <p:cNvPr id="30" name="Connecteur droit 29"/>
+          <p:cNvCxnSpPr/>
+          <p:nvPr/>
+        </p:nvCxnSpPr>
+        <p:spPr>
+          <a:xfrm>
+            <a:off x="113777" y="6430173"/>
+            <a:ext cx="8899220" cy="0"/>
+          </a:xfrm>
+          <a:prstGeom prst="line">
+            <a:avLst/>
+          </a:prstGeom>
+          <a:ln w="3175" cmpd="sng"/>
+        </p:spPr>
+        <p:style>
+          <a:lnRef idx="2">
+            <a:schemeClr val="accent1"/>
+          </a:lnRef>
+          <a:fillRef idx="0">
+            <a:schemeClr val="accent1"/>
+          </a:fillRef>
+          <a:effectRef idx="1">
+            <a:schemeClr val="accent1"/>
+          </a:effectRef>
+          <a:fontRef idx="minor">
+            <a:schemeClr val="tx1"/>
+          </a:fontRef>
+        </p:style>
+      </p:cxnSp>
+      <p:sp>
+        <p:nvSpPr>
+          <p:cNvPr id="4" name="Rectangle à coins arrondis 3"/>
+          <p:cNvSpPr/>
+          <p:nvPr/>
+        </p:nvSpPr>
+        <p:spPr>
+          <a:xfrm>
+            <a:off x="7089698" y="2082800"/>
+            <a:ext cx="1254185" cy="2806700"/>
+          </a:xfrm>
+          <a:prstGeom prst="roundRect">
+            <a:avLst/>
+          </a:prstGeom>
+          <a:noFill/>
+          <a:ln w="28575" cmpd="sng">
+            <a:solidFill>
+              <a:schemeClr val="tx1">
+                <a:lumMod val="95000"/>
+                <a:lumOff val="5000"/>
+              </a:schemeClr>
+            </a:solidFill>
+          </a:ln>
+        </p:spPr>
+        <p:style>
+          <a:lnRef idx="1">
+            <a:schemeClr val="accent1"/>
+          </a:lnRef>
+          <a:fillRef idx="3">
+            <a:schemeClr val="accent1"/>
+          </a:fillRef>
+          <a:effectRef idx="2">
+            <a:schemeClr val="accent1"/>
+          </a:effectRef>
+          <a:fontRef idx="minor">
+            <a:schemeClr val="lt1"/>
+          </a:fontRef>
+        </p:style>
+        <p:txBody>
+          <a:bodyPr rtlCol="0" anchor="ctr"/>
+          <a:lstStyle/>
+          <a:p>
+            <a:pPr algn="ctr"/>
+            <a:endParaRPr lang="fr-FR"/>
+          </a:p>
+        </p:txBody>
+      </p:sp>
+      <p:cxnSp>
+        <p:nvCxnSpPr>
+          <p:cNvPr id="8" name="Connecteur droit avec flèche 7"/>
+          <p:cNvCxnSpPr>
+            <a:stCxn id="4" idx="1"/>
+            <a:endCxn id="9" idx="6"/>
+          </p:cNvCxnSpPr>
+          <p:nvPr/>
+        </p:nvCxnSpPr>
+        <p:spPr>
+          <a:xfrm flipH="1" flipV="1">
+            <a:off x="6316263" y="3482663"/>
+            <a:ext cx="773435" cy="3487"/>
+          </a:xfrm>
+          <a:prstGeom prst="straightConnector1">
+            <a:avLst/>
+          </a:prstGeom>
+          <a:ln w="6350" cmpd="sng">
+            <a:solidFill>
+              <a:schemeClr val="tx1"/>
+            </a:solidFill>
+            <a:tailEnd type="arrow"/>
+          </a:ln>
+        </p:spPr>
+        <p:style>
+          <a:lnRef idx="2">
+            <a:schemeClr val="accent1"/>
+          </a:lnRef>
+          <a:fillRef idx="0">
+            <a:schemeClr val="accent1"/>
+          </a:fillRef>
+          <a:effectRef idx="1">
+            <a:schemeClr val="accent1"/>
+          </a:effectRef>
+          <a:fontRef idx="minor">
+            <a:schemeClr val="tx1"/>
+          </a:fontRef>
+        </p:style>
+      </p:cxnSp>
+      <p:sp>
+        <p:nvSpPr>
+          <p:cNvPr id="38" name="ZoneTexte 37"/>
+          <p:cNvSpPr txBox="1"/>
+          <p:nvPr/>
+        </p:nvSpPr>
+        <p:spPr>
+          <a:xfrm>
+            <a:off x="332899" y="5215162"/>
+            <a:ext cx="4073251" cy="646331"/>
+          </a:xfrm>
+          <a:prstGeom prst="rect">
+            <a:avLst/>
+          </a:prstGeom>
+          <a:noFill/>
+        </p:spPr>
+        <p:txBody>
+          <a:bodyPr wrap="square" rtlCol="0">
+            <a:spAutoFit/>
+          </a:bodyPr>
+          <a:lstStyle/>
+          <a:p>
+            <a:r>
+              <a:rPr lang="fr-FR" b="1" dirty="0" smtClean="0"/>
+              <a:t>Core FSM: </a:t>
+            </a:r>
+            <a:r>
+              <a:rPr lang="fr-FR" dirty="0" smtClean="0"/>
+              <a:t>State Machine, States, Transitions, Triggers</a:t>
+            </a:r>
+            <a:endParaRPr lang="fr-FR" dirty="0"/>
+          </a:p>
+        </p:txBody>
+      </p:sp>
+      <p:sp>
+        <p:nvSpPr>
+          <p:cNvPr id="39" name="ZoneTexte 38"/>
+          <p:cNvSpPr txBox="1"/>
+          <p:nvPr/>
+        </p:nvSpPr>
+        <p:spPr>
+          <a:xfrm>
+            <a:off x="4406150" y="5385927"/>
+            <a:ext cx="3156398" cy="646331"/>
+          </a:xfrm>
+          <a:prstGeom prst="rect">
+            <a:avLst/>
+          </a:prstGeom>
+          <a:noFill/>
+        </p:spPr>
+        <p:txBody>
+          <a:bodyPr wrap="square" rtlCol="0">
+            <a:spAutoFit/>
+          </a:bodyPr>
+          <a:lstStyle/>
+          <a:p>
+            <a:r>
+              <a:rPr lang="fr-FR" b="1" dirty="0" err="1" smtClean="0"/>
+              <a:t>CompositeStates</a:t>
+            </a:r>
+            <a:r>
+              <a:rPr lang="fr-FR" b="1" dirty="0" smtClean="0"/>
+              <a:t>: </a:t>
+            </a:r>
+            <a:r>
+              <a:rPr lang="fr-FR" dirty="0" err="1"/>
+              <a:t>C</a:t>
+            </a:r>
+            <a:r>
+              <a:rPr lang="fr-FR" dirty="0" err="1" smtClean="0"/>
+              <a:t>ompositeState</a:t>
+            </a:r>
+            <a:r>
+              <a:rPr lang="fr-FR" dirty="0" smtClean="0"/>
+              <a:t>, …</a:t>
+            </a:r>
+            <a:endParaRPr lang="fr-FR" dirty="0"/>
+          </a:p>
+        </p:txBody>
+      </p:sp>
+      <p:sp>
+        <p:nvSpPr>
+          <p:cNvPr id="40" name="ZoneTexte 39"/>
+          <p:cNvSpPr txBox="1"/>
+          <p:nvPr/>
+        </p:nvSpPr>
+        <p:spPr>
+          <a:xfrm>
+            <a:off x="3716049" y="5457494"/>
+            <a:ext cx="670502" cy="553998"/>
+          </a:xfrm>
+          <a:prstGeom prst="rect">
+            <a:avLst/>
+          </a:prstGeom>
+          <a:noFill/>
+        </p:spPr>
+        <p:txBody>
+          <a:bodyPr wrap="square" rtlCol="0">
+            <a:spAutoFit/>
+          </a:bodyPr>
+          <a:lstStyle/>
+          <a:p>
+            <a:pPr algn="ctr"/>
+            <a:r>
+              <a:rPr lang="fr-FR" sz="3000" b="1" dirty="0" smtClean="0"/>
+              <a:t>+</a:t>
+            </a:r>
+            <a:endParaRPr lang="fr-FR" sz="3000" dirty="0"/>
+          </a:p>
+        </p:txBody>
+      </p:sp>
+      <p:grpSp>
+        <p:nvGrpSpPr>
+          <p:cNvPr id="33" name="Grouper 32"/>
+          <p:cNvGrpSpPr/>
+          <p:nvPr/>
+        </p:nvGrpSpPr>
+        <p:grpSpPr>
+          <a:xfrm>
+            <a:off x="47701" y="1810985"/>
+            <a:ext cx="4240434" cy="3182004"/>
+            <a:chOff x="4069772" y="1996196"/>
+            <a:chExt cx="4240434" cy="3182004"/>
+          </a:xfrm>
+        </p:grpSpPr>
+        <p:sp>
+          <p:nvSpPr>
+            <p:cNvPr id="34" name="Rectangle 33"/>
+            <p:cNvSpPr/>
+            <p:nvPr/>
+          </p:nvSpPr>
+          <p:spPr>
+            <a:xfrm>
+              <a:off x="4266070" y="1996196"/>
+              <a:ext cx="4044136" cy="3182004"/>
+            </a:xfrm>
+            <a:prstGeom prst="rect">
+              <a:avLst/>
+            </a:prstGeom>
+            <a:solidFill>
+              <a:schemeClr val="bg1"/>
+            </a:solidFill>
+            <a:ln w="3175" cmpd="sng">
+              <a:solidFill>
+                <a:srgbClr val="A6A6A6"/>
+              </a:solidFill>
+            </a:ln>
+          </p:spPr>
+          <p:style>
+            <a:lnRef idx="1">
+              <a:schemeClr val="accent1"/>
+            </a:lnRef>
+            <a:fillRef idx="3">
+              <a:schemeClr val="accent1"/>
+            </a:fillRef>
+            <a:effectRef idx="2">
+              <a:schemeClr val="accent1"/>
+            </a:effectRef>
+            <a:fontRef idx="minor">
+              <a:schemeClr val="lt1"/>
+            </a:fontRef>
+          </p:style>
+          <p:txBody>
+            <a:bodyPr rtlCol="0" anchor="ctr"/>
+            <a:lstStyle/>
+            <a:p>
+              <a:pPr algn="ctr"/>
+              <a:endParaRPr lang="fr-FR"/>
+            </a:p>
+          </p:txBody>
+        </p:sp>
+        <p:sp>
+          <p:nvSpPr>
+            <p:cNvPr id="35" name="Forme libre 34"/>
+            <p:cNvSpPr/>
+            <p:nvPr/>
+          </p:nvSpPr>
+          <p:spPr>
+            <a:xfrm>
+              <a:off x="4843748" y="2761694"/>
+              <a:ext cx="704609" cy="838371"/>
+            </a:xfrm>
+            <a:custGeom>
+              <a:avLst/>
+              <a:gdLst>
+                <a:gd name="connsiteX0" fmla="*/ 57081 w 747543"/>
+                <a:gd name="connsiteY0" fmla="*/ 0 h 838371"/>
+                <a:gd name="connsiteX1" fmla="*/ 69411 w 747543"/>
+                <a:gd name="connsiteY1" fmla="*/ 493159 h 838371"/>
+                <a:gd name="connsiteX2" fmla="*/ 747543 w 747543"/>
+                <a:gd name="connsiteY2" fmla="*/ 838371 h 838371"/>
+                <a:gd name="connsiteX0" fmla="*/ 11323 w 701785"/>
+                <a:gd name="connsiteY0" fmla="*/ 0 h 838371"/>
+                <a:gd name="connsiteX1" fmla="*/ 208598 w 701785"/>
+                <a:gd name="connsiteY1" fmla="*/ 542475 h 838371"/>
+                <a:gd name="connsiteX2" fmla="*/ 701785 w 701785"/>
+                <a:gd name="connsiteY2" fmla="*/ 838371 h 838371"/>
+                <a:gd name="connsiteX0" fmla="*/ 14147 w 704609"/>
+                <a:gd name="connsiteY0" fmla="*/ 0 h 838371"/>
+                <a:gd name="connsiteX1" fmla="*/ 174433 w 704609"/>
+                <a:gd name="connsiteY1" fmla="*/ 554804 h 838371"/>
+                <a:gd name="connsiteX2" fmla="*/ 704609 w 704609"/>
+                <a:gd name="connsiteY2" fmla="*/ 838371 h 838371"/>
+              </a:gdLst>
+              <a:ahLst/>
+              <a:cxnLst>
+                <a:cxn ang="0">
+                  <a:pos x="connsiteX0" y="connsiteY0"/>
+                </a:cxn>
+                <a:cxn ang="0">
+                  <a:pos x="connsiteX1" y="connsiteY1"/>
+                </a:cxn>
+                <a:cxn ang="0">
+                  <a:pos x="connsiteX2" y="connsiteY2"/>
+                </a:cxn>
+              </a:cxnLst>
+              <a:rect l="l" t="t" r="r" b="b"/>
+              <a:pathLst>
+                <a:path w="704609" h="838371">
+                  <a:moveTo>
+                    <a:pt x="14147" y="0"/>
+                  </a:moveTo>
+                  <a:cubicBezTo>
+                    <a:pt x="-37227" y="176715"/>
+                    <a:pt x="59356" y="415076"/>
+                    <a:pt x="174433" y="554804"/>
+                  </a:cubicBezTo>
+                  <a:cubicBezTo>
+                    <a:pt x="289510" y="694532"/>
+                    <a:pt x="704609" y="838371"/>
+                    <a:pt x="704609" y="838371"/>
+                  </a:cubicBezTo>
+                </a:path>
+              </a:pathLst>
+            </a:custGeom>
+            <a:ln w="9525" cmpd="sng">
+              <a:solidFill>
+                <a:schemeClr val="tx1"/>
+              </a:solidFill>
+              <a:headEnd type="none"/>
+              <a:tailEnd type="arrow"/>
+            </a:ln>
+          </p:spPr>
+          <p:style>
+            <a:lnRef idx="2">
+              <a:schemeClr val="accent1"/>
+            </a:lnRef>
+            <a:fillRef idx="0">
+              <a:schemeClr val="accent1"/>
+            </a:fillRef>
+            <a:effectRef idx="1">
+              <a:schemeClr val="accent1"/>
+            </a:effectRef>
+            <a:fontRef idx="minor">
+              <a:schemeClr val="tx1"/>
+            </a:fontRef>
+          </p:style>
+          <p:txBody>
+            <a:bodyPr rtlCol="0" anchor="ctr"/>
+            <a:lstStyle/>
+            <a:p>
+              <a:pPr algn="ctr"/>
+              <a:endParaRPr lang="fr-FR"/>
+            </a:p>
+          </p:txBody>
+        </p:sp>
+        <p:sp>
+          <p:nvSpPr>
+            <p:cNvPr id="36" name="Forme libre 35"/>
+            <p:cNvSpPr/>
+            <p:nvPr/>
+          </p:nvSpPr>
+          <p:spPr>
+            <a:xfrm>
+              <a:off x="6016885" y="3032733"/>
+              <a:ext cx="1220639" cy="356882"/>
+            </a:xfrm>
+            <a:custGeom>
+              <a:avLst/>
+              <a:gdLst>
+                <a:gd name="connsiteX0" fmla="*/ 0 w 1085012"/>
+                <a:gd name="connsiteY0" fmla="*/ 591990 h 591990"/>
+                <a:gd name="connsiteX1" fmla="*/ 419209 w 1085012"/>
+                <a:gd name="connsiteY1" fmla="*/ 49515 h 591990"/>
+                <a:gd name="connsiteX2" fmla="*/ 1085012 w 1085012"/>
+                <a:gd name="connsiteY2" fmla="*/ 24857 h 591990"/>
+              </a:gdLst>
+              <a:ahLst/>
+              <a:cxnLst>
+                <a:cxn ang="0">
+                  <a:pos x="connsiteX0" y="connsiteY0"/>
+                </a:cxn>
+                <a:cxn ang="0">
+                  <a:pos x="connsiteX1" y="connsiteY1"/>
+                </a:cxn>
+                <a:cxn ang="0">
+                  <a:pos x="connsiteX2" y="connsiteY2"/>
+                </a:cxn>
+              </a:cxnLst>
+              <a:rect l="l" t="t" r="r" b="b"/>
+              <a:pathLst>
+                <a:path w="1085012" h="591990">
+                  <a:moveTo>
+                    <a:pt x="0" y="591990"/>
+                  </a:moveTo>
+                  <a:cubicBezTo>
+                    <a:pt x="119187" y="368013"/>
+                    <a:pt x="238374" y="144037"/>
+                    <a:pt x="419209" y="49515"/>
+                  </a:cubicBezTo>
+                  <a:cubicBezTo>
+                    <a:pt x="600044" y="-45007"/>
+                    <a:pt x="1085012" y="24857"/>
+                    <a:pt x="1085012" y="24857"/>
+                  </a:cubicBezTo>
+                </a:path>
+              </a:pathLst>
+            </a:custGeom>
+            <a:ln w="9525" cmpd="sng">
+              <a:solidFill>
+                <a:schemeClr val="tx1"/>
+              </a:solidFill>
+              <a:headEnd type="none"/>
+              <a:tailEnd type="arrow"/>
+            </a:ln>
+          </p:spPr>
+          <p:style>
+            <a:lnRef idx="2">
+              <a:schemeClr val="accent1"/>
+            </a:lnRef>
+            <a:fillRef idx="0">
+              <a:schemeClr val="accent1"/>
+            </a:fillRef>
+            <a:effectRef idx="1">
+              <a:schemeClr val="accent1"/>
+            </a:effectRef>
+            <a:fontRef idx="minor">
+              <a:schemeClr val="tx1"/>
+            </a:fontRef>
+          </p:style>
+          <p:txBody>
+            <a:bodyPr rtlCol="0" anchor="ctr"/>
+            <a:lstStyle/>
+            <a:p>
+              <a:pPr algn="ctr"/>
+              <a:endParaRPr lang="fr-FR"/>
+            </a:p>
+          </p:txBody>
+        </p:sp>
+        <p:sp>
+          <p:nvSpPr>
+            <p:cNvPr id="37" name="Forme libre 36"/>
+            <p:cNvSpPr/>
+            <p:nvPr/>
+          </p:nvSpPr>
+          <p:spPr>
+            <a:xfrm flipV="1">
+              <a:off x="6016885" y="3946130"/>
+              <a:ext cx="1217196" cy="406001"/>
+            </a:xfrm>
+            <a:custGeom>
+              <a:avLst/>
+              <a:gdLst>
+                <a:gd name="connsiteX0" fmla="*/ 0 w 1085012"/>
+                <a:gd name="connsiteY0" fmla="*/ 591990 h 591990"/>
+                <a:gd name="connsiteX1" fmla="*/ 419209 w 1085012"/>
+                <a:gd name="connsiteY1" fmla="*/ 49515 h 591990"/>
+                <a:gd name="connsiteX2" fmla="*/ 1085012 w 1085012"/>
+                <a:gd name="connsiteY2" fmla="*/ 24857 h 591990"/>
+              </a:gdLst>
+              <a:ahLst/>
+              <a:cxnLst>
+                <a:cxn ang="0">
+                  <a:pos x="connsiteX0" y="connsiteY0"/>
+                </a:cxn>
+                <a:cxn ang="0">
+                  <a:pos x="connsiteX1" y="connsiteY1"/>
+                </a:cxn>
+                <a:cxn ang="0">
+                  <a:pos x="connsiteX2" y="connsiteY2"/>
+                </a:cxn>
+              </a:cxnLst>
+              <a:rect l="l" t="t" r="r" b="b"/>
+              <a:pathLst>
+                <a:path w="1085012" h="591990">
+                  <a:moveTo>
+                    <a:pt x="0" y="591990"/>
+                  </a:moveTo>
+                  <a:cubicBezTo>
+                    <a:pt x="119187" y="368013"/>
+                    <a:pt x="238374" y="144037"/>
+                    <a:pt x="419209" y="49515"/>
+                  </a:cubicBezTo>
+                  <a:cubicBezTo>
+                    <a:pt x="600044" y="-45007"/>
+                    <a:pt x="1085012" y="24857"/>
+                    <a:pt x="1085012" y="24857"/>
+                  </a:cubicBezTo>
+                </a:path>
+              </a:pathLst>
+            </a:custGeom>
+            <a:ln w="9525" cmpd="sng">
+              <a:solidFill>
+                <a:schemeClr val="tx1"/>
+              </a:solidFill>
+              <a:headEnd type="none"/>
+              <a:tailEnd type="arrow"/>
+            </a:ln>
+          </p:spPr>
+          <p:style>
+            <a:lnRef idx="2">
+              <a:schemeClr val="accent1"/>
+            </a:lnRef>
+            <a:fillRef idx="0">
+              <a:schemeClr val="accent1"/>
+            </a:fillRef>
+            <a:effectRef idx="1">
+              <a:schemeClr val="accent1"/>
+            </a:effectRef>
+            <a:fontRef idx="minor">
+              <a:schemeClr val="tx1"/>
+            </a:fontRef>
+          </p:style>
+          <p:txBody>
+            <a:bodyPr rtlCol="0" anchor="ctr"/>
+            <a:lstStyle/>
+            <a:p>
+              <a:pPr algn="ctr"/>
+              <a:endParaRPr lang="fr-FR"/>
+            </a:p>
+          </p:txBody>
+        </p:sp>
+        <p:sp>
+          <p:nvSpPr>
+            <p:cNvPr id="41" name="Forme libre 40"/>
+            <p:cNvSpPr/>
+            <p:nvPr/>
+          </p:nvSpPr>
+          <p:spPr>
+            <a:xfrm>
+              <a:off x="6164841" y="3242524"/>
+              <a:ext cx="1109672" cy="345212"/>
+            </a:xfrm>
+            <a:custGeom>
+              <a:avLst/>
+              <a:gdLst>
+                <a:gd name="connsiteX0" fmla="*/ 1109672 w 1109672"/>
+                <a:gd name="connsiteY0" fmla="*/ 0 h 345212"/>
+                <a:gd name="connsiteX1" fmla="*/ 628814 w 1109672"/>
+                <a:gd name="connsiteY1" fmla="*/ 209593 h 345212"/>
+                <a:gd name="connsiteX2" fmla="*/ 0 w 1109672"/>
+                <a:gd name="connsiteY2" fmla="*/ 345212 h 345212"/>
+              </a:gdLst>
+              <a:ahLst/>
+              <a:cxnLst>
+                <a:cxn ang="0">
+                  <a:pos x="connsiteX0" y="connsiteY0"/>
+                </a:cxn>
+                <a:cxn ang="0">
+                  <a:pos x="connsiteX1" y="connsiteY1"/>
+                </a:cxn>
+                <a:cxn ang="0">
+                  <a:pos x="connsiteX2" y="connsiteY2"/>
+                </a:cxn>
+              </a:cxnLst>
+              <a:rect l="l" t="t" r="r" b="b"/>
+              <a:pathLst>
+                <a:path w="1109672" h="345212">
+                  <a:moveTo>
+                    <a:pt x="1109672" y="0"/>
+                  </a:moveTo>
+                  <a:cubicBezTo>
+                    <a:pt x="961715" y="76029"/>
+                    <a:pt x="813759" y="152058"/>
+                    <a:pt x="628814" y="209593"/>
+                  </a:cubicBezTo>
+                  <a:cubicBezTo>
+                    <a:pt x="443869" y="267128"/>
+                    <a:pt x="0" y="345212"/>
+                    <a:pt x="0" y="345212"/>
+                  </a:cubicBezTo>
+                </a:path>
+              </a:pathLst>
+            </a:custGeom>
+            <a:ln w="9525" cmpd="sng">
+              <a:solidFill>
+                <a:schemeClr val="tx1"/>
+              </a:solidFill>
+              <a:headEnd type="none"/>
+              <a:tailEnd type="arrow"/>
+            </a:ln>
+          </p:spPr>
+          <p:style>
+            <a:lnRef idx="2">
+              <a:schemeClr val="accent1"/>
+            </a:lnRef>
+            <a:fillRef idx="0">
+              <a:schemeClr val="accent1"/>
+            </a:fillRef>
+            <a:effectRef idx="1">
+              <a:schemeClr val="accent1"/>
+            </a:effectRef>
+            <a:fontRef idx="minor">
+              <a:schemeClr val="tx1"/>
+            </a:fontRef>
+          </p:style>
+          <p:txBody>
+            <a:bodyPr rtlCol="0" anchor="ctr"/>
+            <a:lstStyle/>
+            <a:p>
+              <a:pPr algn="ctr"/>
+              <a:endParaRPr lang="fr-FR"/>
+            </a:p>
+          </p:txBody>
+        </p:sp>
+        <p:sp>
+          <p:nvSpPr>
+            <p:cNvPr id="44" name="Forme libre 43"/>
+            <p:cNvSpPr/>
+            <p:nvPr/>
+          </p:nvSpPr>
+          <p:spPr>
+            <a:xfrm flipV="1">
+              <a:off x="6164843" y="3661710"/>
+              <a:ext cx="1109672" cy="554804"/>
+            </a:xfrm>
+            <a:custGeom>
+              <a:avLst/>
+              <a:gdLst>
+                <a:gd name="connsiteX0" fmla="*/ 1109672 w 1109672"/>
+                <a:gd name="connsiteY0" fmla="*/ 0 h 345212"/>
+                <a:gd name="connsiteX1" fmla="*/ 628814 w 1109672"/>
+                <a:gd name="connsiteY1" fmla="*/ 209593 h 345212"/>
+                <a:gd name="connsiteX2" fmla="*/ 0 w 1109672"/>
+                <a:gd name="connsiteY2" fmla="*/ 345212 h 345212"/>
+              </a:gdLst>
+              <a:ahLst/>
+              <a:cxnLst>
+                <a:cxn ang="0">
+                  <a:pos x="connsiteX0" y="connsiteY0"/>
+                </a:cxn>
+                <a:cxn ang="0">
+                  <a:pos x="connsiteX1" y="connsiteY1"/>
+                </a:cxn>
+                <a:cxn ang="0">
+                  <a:pos x="connsiteX2" y="connsiteY2"/>
+                </a:cxn>
+              </a:cxnLst>
+              <a:rect l="l" t="t" r="r" b="b"/>
+              <a:pathLst>
+                <a:path w="1109672" h="345212">
+                  <a:moveTo>
+                    <a:pt x="1109672" y="0"/>
+                  </a:moveTo>
+                  <a:cubicBezTo>
+                    <a:pt x="961715" y="76029"/>
+                    <a:pt x="813759" y="152058"/>
+                    <a:pt x="628814" y="209593"/>
+                  </a:cubicBezTo>
+                  <a:cubicBezTo>
+                    <a:pt x="443869" y="267128"/>
+                    <a:pt x="0" y="345212"/>
+                    <a:pt x="0" y="345212"/>
+                  </a:cubicBezTo>
+                </a:path>
+              </a:pathLst>
+            </a:custGeom>
+            <a:ln w="9525" cmpd="sng">
+              <a:solidFill>
+                <a:schemeClr val="tx1"/>
+              </a:solidFill>
+              <a:headEnd type="none"/>
+              <a:tailEnd type="arrow"/>
+            </a:ln>
+          </p:spPr>
+          <p:style>
+            <a:lnRef idx="2">
+              <a:schemeClr val="accent1"/>
+            </a:lnRef>
+            <a:fillRef idx="0">
+              <a:schemeClr val="accent1"/>
+            </a:fillRef>
+            <a:effectRef idx="1">
+              <a:schemeClr val="accent1"/>
+            </a:effectRef>
+            <a:fontRef idx="minor">
+              <a:schemeClr val="tx1"/>
+            </a:fontRef>
+          </p:style>
+          <p:txBody>
+            <a:bodyPr rtlCol="0" anchor="ctr"/>
+            <a:lstStyle/>
+            <a:p>
+              <a:pPr algn="ctr"/>
+              <a:endParaRPr lang="fr-FR"/>
+            </a:p>
+          </p:txBody>
+        </p:sp>
+        <p:sp>
+          <p:nvSpPr>
+            <p:cNvPr id="45" name="Ellipse 44"/>
+            <p:cNvSpPr/>
+            <p:nvPr/>
+          </p:nvSpPr>
+          <p:spPr>
+            <a:xfrm>
+              <a:off x="4709938" y="2457920"/>
+              <a:ext cx="308242" cy="308225"/>
+            </a:xfrm>
+            <a:prstGeom prst="ellipse">
+              <a:avLst/>
+            </a:prstGeom>
+            <a:solidFill>
+              <a:schemeClr val="tx1"/>
+            </a:solidFill>
+            <a:ln>
+              <a:solidFill>
+                <a:schemeClr val="tx1">
+                  <a:lumMod val="95000"/>
+                  <a:lumOff val="5000"/>
+                </a:schemeClr>
+              </a:solidFill>
+            </a:ln>
+          </p:spPr>
+          <p:style>
+            <a:lnRef idx="1">
+              <a:schemeClr val="accent1"/>
+            </a:lnRef>
+            <a:fillRef idx="3">
+              <a:schemeClr val="accent1"/>
+            </a:fillRef>
+            <a:effectRef idx="2">
+              <a:schemeClr val="accent1"/>
+            </a:effectRef>
+            <a:fontRef idx="minor">
+              <a:schemeClr val="lt1"/>
+            </a:fontRef>
+          </p:style>
+          <p:txBody>
+            <a:bodyPr rtlCol="0" anchor="ctr"/>
+            <a:lstStyle/>
+            <a:p>
+              <a:pPr algn="ctr"/>
+              <a:endParaRPr lang="fr-FR" dirty="0"/>
+            </a:p>
+          </p:txBody>
+        </p:sp>
+        <p:sp>
+          <p:nvSpPr>
+            <p:cNvPr id="47" name="Ellipse 46"/>
+            <p:cNvSpPr/>
+            <p:nvPr/>
+          </p:nvSpPr>
+          <p:spPr>
+            <a:xfrm>
+              <a:off x="5540473" y="3352628"/>
+              <a:ext cx="624370" cy="630491"/>
+            </a:xfrm>
+            <a:prstGeom prst="ellipse">
+              <a:avLst/>
+            </a:prstGeom>
+            <a:solidFill>
+              <a:schemeClr val="bg1"/>
+            </a:solidFill>
+            <a:ln w="28575" cmpd="sng">
+              <a:solidFill>
+                <a:schemeClr val="tx1">
+                  <a:lumMod val="95000"/>
+                  <a:lumOff val="5000"/>
+                </a:schemeClr>
+              </a:solidFill>
+            </a:ln>
+          </p:spPr>
+          <p:style>
+            <a:lnRef idx="1">
+              <a:schemeClr val="accent1"/>
+            </a:lnRef>
+            <a:fillRef idx="3">
+              <a:schemeClr val="accent1"/>
+            </a:fillRef>
+            <a:effectRef idx="2">
+              <a:schemeClr val="accent1"/>
+            </a:effectRef>
+            <a:fontRef idx="minor">
+              <a:schemeClr val="lt1"/>
+            </a:fontRef>
+          </p:style>
+          <p:txBody>
+            <a:bodyPr rtlCol="0" anchor="ctr"/>
+            <a:lstStyle/>
+            <a:p>
+              <a:pPr algn="ctr"/>
+              <a:endParaRPr lang="fr-FR"/>
+            </a:p>
+          </p:txBody>
+        </p:sp>
+        <p:sp>
+          <p:nvSpPr>
+            <p:cNvPr id="48" name="Ellipse 47"/>
+            <p:cNvSpPr/>
+            <p:nvPr/>
+          </p:nvSpPr>
+          <p:spPr>
+            <a:xfrm>
+              <a:off x="7234081" y="2759124"/>
+              <a:ext cx="624370" cy="630491"/>
+            </a:xfrm>
+            <a:prstGeom prst="ellipse">
+              <a:avLst/>
+            </a:prstGeom>
+            <a:solidFill>
+              <a:schemeClr val="bg1"/>
+            </a:solidFill>
+            <a:ln w="28575" cmpd="sng">
+              <a:solidFill>
+                <a:schemeClr val="tx1">
+                  <a:lumMod val="95000"/>
+                  <a:lumOff val="5000"/>
+                </a:schemeClr>
+              </a:solidFill>
+            </a:ln>
+          </p:spPr>
+          <p:style>
+            <a:lnRef idx="1">
+              <a:schemeClr val="accent1"/>
+            </a:lnRef>
+            <a:fillRef idx="3">
+              <a:schemeClr val="accent1"/>
+            </a:fillRef>
+            <a:effectRef idx="2">
+              <a:schemeClr val="accent1"/>
+            </a:effectRef>
+            <a:fontRef idx="minor">
+              <a:schemeClr val="lt1"/>
+            </a:fontRef>
+          </p:style>
+          <p:txBody>
+            <a:bodyPr rtlCol="0" anchor="ctr"/>
+            <a:lstStyle/>
+            <a:p>
+              <a:pPr algn="ctr"/>
+              <a:endParaRPr lang="fr-FR"/>
+            </a:p>
+          </p:txBody>
+        </p:sp>
+        <p:sp>
+          <p:nvSpPr>
+            <p:cNvPr id="49" name="Ellipse 48"/>
+            <p:cNvSpPr/>
+            <p:nvPr/>
+          </p:nvSpPr>
+          <p:spPr>
+            <a:xfrm>
+              <a:off x="7234081" y="3946132"/>
+              <a:ext cx="624370" cy="630491"/>
+            </a:xfrm>
+            <a:prstGeom prst="ellipse">
+              <a:avLst/>
+            </a:prstGeom>
+            <a:solidFill>
+              <a:schemeClr val="bg1"/>
+            </a:solidFill>
+            <a:ln w="28575" cmpd="sng">
+              <a:solidFill>
+                <a:schemeClr val="tx1">
+                  <a:lumMod val="95000"/>
+                  <a:lumOff val="5000"/>
+                </a:schemeClr>
+              </a:solidFill>
+            </a:ln>
+          </p:spPr>
+          <p:style>
+            <a:lnRef idx="1">
+              <a:schemeClr val="accent1"/>
+            </a:lnRef>
+            <a:fillRef idx="3">
+              <a:schemeClr val="accent1"/>
+            </a:fillRef>
+            <a:effectRef idx="2">
+              <a:schemeClr val="accent1"/>
+            </a:effectRef>
+            <a:fontRef idx="minor">
+              <a:schemeClr val="lt1"/>
+            </a:fontRef>
+          </p:style>
+          <p:txBody>
+            <a:bodyPr rtlCol="0" anchor="ctr"/>
+            <a:lstStyle/>
+            <a:p>
+              <a:pPr algn="ctr"/>
+              <a:endParaRPr lang="fr-FR"/>
+            </a:p>
+          </p:txBody>
+        </p:sp>
+        <p:sp>
+          <p:nvSpPr>
+            <p:cNvPr id="50" name="ZoneTexte 49"/>
+            <p:cNvSpPr txBox="1"/>
+            <p:nvPr/>
+          </p:nvSpPr>
+          <p:spPr>
+            <a:xfrm>
+              <a:off x="4438683" y="2108257"/>
+              <a:ext cx="838418" cy="369332"/>
+            </a:xfrm>
+            <a:prstGeom prst="rect">
+              <a:avLst/>
+            </a:prstGeom>
+            <a:noFill/>
+          </p:spPr>
+          <p:txBody>
+            <a:bodyPr wrap="square" rtlCol="0">
+              <a:spAutoFit/>
+            </a:bodyPr>
+            <a:lstStyle/>
+            <a:p>
+              <a:pPr algn="ctr"/>
+              <a:r>
+                <a:rPr lang="fr-FR" dirty="0" smtClean="0"/>
+                <a:t>Initial</a:t>
+              </a:r>
+            </a:p>
+          </p:txBody>
+        </p:sp>
+        <p:sp>
+          <p:nvSpPr>
+            <p:cNvPr id="51" name="ZoneTexte 50"/>
+            <p:cNvSpPr txBox="1"/>
+            <p:nvPr/>
+          </p:nvSpPr>
+          <p:spPr>
+            <a:xfrm>
+              <a:off x="4782098" y="3810195"/>
+              <a:ext cx="1129893" cy="369332"/>
+            </a:xfrm>
+            <a:prstGeom prst="rect">
+              <a:avLst/>
+            </a:prstGeom>
+            <a:noFill/>
+          </p:spPr>
+          <p:txBody>
+            <a:bodyPr wrap="square" rtlCol="0">
+              <a:spAutoFit/>
+            </a:bodyPr>
+            <a:lstStyle/>
+            <a:p>
+              <a:pPr algn="ctr"/>
+              <a:r>
+                <a:rPr lang="fr-FR" dirty="0" smtClean="0"/>
+                <a:t>displays</a:t>
+              </a:r>
+            </a:p>
+          </p:txBody>
+        </p:sp>
+        <p:sp>
+          <p:nvSpPr>
+            <p:cNvPr id="52" name="ZoneTexte 51"/>
+            <p:cNvSpPr txBox="1"/>
+            <p:nvPr/>
+          </p:nvSpPr>
+          <p:spPr>
+            <a:xfrm>
+              <a:off x="7024470" y="2389792"/>
+              <a:ext cx="1129893" cy="369332"/>
+            </a:xfrm>
+            <a:prstGeom prst="rect">
+              <a:avLst/>
+            </a:prstGeom>
+            <a:noFill/>
+          </p:spPr>
+          <p:txBody>
+            <a:bodyPr wrap="square" rtlCol="0">
+              <a:spAutoFit/>
+            </a:bodyPr>
+            <a:lstStyle/>
+            <a:p>
+              <a:pPr algn="ctr"/>
+              <a:r>
+                <a:rPr lang="fr-FR" dirty="0" err="1"/>
+                <a:t>a</a:t>
+              </a:r>
+              <a:r>
+                <a:rPr lang="fr-FR" dirty="0" err="1" smtClean="0"/>
+                <a:t>larm</a:t>
+              </a:r>
+              <a:r>
+                <a:rPr lang="fr-FR" dirty="0" smtClean="0"/>
+                <a:t> 1</a:t>
+              </a:r>
+            </a:p>
+          </p:txBody>
+        </p:sp>
+        <p:sp>
+          <p:nvSpPr>
+            <p:cNvPr id="53" name="ZoneTexte 52"/>
+            <p:cNvSpPr txBox="1"/>
+            <p:nvPr/>
+          </p:nvSpPr>
+          <p:spPr>
+            <a:xfrm>
+              <a:off x="7054806" y="4511553"/>
+              <a:ext cx="1129893" cy="369332"/>
+            </a:xfrm>
+            <a:prstGeom prst="rect">
+              <a:avLst/>
+            </a:prstGeom>
+            <a:noFill/>
+          </p:spPr>
+          <p:txBody>
+            <a:bodyPr wrap="square" rtlCol="0">
+              <a:spAutoFit/>
+            </a:bodyPr>
+            <a:lstStyle/>
+            <a:p>
+              <a:pPr algn="ctr"/>
+              <a:r>
+                <a:rPr lang="fr-FR" dirty="0" err="1"/>
+                <a:t>a</a:t>
+              </a:r>
+              <a:r>
+                <a:rPr lang="fr-FR" dirty="0" err="1" smtClean="0"/>
+                <a:t>larm</a:t>
+              </a:r>
+              <a:r>
+                <a:rPr lang="fr-FR" dirty="0" smtClean="0"/>
+                <a:t> 2</a:t>
+              </a:r>
+            </a:p>
+          </p:txBody>
+        </p:sp>
+        <p:sp>
+          <p:nvSpPr>
+            <p:cNvPr id="54" name="ZoneTexte 53"/>
+            <p:cNvSpPr txBox="1"/>
+            <p:nvPr/>
+          </p:nvSpPr>
+          <p:spPr>
+            <a:xfrm>
+              <a:off x="4069772" y="3078822"/>
+              <a:ext cx="1129893" cy="323165"/>
+            </a:xfrm>
+            <a:prstGeom prst="rect">
+              <a:avLst/>
+            </a:prstGeom>
+            <a:noFill/>
+          </p:spPr>
+          <p:txBody>
+            <a:bodyPr wrap="square" rtlCol="0">
+              <a:spAutoFit/>
+            </a:bodyPr>
+            <a:lstStyle/>
+            <a:p>
+              <a:pPr algn="ctr"/>
+              <a:r>
+                <a:rPr lang="fr-FR" sz="1500" dirty="0" err="1" smtClean="0">
+                  <a:latin typeface="Consolas"/>
+                  <a:cs typeface="Consolas"/>
+                </a:rPr>
+                <a:t>start</a:t>
+              </a:r>
+              <a:endParaRPr lang="fr-FR" sz="1500" dirty="0" smtClean="0">
+                <a:latin typeface="Consolas"/>
+                <a:cs typeface="Consolas"/>
+              </a:endParaRPr>
+            </a:p>
+          </p:txBody>
+        </p:sp>
+        <p:sp>
+          <p:nvSpPr>
+            <p:cNvPr id="56" name="ZoneTexte 55"/>
+            <p:cNvSpPr txBox="1"/>
+            <p:nvPr/>
+          </p:nvSpPr>
+          <p:spPr>
+            <a:xfrm>
+              <a:off x="6090865" y="3165082"/>
+              <a:ext cx="1129893" cy="323165"/>
+            </a:xfrm>
+            <a:prstGeom prst="rect">
+              <a:avLst/>
+            </a:prstGeom>
+            <a:noFill/>
+          </p:spPr>
+          <p:txBody>
+            <a:bodyPr wrap="square" rtlCol="0">
+              <a:spAutoFit/>
+            </a:bodyPr>
+            <a:lstStyle/>
+            <a:p>
+              <a:pPr algn="ctr"/>
+              <a:r>
+                <a:rPr lang="fr-FR" sz="1500" dirty="0" smtClean="0">
+                  <a:latin typeface="Consolas"/>
+                  <a:cs typeface="Consolas"/>
+                </a:rPr>
+                <a:t>a</a:t>
+              </a:r>
+            </a:p>
+          </p:txBody>
+        </p:sp>
+        <p:sp>
+          <p:nvSpPr>
+            <p:cNvPr id="57" name="ZoneTexte 56"/>
+            <p:cNvSpPr txBox="1"/>
+            <p:nvPr/>
+          </p:nvSpPr>
+          <p:spPr>
+            <a:xfrm>
+              <a:off x="6085204" y="3748013"/>
+              <a:ext cx="1129893" cy="323165"/>
+            </a:xfrm>
+            <a:prstGeom prst="rect">
+              <a:avLst/>
+            </a:prstGeom>
+            <a:noFill/>
+          </p:spPr>
+          <p:txBody>
+            <a:bodyPr wrap="square" rtlCol="0">
+              <a:spAutoFit/>
+            </a:bodyPr>
+            <a:lstStyle/>
+            <a:p>
+              <a:pPr algn="ctr"/>
+              <a:r>
+                <a:rPr lang="fr-FR" sz="1500" dirty="0" smtClean="0">
+                  <a:solidFill>
+                    <a:srgbClr val="FF0000"/>
+                  </a:solidFill>
+                  <a:latin typeface="Consolas"/>
+                  <a:cs typeface="Consolas"/>
+                </a:rPr>
+                <a:t>!</a:t>
+              </a:r>
+              <a:r>
+                <a:rPr lang="fr-FR" sz="1500" dirty="0" smtClean="0">
+                  <a:latin typeface="Consolas"/>
+                  <a:cs typeface="Consolas"/>
+                </a:rPr>
+                <a:t>a</a:t>
+              </a:r>
+              <a:endParaRPr lang="fr-FR" sz="1500" dirty="0" smtClean="0">
+                <a:latin typeface="Consolas"/>
+                <a:cs typeface="Consolas"/>
+              </a:endParaRPr>
+            </a:p>
+          </p:txBody>
+        </p:sp>
+      </p:grpSp>
+      <p:sp>
+        <p:nvSpPr>
+          <p:cNvPr id="59" name="ZoneTexte 58"/>
+          <p:cNvSpPr txBox="1"/>
+          <p:nvPr/>
+        </p:nvSpPr>
+        <p:spPr>
+          <a:xfrm>
+            <a:off x="1891862" y="2549015"/>
+            <a:ext cx="1129893" cy="323165"/>
+          </a:xfrm>
+          <a:prstGeom prst="rect">
+            <a:avLst/>
+          </a:prstGeom>
+          <a:noFill/>
+        </p:spPr>
+        <p:txBody>
+          <a:bodyPr wrap="square" rtlCol="0">
+            <a:spAutoFit/>
+          </a:bodyPr>
+          <a:lstStyle/>
+          <a:p>
+            <a:pPr algn="ctr"/>
+            <a:r>
+              <a:rPr lang="fr-FR" sz="1500" dirty="0" smtClean="0">
+                <a:latin typeface="Consolas"/>
+                <a:cs typeface="Consolas"/>
+              </a:rPr>
+              <a:t>T1 </a:t>
+            </a:r>
+            <a:r>
+              <a:rPr lang="fr-FR" sz="1500" dirty="0" smtClean="0">
+                <a:solidFill>
+                  <a:srgbClr val="FF0000"/>
+                </a:solidFill>
+                <a:latin typeface="Consolas"/>
+                <a:cs typeface="Consolas"/>
+              </a:rPr>
+              <a:t>AND OK</a:t>
+            </a:r>
+          </a:p>
+        </p:txBody>
+      </p:sp>
+      <p:sp>
+        <p:nvSpPr>
+          <p:cNvPr id="60" name="ZoneTexte 59"/>
+          <p:cNvSpPr txBox="1"/>
+          <p:nvPr/>
+        </p:nvSpPr>
+        <p:spPr>
+          <a:xfrm>
+            <a:off x="5914594" y="2565775"/>
+            <a:ext cx="1129893" cy="323165"/>
+          </a:xfrm>
+          <a:prstGeom prst="rect">
+            <a:avLst/>
+          </a:prstGeom>
+          <a:noFill/>
+        </p:spPr>
+        <p:txBody>
+          <a:bodyPr wrap="square" rtlCol="0">
+            <a:spAutoFit/>
+          </a:bodyPr>
+          <a:lstStyle/>
+          <a:p>
+            <a:pPr algn="ctr"/>
+            <a:r>
+              <a:rPr lang="fr-FR" sz="1500" dirty="0" smtClean="0">
+                <a:latin typeface="Consolas"/>
+                <a:cs typeface="Consolas"/>
+              </a:rPr>
+              <a:t>T1 </a:t>
+            </a:r>
+            <a:r>
+              <a:rPr lang="fr-FR" sz="1500" dirty="0" smtClean="0">
+                <a:solidFill>
+                  <a:srgbClr val="FF0000"/>
+                </a:solidFill>
+                <a:latin typeface="Consolas"/>
+                <a:cs typeface="Consolas"/>
+              </a:rPr>
+              <a:t>AND OK</a:t>
+            </a:r>
+          </a:p>
+        </p:txBody>
+      </p:sp>
+      <p:sp>
+        <p:nvSpPr>
+          <p:cNvPr id="61" name="ZoneTexte 60"/>
+          <p:cNvSpPr txBox="1"/>
+          <p:nvPr/>
+        </p:nvSpPr>
+        <p:spPr>
+          <a:xfrm>
+            <a:off x="1852234" y="4128762"/>
+            <a:ext cx="1129893" cy="323165"/>
+          </a:xfrm>
+          <a:prstGeom prst="rect">
+            <a:avLst/>
+          </a:prstGeom>
+          <a:noFill/>
+        </p:spPr>
+        <p:txBody>
+          <a:bodyPr wrap="square" rtlCol="0">
+            <a:spAutoFit/>
+          </a:bodyPr>
+          <a:lstStyle/>
+          <a:p>
+            <a:pPr algn="ctr"/>
+            <a:r>
+              <a:rPr lang="fr-FR" sz="1500" dirty="0" smtClean="0">
+                <a:latin typeface="Consolas"/>
+                <a:cs typeface="Consolas"/>
+              </a:rPr>
+              <a:t>T2</a:t>
+            </a:r>
+            <a:r>
+              <a:rPr lang="fr-FR" sz="1500" dirty="0" smtClean="0">
+                <a:solidFill>
+                  <a:srgbClr val="FF0000"/>
+                </a:solidFill>
+                <a:latin typeface="Consolas"/>
+                <a:cs typeface="Consolas"/>
+              </a:rPr>
+              <a:t> OR t2</a:t>
+            </a:r>
+          </a:p>
+        </p:txBody>
+      </p:sp>
+      <p:sp>
+        <p:nvSpPr>
+          <p:cNvPr id="62" name="ZoneTexte 61"/>
+          <p:cNvSpPr txBox="1"/>
+          <p:nvPr/>
+        </p:nvSpPr>
+        <p:spPr>
+          <a:xfrm>
+            <a:off x="5868000" y="4139308"/>
+            <a:ext cx="1129893" cy="323165"/>
+          </a:xfrm>
+          <a:prstGeom prst="rect">
+            <a:avLst/>
+          </a:prstGeom>
+          <a:noFill/>
+        </p:spPr>
+        <p:txBody>
+          <a:bodyPr wrap="square" rtlCol="0">
+            <a:spAutoFit/>
+          </a:bodyPr>
+          <a:lstStyle/>
+          <a:p>
+            <a:pPr algn="ctr"/>
+            <a:r>
+              <a:rPr lang="fr-FR" sz="1500" dirty="0" smtClean="0">
+                <a:latin typeface="Consolas"/>
+                <a:cs typeface="Consolas"/>
+              </a:rPr>
+              <a:t>T2</a:t>
+            </a:r>
+            <a:r>
+              <a:rPr lang="fr-FR" sz="1500" dirty="0" smtClean="0">
+                <a:solidFill>
+                  <a:srgbClr val="FF0000"/>
+                </a:solidFill>
+                <a:latin typeface="Consolas"/>
+                <a:cs typeface="Consolas"/>
+              </a:rPr>
+              <a:t> OR t2</a:t>
+            </a:r>
+          </a:p>
+        </p:txBody>
+      </p:sp>
+    </p:spTree>
+    <p:extLst>
+      <p:ext uri="{BB962C8B-B14F-4D97-AF65-F5344CB8AC3E}">
+        <p14:creationId xmlns:p14="http://schemas.microsoft.com/office/powerpoint/2010/main" val="1925730329"/>
+      </p:ext>
+    </p:extLst>
+  </p:cSld>
+  <p:clrMapOvr>
+    <a:masterClrMapping/>
+  </p:clrMapOvr>
+</p:sld>
+</file>
+
+<file path=ppt/slides/slide11.xml><?xml version="1.0" encoding="utf-8"?>
+<p:sld xmlns:a="http://schemas.openxmlformats.org/drawingml/2006/main" xmlns:r="http://schemas.openxmlformats.org/officeDocument/2006/relationships" xmlns:p="http://schemas.openxmlformats.org/presentationml/2006/main">
+  <p:cSld>
+    <p:spTree>
+      <p:nvGrpSpPr>
+        <p:cNvPr id="1" name=""/>
+        <p:cNvGrpSpPr/>
+        <p:nvPr/>
+      </p:nvGrpSpPr>
+      <p:grpSpPr>
+        <a:xfrm>
+          <a:off x="0" y="0"/>
+          <a:ext cx="0" cy="0"/>
+          <a:chOff x="0" y="0"/>
+          <a:chExt cx="0" cy="0"/>
+        </a:xfrm>
+      </p:grpSpPr>
+      <p:sp>
+        <p:nvSpPr>
+          <p:cNvPr id="2" name="Titre 1"/>
+          <p:cNvSpPr>
+            <a:spLocks noGrp="1"/>
+          </p:cNvSpPr>
+          <p:nvPr>
+            <p:ph type="title"/>
+          </p:nvPr>
+        </p:nvSpPr>
+        <p:spPr/>
+        <p:txBody>
+          <a:bodyPr/>
+          <a:lstStyle/>
+          <a:p>
+            <a:r>
+              <a:rPr lang="en-US" dirty="0" smtClean="0"/>
+              <a:t>The citizen watch</a:t>
+            </a:r>
+            <a:endParaRPr lang="en-US" dirty="0"/>
+          </a:p>
+        </p:txBody>
+      </p:sp>
+      <p:grpSp>
+        <p:nvGrpSpPr>
+          <p:cNvPr id="31" name="Grouper 30"/>
+          <p:cNvGrpSpPr/>
+          <p:nvPr/>
+        </p:nvGrpSpPr>
+        <p:grpSpPr>
+          <a:xfrm>
+            <a:off x="136601" y="1810985"/>
+            <a:ext cx="4714798" cy="3182004"/>
+            <a:chOff x="4069772" y="1996196"/>
+            <a:chExt cx="4714798" cy="3182004"/>
+          </a:xfrm>
+        </p:grpSpPr>
+        <p:sp>
+          <p:nvSpPr>
+            <p:cNvPr id="27" name="Rectangle 26"/>
+            <p:cNvSpPr/>
+            <p:nvPr/>
+          </p:nvSpPr>
+          <p:spPr>
+            <a:xfrm>
+              <a:off x="4266069" y="1996196"/>
+              <a:ext cx="4518501" cy="3182004"/>
+            </a:xfrm>
+            <a:prstGeom prst="rect">
+              <a:avLst/>
+            </a:prstGeom>
+            <a:solidFill>
+              <a:schemeClr val="bg1"/>
+            </a:solidFill>
+            <a:ln w="3175" cmpd="sng">
+              <a:solidFill>
+                <a:srgbClr val="A6A6A6"/>
+              </a:solidFill>
+            </a:ln>
+          </p:spPr>
+          <p:style>
+            <a:lnRef idx="1">
+              <a:schemeClr val="accent1"/>
+            </a:lnRef>
+            <a:fillRef idx="3">
+              <a:schemeClr val="accent1"/>
+            </a:fillRef>
+            <a:effectRef idx="2">
+              <a:schemeClr val="accent1"/>
+            </a:effectRef>
+            <a:fontRef idx="minor">
+              <a:schemeClr val="lt1"/>
+            </a:fontRef>
+          </p:style>
+          <p:txBody>
+            <a:bodyPr rtlCol="0" anchor="ctr"/>
+            <a:lstStyle/>
+            <a:p>
+              <a:pPr algn="ctr"/>
+              <a:endParaRPr lang="fr-FR"/>
+            </a:p>
+          </p:txBody>
+        </p:sp>
+        <p:sp>
+          <p:nvSpPr>
+            <p:cNvPr id="13" name="Forme libre 12"/>
+            <p:cNvSpPr/>
+            <p:nvPr/>
+          </p:nvSpPr>
+          <p:spPr>
+            <a:xfrm>
+              <a:off x="4843748" y="2761694"/>
+              <a:ext cx="704609" cy="838371"/>
+            </a:xfrm>
+            <a:custGeom>
+              <a:avLst/>
+              <a:gdLst>
+                <a:gd name="connsiteX0" fmla="*/ 57081 w 747543"/>
+                <a:gd name="connsiteY0" fmla="*/ 0 h 838371"/>
+                <a:gd name="connsiteX1" fmla="*/ 69411 w 747543"/>
+                <a:gd name="connsiteY1" fmla="*/ 493159 h 838371"/>
+                <a:gd name="connsiteX2" fmla="*/ 747543 w 747543"/>
+                <a:gd name="connsiteY2" fmla="*/ 838371 h 838371"/>
+                <a:gd name="connsiteX0" fmla="*/ 11323 w 701785"/>
+                <a:gd name="connsiteY0" fmla="*/ 0 h 838371"/>
+                <a:gd name="connsiteX1" fmla="*/ 208598 w 701785"/>
+                <a:gd name="connsiteY1" fmla="*/ 542475 h 838371"/>
+                <a:gd name="connsiteX2" fmla="*/ 701785 w 701785"/>
+                <a:gd name="connsiteY2" fmla="*/ 838371 h 838371"/>
+                <a:gd name="connsiteX0" fmla="*/ 14147 w 704609"/>
+                <a:gd name="connsiteY0" fmla="*/ 0 h 838371"/>
+                <a:gd name="connsiteX1" fmla="*/ 174433 w 704609"/>
+                <a:gd name="connsiteY1" fmla="*/ 554804 h 838371"/>
+                <a:gd name="connsiteX2" fmla="*/ 704609 w 704609"/>
+                <a:gd name="connsiteY2" fmla="*/ 838371 h 838371"/>
+              </a:gdLst>
+              <a:ahLst/>
+              <a:cxnLst>
+                <a:cxn ang="0">
+                  <a:pos x="connsiteX0" y="connsiteY0"/>
+                </a:cxn>
+                <a:cxn ang="0">
+                  <a:pos x="connsiteX1" y="connsiteY1"/>
+                </a:cxn>
+                <a:cxn ang="0">
+                  <a:pos x="connsiteX2" y="connsiteY2"/>
+                </a:cxn>
+              </a:cxnLst>
+              <a:rect l="l" t="t" r="r" b="b"/>
+              <a:pathLst>
+                <a:path w="704609" h="838371">
+                  <a:moveTo>
+                    <a:pt x="14147" y="0"/>
+                  </a:moveTo>
+                  <a:cubicBezTo>
+                    <a:pt x="-37227" y="176715"/>
+                    <a:pt x="59356" y="415076"/>
+                    <a:pt x="174433" y="554804"/>
+                  </a:cubicBezTo>
+                  <a:cubicBezTo>
+                    <a:pt x="289510" y="694532"/>
+                    <a:pt x="704609" y="838371"/>
+                    <a:pt x="704609" y="838371"/>
+                  </a:cubicBezTo>
+                </a:path>
+              </a:pathLst>
+            </a:custGeom>
+            <a:ln w="9525" cmpd="sng">
+              <a:solidFill>
+                <a:schemeClr val="tx1"/>
+              </a:solidFill>
+              <a:headEnd type="none"/>
+              <a:tailEnd type="arrow"/>
+            </a:ln>
+          </p:spPr>
+          <p:style>
+            <a:lnRef idx="2">
+              <a:schemeClr val="accent1"/>
+            </a:lnRef>
+            <a:fillRef idx="0">
+              <a:schemeClr val="accent1"/>
+            </a:fillRef>
+            <a:effectRef idx="1">
+              <a:schemeClr val="accent1"/>
+            </a:effectRef>
+            <a:fontRef idx="minor">
+              <a:schemeClr val="tx1"/>
+            </a:fontRef>
+          </p:style>
+          <p:txBody>
+            <a:bodyPr rtlCol="0" anchor="ctr"/>
+            <a:lstStyle/>
+            <a:p>
+              <a:pPr algn="ctr"/>
+              <a:endParaRPr lang="fr-FR"/>
+            </a:p>
+          </p:txBody>
+        </p:sp>
+        <p:sp>
+          <p:nvSpPr>
+            <p:cNvPr id="14" name="Forme libre 13"/>
+            <p:cNvSpPr/>
+            <p:nvPr/>
+          </p:nvSpPr>
+          <p:spPr>
+            <a:xfrm>
+              <a:off x="6016885" y="3032733"/>
+              <a:ext cx="1220639" cy="356882"/>
+            </a:xfrm>
+            <a:custGeom>
+              <a:avLst/>
+              <a:gdLst>
+                <a:gd name="connsiteX0" fmla="*/ 0 w 1085012"/>
+                <a:gd name="connsiteY0" fmla="*/ 591990 h 591990"/>
+                <a:gd name="connsiteX1" fmla="*/ 419209 w 1085012"/>
+                <a:gd name="connsiteY1" fmla="*/ 49515 h 591990"/>
+                <a:gd name="connsiteX2" fmla="*/ 1085012 w 1085012"/>
+                <a:gd name="connsiteY2" fmla="*/ 24857 h 591990"/>
+              </a:gdLst>
+              <a:ahLst/>
+              <a:cxnLst>
+                <a:cxn ang="0">
+                  <a:pos x="connsiteX0" y="connsiteY0"/>
+                </a:cxn>
+                <a:cxn ang="0">
+                  <a:pos x="connsiteX1" y="connsiteY1"/>
+                </a:cxn>
+                <a:cxn ang="0">
+                  <a:pos x="connsiteX2" y="connsiteY2"/>
+                </a:cxn>
+              </a:cxnLst>
+              <a:rect l="l" t="t" r="r" b="b"/>
+              <a:pathLst>
+                <a:path w="1085012" h="591990">
+                  <a:moveTo>
+                    <a:pt x="0" y="591990"/>
+                  </a:moveTo>
+                  <a:cubicBezTo>
+                    <a:pt x="119187" y="368013"/>
+                    <a:pt x="238374" y="144037"/>
+                    <a:pt x="419209" y="49515"/>
+                  </a:cubicBezTo>
+                  <a:cubicBezTo>
+                    <a:pt x="600044" y="-45007"/>
+                    <a:pt x="1085012" y="24857"/>
+                    <a:pt x="1085012" y="24857"/>
+                  </a:cubicBezTo>
+                </a:path>
+              </a:pathLst>
+            </a:custGeom>
+            <a:ln w="9525" cmpd="sng">
+              <a:solidFill>
+                <a:schemeClr val="tx1"/>
+              </a:solidFill>
+              <a:headEnd type="none"/>
+              <a:tailEnd type="arrow"/>
+            </a:ln>
+          </p:spPr>
+          <p:style>
+            <a:lnRef idx="2">
+              <a:schemeClr val="accent1"/>
+            </a:lnRef>
+            <a:fillRef idx="0">
+              <a:schemeClr val="accent1"/>
+            </a:fillRef>
+            <a:effectRef idx="1">
+              <a:schemeClr val="accent1"/>
+            </a:effectRef>
+            <a:fontRef idx="minor">
+              <a:schemeClr val="tx1"/>
+            </a:fontRef>
+          </p:style>
+          <p:txBody>
+            <a:bodyPr rtlCol="0" anchor="ctr"/>
+            <a:lstStyle/>
+            <a:p>
+              <a:pPr algn="ctr"/>
+              <a:endParaRPr lang="fr-FR"/>
+            </a:p>
+          </p:txBody>
+        </p:sp>
+        <p:sp>
+          <p:nvSpPr>
+            <p:cNvPr id="15" name="Forme libre 14"/>
+            <p:cNvSpPr/>
+            <p:nvPr/>
+          </p:nvSpPr>
+          <p:spPr>
+            <a:xfrm flipV="1">
+              <a:off x="6016885" y="3946130"/>
+              <a:ext cx="1217196" cy="406001"/>
+            </a:xfrm>
+            <a:custGeom>
+              <a:avLst/>
+              <a:gdLst>
+                <a:gd name="connsiteX0" fmla="*/ 0 w 1085012"/>
+                <a:gd name="connsiteY0" fmla="*/ 591990 h 591990"/>
+                <a:gd name="connsiteX1" fmla="*/ 419209 w 1085012"/>
+                <a:gd name="connsiteY1" fmla="*/ 49515 h 591990"/>
+                <a:gd name="connsiteX2" fmla="*/ 1085012 w 1085012"/>
+                <a:gd name="connsiteY2" fmla="*/ 24857 h 591990"/>
+              </a:gdLst>
+              <a:ahLst/>
+              <a:cxnLst>
+                <a:cxn ang="0">
+                  <a:pos x="connsiteX0" y="connsiteY0"/>
+                </a:cxn>
+                <a:cxn ang="0">
+                  <a:pos x="connsiteX1" y="connsiteY1"/>
+                </a:cxn>
+                <a:cxn ang="0">
+                  <a:pos x="connsiteX2" y="connsiteY2"/>
+                </a:cxn>
+              </a:cxnLst>
+              <a:rect l="l" t="t" r="r" b="b"/>
+              <a:pathLst>
+                <a:path w="1085012" h="591990">
+                  <a:moveTo>
+                    <a:pt x="0" y="591990"/>
+                  </a:moveTo>
+                  <a:cubicBezTo>
+                    <a:pt x="119187" y="368013"/>
+                    <a:pt x="238374" y="144037"/>
+                    <a:pt x="419209" y="49515"/>
+                  </a:cubicBezTo>
+                  <a:cubicBezTo>
+                    <a:pt x="600044" y="-45007"/>
+                    <a:pt x="1085012" y="24857"/>
+                    <a:pt x="1085012" y="24857"/>
+                  </a:cubicBezTo>
+                </a:path>
+              </a:pathLst>
+            </a:custGeom>
+            <a:ln w="9525" cmpd="sng">
+              <a:solidFill>
+                <a:schemeClr val="tx1"/>
+              </a:solidFill>
+              <a:headEnd type="none"/>
+              <a:tailEnd type="arrow"/>
+            </a:ln>
+          </p:spPr>
+          <p:style>
+            <a:lnRef idx="2">
+              <a:schemeClr val="accent1"/>
+            </a:lnRef>
+            <a:fillRef idx="0">
+              <a:schemeClr val="accent1"/>
+            </a:fillRef>
+            <a:effectRef idx="1">
+              <a:schemeClr val="accent1"/>
+            </a:effectRef>
+            <a:fontRef idx="minor">
+              <a:schemeClr val="tx1"/>
+            </a:fontRef>
+          </p:style>
+          <p:txBody>
+            <a:bodyPr rtlCol="0" anchor="ctr"/>
+            <a:lstStyle/>
+            <a:p>
+              <a:pPr algn="ctr"/>
+              <a:endParaRPr lang="fr-FR"/>
+            </a:p>
+          </p:txBody>
+        </p:sp>
+        <p:sp>
+          <p:nvSpPr>
+            <p:cNvPr id="5" name="Ellipse 4"/>
+            <p:cNvSpPr/>
+            <p:nvPr/>
+          </p:nvSpPr>
+          <p:spPr>
+            <a:xfrm>
+              <a:off x="4709938" y="2457920"/>
+              <a:ext cx="308242" cy="308225"/>
+            </a:xfrm>
+            <a:prstGeom prst="ellipse">
+              <a:avLst/>
+            </a:prstGeom>
+            <a:solidFill>
+              <a:schemeClr val="tx1"/>
+            </a:solidFill>
+            <a:ln>
+              <a:solidFill>
+                <a:schemeClr val="tx1">
+                  <a:lumMod val="95000"/>
+                  <a:lumOff val="5000"/>
+                </a:schemeClr>
+              </a:solidFill>
+            </a:ln>
+          </p:spPr>
+          <p:style>
+            <a:lnRef idx="1">
+              <a:schemeClr val="accent1"/>
+            </a:lnRef>
+            <a:fillRef idx="3">
+              <a:schemeClr val="accent1"/>
+            </a:fillRef>
+            <a:effectRef idx="2">
+              <a:schemeClr val="accent1"/>
+            </a:effectRef>
+            <a:fontRef idx="minor">
+              <a:schemeClr val="lt1"/>
+            </a:fontRef>
+          </p:style>
+          <p:txBody>
+            <a:bodyPr rtlCol="0" anchor="ctr"/>
+            <a:lstStyle/>
+            <a:p>
+              <a:pPr algn="ctr"/>
+              <a:endParaRPr lang="fr-FR" dirty="0"/>
+            </a:p>
+          </p:txBody>
+        </p:sp>
+        <p:sp>
+          <p:nvSpPr>
+            <p:cNvPr id="9" name="Ellipse 8"/>
+            <p:cNvSpPr/>
+            <p:nvPr/>
+          </p:nvSpPr>
+          <p:spPr>
+            <a:xfrm>
+              <a:off x="5540473" y="3352628"/>
+              <a:ext cx="624370" cy="630491"/>
+            </a:xfrm>
+            <a:prstGeom prst="ellipse">
+              <a:avLst/>
+            </a:prstGeom>
+            <a:solidFill>
+              <a:schemeClr val="bg1"/>
+            </a:solidFill>
+            <a:ln w="28575" cmpd="sng">
+              <a:solidFill>
+                <a:schemeClr val="tx1">
+                  <a:lumMod val="95000"/>
+                  <a:lumOff val="5000"/>
+                </a:schemeClr>
+              </a:solidFill>
+            </a:ln>
+          </p:spPr>
+          <p:style>
+            <a:lnRef idx="1">
+              <a:schemeClr val="accent1"/>
+            </a:lnRef>
+            <a:fillRef idx="3">
+              <a:schemeClr val="accent1"/>
+            </a:fillRef>
+            <a:effectRef idx="2">
+              <a:schemeClr val="accent1"/>
+            </a:effectRef>
+            <a:fontRef idx="minor">
+              <a:schemeClr val="lt1"/>
+            </a:fontRef>
+          </p:style>
+          <p:txBody>
+            <a:bodyPr rtlCol="0" anchor="ctr"/>
+            <a:lstStyle/>
+            <a:p>
+              <a:pPr algn="ctr"/>
+              <a:endParaRPr lang="fr-FR"/>
+            </a:p>
+          </p:txBody>
+        </p:sp>
+        <p:sp>
+          <p:nvSpPr>
+            <p:cNvPr id="10" name="Ellipse 9"/>
+            <p:cNvSpPr/>
+            <p:nvPr/>
+          </p:nvSpPr>
+          <p:spPr>
+            <a:xfrm>
+              <a:off x="7234081" y="2759124"/>
+              <a:ext cx="624370" cy="630491"/>
+            </a:xfrm>
+            <a:prstGeom prst="ellipse">
+              <a:avLst/>
+            </a:prstGeom>
+            <a:solidFill>
+              <a:schemeClr val="bg1"/>
+            </a:solidFill>
+            <a:ln w="28575" cmpd="sng">
+              <a:solidFill>
+                <a:schemeClr val="tx1">
+                  <a:lumMod val="95000"/>
+                  <a:lumOff val="5000"/>
+                </a:schemeClr>
+              </a:solidFill>
+            </a:ln>
+          </p:spPr>
+          <p:style>
+            <a:lnRef idx="1">
+              <a:schemeClr val="accent1"/>
+            </a:lnRef>
+            <a:fillRef idx="3">
+              <a:schemeClr val="accent1"/>
+            </a:fillRef>
+            <a:effectRef idx="2">
+              <a:schemeClr val="accent1"/>
+            </a:effectRef>
+            <a:fontRef idx="minor">
+              <a:schemeClr val="lt1"/>
+            </a:fontRef>
+          </p:style>
+          <p:txBody>
+            <a:bodyPr rtlCol="0" anchor="ctr"/>
+            <a:lstStyle/>
+            <a:p>
+              <a:pPr algn="ctr"/>
+              <a:endParaRPr lang="fr-FR"/>
+            </a:p>
+          </p:txBody>
+        </p:sp>
+        <p:sp>
+          <p:nvSpPr>
+            <p:cNvPr id="11" name="Ellipse 10"/>
+            <p:cNvSpPr/>
+            <p:nvPr/>
+          </p:nvSpPr>
+          <p:spPr>
+            <a:xfrm>
+              <a:off x="7234081" y="3946132"/>
+              <a:ext cx="624370" cy="630491"/>
+            </a:xfrm>
+            <a:prstGeom prst="ellipse">
+              <a:avLst/>
+            </a:prstGeom>
+            <a:solidFill>
+              <a:schemeClr val="bg1"/>
+            </a:solidFill>
+            <a:ln w="28575" cmpd="sng">
+              <a:solidFill>
+                <a:schemeClr val="tx1">
+                  <a:lumMod val="95000"/>
+                  <a:lumOff val="5000"/>
+                </a:schemeClr>
+              </a:solidFill>
+            </a:ln>
+          </p:spPr>
+          <p:style>
+            <a:lnRef idx="1">
+              <a:schemeClr val="accent1"/>
+            </a:lnRef>
+            <a:fillRef idx="3">
+              <a:schemeClr val="accent1"/>
+            </a:fillRef>
+            <a:effectRef idx="2">
+              <a:schemeClr val="accent1"/>
+            </a:effectRef>
+            <a:fontRef idx="minor">
+              <a:schemeClr val="lt1"/>
+            </a:fontRef>
+          </p:style>
+          <p:txBody>
+            <a:bodyPr rtlCol="0" anchor="ctr"/>
+            <a:lstStyle/>
+            <a:p>
+              <a:pPr algn="ctr"/>
+              <a:endParaRPr lang="fr-FR"/>
+            </a:p>
+          </p:txBody>
+        </p:sp>
+        <p:sp>
+          <p:nvSpPr>
+            <p:cNvPr id="18" name="ZoneTexte 17"/>
+            <p:cNvSpPr txBox="1"/>
+            <p:nvPr/>
+          </p:nvSpPr>
+          <p:spPr>
+            <a:xfrm>
+              <a:off x="4438683" y="2108257"/>
+              <a:ext cx="838418" cy="369332"/>
+            </a:xfrm>
+            <a:prstGeom prst="rect">
+              <a:avLst/>
+            </a:prstGeom>
+            <a:noFill/>
+          </p:spPr>
+          <p:txBody>
+            <a:bodyPr wrap="square" rtlCol="0">
+              <a:spAutoFit/>
+            </a:bodyPr>
+            <a:lstStyle/>
+            <a:p>
+              <a:pPr algn="ctr"/>
+              <a:r>
+                <a:rPr lang="fr-FR" dirty="0" smtClean="0"/>
+                <a:t>Initial</a:t>
+              </a:r>
+            </a:p>
+          </p:txBody>
+        </p:sp>
+        <p:sp>
+          <p:nvSpPr>
+            <p:cNvPr id="19" name="ZoneTexte 18"/>
+            <p:cNvSpPr txBox="1"/>
+            <p:nvPr/>
+          </p:nvSpPr>
+          <p:spPr>
+            <a:xfrm>
+              <a:off x="4782098" y="3810195"/>
+              <a:ext cx="1129893" cy="369332"/>
+            </a:xfrm>
+            <a:prstGeom prst="rect">
+              <a:avLst/>
+            </a:prstGeom>
+            <a:noFill/>
+          </p:spPr>
+          <p:txBody>
+            <a:bodyPr wrap="square" rtlCol="0">
+              <a:spAutoFit/>
+            </a:bodyPr>
+            <a:lstStyle/>
+            <a:p>
+              <a:pPr algn="ctr"/>
+              <a:r>
+                <a:rPr lang="fr-FR" dirty="0" smtClean="0"/>
+                <a:t>displays</a:t>
+              </a:r>
+            </a:p>
+          </p:txBody>
+        </p:sp>
+        <p:sp>
+          <p:nvSpPr>
+            <p:cNvPr id="20" name="ZoneTexte 19"/>
+            <p:cNvSpPr txBox="1"/>
+            <p:nvPr/>
+          </p:nvSpPr>
+          <p:spPr>
+            <a:xfrm>
+              <a:off x="7024470" y="2389792"/>
+              <a:ext cx="1129893" cy="369332"/>
+            </a:xfrm>
+            <a:prstGeom prst="rect">
+              <a:avLst/>
+            </a:prstGeom>
+            <a:noFill/>
+          </p:spPr>
+          <p:txBody>
+            <a:bodyPr wrap="square" rtlCol="0">
+              <a:spAutoFit/>
+            </a:bodyPr>
+            <a:lstStyle/>
+            <a:p>
+              <a:pPr algn="ctr"/>
+              <a:r>
+                <a:rPr lang="fr-FR" dirty="0" err="1"/>
+                <a:t>a</a:t>
+              </a:r>
+              <a:r>
+                <a:rPr lang="fr-FR" dirty="0" err="1" smtClean="0"/>
+                <a:t>larm</a:t>
+              </a:r>
+              <a:r>
+                <a:rPr lang="fr-FR" dirty="0" smtClean="0"/>
+                <a:t> 1</a:t>
+              </a:r>
+            </a:p>
+          </p:txBody>
+        </p:sp>
+        <p:sp>
+          <p:nvSpPr>
+            <p:cNvPr id="21" name="ZoneTexte 20"/>
+            <p:cNvSpPr txBox="1"/>
+            <p:nvPr/>
+          </p:nvSpPr>
+          <p:spPr>
+            <a:xfrm>
+              <a:off x="7054806" y="4511553"/>
+              <a:ext cx="1129893" cy="369332"/>
+            </a:xfrm>
+            <a:prstGeom prst="rect">
+              <a:avLst/>
+            </a:prstGeom>
+            <a:noFill/>
+          </p:spPr>
+          <p:txBody>
+            <a:bodyPr wrap="square" rtlCol="0">
+              <a:spAutoFit/>
+            </a:bodyPr>
+            <a:lstStyle/>
+            <a:p>
+              <a:pPr algn="ctr"/>
+              <a:r>
+                <a:rPr lang="fr-FR" dirty="0" err="1"/>
+                <a:t>a</a:t>
+              </a:r>
+              <a:r>
+                <a:rPr lang="fr-FR" dirty="0" err="1" smtClean="0"/>
+                <a:t>larm</a:t>
+              </a:r>
+              <a:r>
+                <a:rPr lang="fr-FR" dirty="0" smtClean="0"/>
+                <a:t> 2</a:t>
+              </a:r>
+            </a:p>
+          </p:txBody>
+        </p:sp>
+        <p:sp>
+          <p:nvSpPr>
+            <p:cNvPr id="22" name="ZoneTexte 21"/>
+            <p:cNvSpPr txBox="1"/>
+            <p:nvPr/>
+          </p:nvSpPr>
+          <p:spPr>
+            <a:xfrm>
+              <a:off x="4069772" y="3078822"/>
+              <a:ext cx="1129893" cy="323165"/>
+            </a:xfrm>
+            <a:prstGeom prst="rect">
+              <a:avLst/>
+            </a:prstGeom>
+            <a:noFill/>
+          </p:spPr>
+          <p:txBody>
+            <a:bodyPr wrap="square" rtlCol="0">
+              <a:spAutoFit/>
+            </a:bodyPr>
+            <a:lstStyle/>
+            <a:p>
+              <a:pPr algn="ctr"/>
+              <a:r>
+                <a:rPr lang="fr-FR" sz="1500" dirty="0" err="1" smtClean="0">
+                  <a:latin typeface="Consolas"/>
+                  <a:cs typeface="Consolas"/>
+                </a:rPr>
+                <a:t>start</a:t>
+              </a:r>
+              <a:endParaRPr lang="fr-FR" sz="1500" dirty="0" smtClean="0">
+                <a:latin typeface="Consolas"/>
+                <a:cs typeface="Consolas"/>
+              </a:endParaRPr>
+            </a:p>
+          </p:txBody>
+        </p:sp>
+        <p:sp>
+          <p:nvSpPr>
+            <p:cNvPr id="23" name="ZoneTexte 22"/>
+            <p:cNvSpPr txBox="1"/>
+            <p:nvPr/>
+          </p:nvSpPr>
+          <p:spPr>
+            <a:xfrm>
+              <a:off x="5825033" y="2734226"/>
+              <a:ext cx="1129893" cy="323165"/>
+            </a:xfrm>
+            <a:prstGeom prst="rect">
+              <a:avLst/>
+            </a:prstGeom>
+            <a:noFill/>
+          </p:spPr>
+          <p:txBody>
+            <a:bodyPr wrap="square" rtlCol="0">
+              <a:spAutoFit/>
+            </a:bodyPr>
+            <a:lstStyle/>
+            <a:p>
+              <a:pPr algn="ctr"/>
+              <a:r>
+                <a:rPr lang="fr-FR" sz="1500" dirty="0" smtClean="0">
+                  <a:latin typeface="Consolas"/>
+                  <a:cs typeface="Consolas"/>
+                </a:rPr>
+                <a:t>T1</a:t>
+              </a:r>
+            </a:p>
+          </p:txBody>
+        </p:sp>
+        <p:sp>
+          <p:nvSpPr>
+            <p:cNvPr id="24" name="ZoneTexte 23"/>
+            <p:cNvSpPr txBox="1"/>
+            <p:nvPr/>
+          </p:nvSpPr>
+          <p:spPr>
+            <a:xfrm>
+              <a:off x="6054302" y="3344709"/>
+              <a:ext cx="1129893" cy="323165"/>
+            </a:xfrm>
+            <a:prstGeom prst="rect">
+              <a:avLst/>
+            </a:prstGeom>
+            <a:noFill/>
+          </p:spPr>
+          <p:txBody>
+            <a:bodyPr wrap="square" rtlCol="0">
+              <a:spAutoFit/>
+            </a:bodyPr>
+            <a:lstStyle/>
+            <a:p>
+              <a:pPr algn="ctr"/>
+              <a:r>
+                <a:rPr lang="fr-FR" sz="1500" dirty="0" smtClean="0">
+                  <a:latin typeface="Consolas"/>
+                  <a:cs typeface="Consolas"/>
+                </a:rPr>
+                <a:t>a</a:t>
+              </a:r>
+            </a:p>
+          </p:txBody>
+        </p:sp>
+        <p:sp>
+          <p:nvSpPr>
+            <p:cNvPr id="26" name="ZoneTexte 25"/>
+            <p:cNvSpPr txBox="1"/>
+            <p:nvPr/>
+          </p:nvSpPr>
+          <p:spPr>
+            <a:xfrm>
+              <a:off x="5770285" y="4253501"/>
+              <a:ext cx="1129893" cy="323165"/>
+            </a:xfrm>
+            <a:prstGeom prst="rect">
+              <a:avLst/>
+            </a:prstGeom>
+            <a:noFill/>
+          </p:spPr>
+          <p:txBody>
+            <a:bodyPr wrap="square" rtlCol="0">
+              <a:spAutoFit/>
+            </a:bodyPr>
+            <a:lstStyle/>
+            <a:p>
+              <a:pPr algn="ctr"/>
+              <a:r>
+                <a:rPr lang="fr-FR" sz="1500" dirty="0" smtClean="0">
+                  <a:latin typeface="Consolas"/>
+                  <a:cs typeface="Consolas"/>
+                </a:rPr>
+                <a:t>T2</a:t>
+              </a:r>
+            </a:p>
+          </p:txBody>
+        </p:sp>
+      </p:grpSp>
+      <p:sp>
+        <p:nvSpPr>
+          <p:cNvPr id="28" name="Rectangle 27"/>
+          <p:cNvSpPr/>
+          <p:nvPr/>
+        </p:nvSpPr>
+        <p:spPr>
+          <a:xfrm>
+            <a:off x="113777" y="6430173"/>
+            <a:ext cx="8899220" cy="307777"/>
+          </a:xfrm>
+          <a:prstGeom prst="rect">
+            <a:avLst/>
+          </a:prstGeom>
+        </p:spPr>
+        <p:txBody>
+          <a:bodyPr wrap="square">
+            <a:spAutoFit/>
+          </a:bodyPr>
+          <a:lstStyle/>
+          <a:p>
+            <a:pPr algn="ctr"/>
+            <a:r>
+              <a:rPr lang="en-US" sz="1400" dirty="0"/>
+              <a:t>David </a:t>
+            </a:r>
+            <a:r>
+              <a:rPr lang="en-US" sz="1400" dirty="0" err="1"/>
+              <a:t>Harel</a:t>
+            </a:r>
+            <a:r>
+              <a:rPr lang="en-US" sz="1400" dirty="0"/>
+              <a:t>. 1987. Statecharts: A visual formalism for complex systems. Sci. </a:t>
+            </a:r>
+            <a:r>
+              <a:rPr lang="en-US" sz="1400" dirty="0" err="1"/>
+              <a:t>Comput</a:t>
+            </a:r>
+            <a:r>
+              <a:rPr lang="en-US" sz="1400" dirty="0"/>
+              <a:t>. Program. 8, 3 (June 1987), 231-274. </a:t>
+            </a:r>
+            <a:endParaRPr lang="fr-FR" sz="1400" dirty="0"/>
+          </a:p>
+        </p:txBody>
+      </p:sp>
+      <p:cxnSp>
+        <p:nvCxnSpPr>
+          <p:cNvPr id="30" name="Connecteur droit 29"/>
+          <p:cNvCxnSpPr/>
+          <p:nvPr/>
+        </p:nvCxnSpPr>
+        <p:spPr>
+          <a:xfrm>
+            <a:off x="113777" y="6430173"/>
+            <a:ext cx="8899220" cy="0"/>
+          </a:xfrm>
+          <a:prstGeom prst="line">
+            <a:avLst/>
+          </a:prstGeom>
+          <a:ln w="3175" cmpd="sng"/>
+        </p:spPr>
+        <p:style>
+          <a:lnRef idx="2">
+            <a:schemeClr val="accent1"/>
+          </a:lnRef>
+          <a:fillRef idx="0">
+            <a:schemeClr val="accent1"/>
+          </a:fillRef>
+          <a:effectRef idx="1">
+            <a:schemeClr val="accent1"/>
+          </a:effectRef>
+          <a:fontRef idx="minor">
+            <a:schemeClr val="tx1"/>
+          </a:fontRef>
+        </p:style>
+      </p:cxnSp>
+      <p:sp>
+        <p:nvSpPr>
+          <p:cNvPr id="3" name="ZoneTexte 2"/>
+          <p:cNvSpPr txBox="1"/>
+          <p:nvPr/>
+        </p:nvSpPr>
+        <p:spPr>
+          <a:xfrm>
+            <a:off x="5659336" y="2467436"/>
+            <a:ext cx="3156398" cy="784830"/>
+          </a:xfrm>
+          <a:prstGeom prst="rect">
+            <a:avLst/>
+          </a:prstGeom>
+          <a:solidFill>
+            <a:schemeClr val="bg1">
+              <a:lumMod val="95000"/>
+            </a:schemeClr>
+          </a:solidFill>
+        </p:spPr>
+        <p:txBody>
+          <a:bodyPr wrap="square" rtlCol="0">
+            <a:spAutoFit/>
+          </a:bodyPr>
+          <a:lstStyle/>
+          <a:p>
+            <a:r>
+              <a:rPr lang="fr-FR" sz="1500" b="1" dirty="0" err="1">
+                <a:latin typeface="Courier New"/>
+                <a:cs typeface="Courier New"/>
+              </a:rPr>
+              <a:t>w</a:t>
+            </a:r>
+            <a:r>
+              <a:rPr lang="fr-FR" sz="1500" b="1" dirty="0" err="1" smtClean="0">
+                <a:latin typeface="Courier New"/>
+                <a:cs typeface="Courier New"/>
+              </a:rPr>
+              <a:t>hile</a:t>
+            </a:r>
+            <a:r>
+              <a:rPr lang="fr-FR" sz="1500" dirty="0" smtClean="0">
+                <a:latin typeface="Courier New"/>
+                <a:cs typeface="Courier New"/>
+              </a:rPr>
+              <a:t>(alarm1.active){</a:t>
+            </a:r>
+          </a:p>
+          <a:p>
+            <a:r>
+              <a:rPr lang="fr-FR" sz="1500" dirty="0" smtClean="0">
+                <a:latin typeface="Courier New"/>
+                <a:cs typeface="Courier New"/>
+              </a:rPr>
+              <a:t>     </a:t>
+            </a:r>
+            <a:r>
+              <a:rPr lang="fr-FR" sz="1500" dirty="0" err="1" smtClean="0">
+                <a:latin typeface="Courier New"/>
+                <a:cs typeface="Courier New"/>
+              </a:rPr>
+              <a:t>println</a:t>
+            </a:r>
+            <a:r>
+              <a:rPr lang="fr-FR" sz="1500" dirty="0" smtClean="0">
+                <a:latin typeface="Courier New"/>
+                <a:cs typeface="Courier New"/>
+              </a:rPr>
+              <a:t>(‘(1) </a:t>
+            </a:r>
+            <a:r>
+              <a:rPr lang="fr-FR" sz="1500" dirty="0" err="1" smtClean="0">
+                <a:latin typeface="Courier New"/>
+                <a:cs typeface="Courier New"/>
+              </a:rPr>
+              <a:t>beep</a:t>
+            </a:r>
+            <a:r>
+              <a:rPr lang="fr-FR" sz="1500" dirty="0" smtClean="0">
+                <a:latin typeface="Courier New"/>
+                <a:cs typeface="Courier New"/>
+              </a:rPr>
+              <a:t>’)</a:t>
+            </a:r>
+            <a:endParaRPr lang="fr-FR" sz="1500" dirty="0">
+              <a:latin typeface="Courier New"/>
+              <a:cs typeface="Courier New"/>
+            </a:endParaRPr>
+          </a:p>
+          <a:p>
+            <a:r>
+              <a:rPr lang="fr-FR" sz="1500" dirty="0" smtClean="0">
+                <a:latin typeface="Courier New"/>
+                <a:cs typeface="Courier New"/>
+              </a:rPr>
+              <a:t>}</a:t>
+            </a:r>
+            <a:endParaRPr lang="fr-FR" sz="1500" dirty="0">
+              <a:latin typeface="Courier New"/>
+              <a:cs typeface="Courier New"/>
+            </a:endParaRPr>
+          </a:p>
+        </p:txBody>
+      </p:sp>
+      <p:sp>
+        <p:nvSpPr>
+          <p:cNvPr id="32" name="ZoneTexte 31"/>
+          <p:cNvSpPr txBox="1"/>
+          <p:nvPr/>
+        </p:nvSpPr>
+        <p:spPr>
+          <a:xfrm>
+            <a:off x="5659336" y="3711605"/>
+            <a:ext cx="3156398" cy="784830"/>
+          </a:xfrm>
+          <a:prstGeom prst="rect">
+            <a:avLst/>
+          </a:prstGeom>
+          <a:solidFill>
+            <a:schemeClr val="bg1">
+              <a:lumMod val="95000"/>
+            </a:schemeClr>
+          </a:solidFill>
+        </p:spPr>
+        <p:txBody>
+          <a:bodyPr wrap="square" rtlCol="0">
+            <a:spAutoFit/>
+          </a:bodyPr>
+          <a:lstStyle/>
+          <a:p>
+            <a:r>
+              <a:rPr lang="fr-FR" sz="1500" b="1" dirty="0" err="1">
+                <a:latin typeface="Courier New"/>
+                <a:cs typeface="Courier New"/>
+              </a:rPr>
+              <a:t>w</a:t>
+            </a:r>
+            <a:r>
+              <a:rPr lang="fr-FR" sz="1500" b="1" dirty="0" err="1" smtClean="0">
+                <a:latin typeface="Courier New"/>
+                <a:cs typeface="Courier New"/>
+              </a:rPr>
+              <a:t>hile</a:t>
+            </a:r>
+            <a:r>
+              <a:rPr lang="fr-FR" sz="1500" dirty="0" smtClean="0">
+                <a:latin typeface="Courier New"/>
+                <a:cs typeface="Courier New"/>
+              </a:rPr>
+              <a:t>(alarm1.active){</a:t>
+            </a:r>
+          </a:p>
+          <a:p>
+            <a:r>
+              <a:rPr lang="fr-FR" sz="1500" dirty="0" smtClean="0">
+                <a:latin typeface="Courier New"/>
+                <a:cs typeface="Courier New"/>
+              </a:rPr>
+              <a:t>     </a:t>
+            </a:r>
+            <a:r>
+              <a:rPr lang="fr-FR" sz="1500" dirty="0" err="1" smtClean="0">
+                <a:latin typeface="Courier New"/>
+                <a:cs typeface="Courier New"/>
+              </a:rPr>
+              <a:t>println</a:t>
+            </a:r>
+            <a:r>
+              <a:rPr lang="fr-FR" sz="1500" dirty="0" smtClean="0">
+                <a:latin typeface="Courier New"/>
+                <a:cs typeface="Courier New"/>
+              </a:rPr>
+              <a:t>(‘(2) </a:t>
+            </a:r>
+            <a:r>
+              <a:rPr lang="fr-FR" sz="1500" dirty="0" err="1" smtClean="0">
+                <a:latin typeface="Courier New"/>
+                <a:cs typeface="Courier New"/>
+              </a:rPr>
+              <a:t>beep</a:t>
+            </a:r>
+            <a:r>
+              <a:rPr lang="fr-FR" sz="1500" dirty="0" smtClean="0">
+                <a:latin typeface="Courier New"/>
+                <a:cs typeface="Courier New"/>
+              </a:rPr>
+              <a:t>’)</a:t>
+            </a:r>
+            <a:endParaRPr lang="fr-FR" sz="1500" dirty="0">
+              <a:latin typeface="Courier New"/>
+              <a:cs typeface="Courier New"/>
+            </a:endParaRPr>
+          </a:p>
+          <a:p>
+            <a:r>
+              <a:rPr lang="fr-FR" sz="1500" dirty="0" smtClean="0">
+                <a:latin typeface="Courier New"/>
+                <a:cs typeface="Courier New"/>
+              </a:rPr>
+              <a:t>}</a:t>
+            </a:r>
+            <a:endParaRPr lang="fr-FR" sz="1500" dirty="0">
+              <a:latin typeface="Courier New"/>
+              <a:cs typeface="Courier New"/>
+            </a:endParaRPr>
+          </a:p>
+        </p:txBody>
+      </p:sp>
+      <p:cxnSp>
+        <p:nvCxnSpPr>
+          <p:cNvPr id="7" name="Connecteur droit avec flèche 6"/>
+          <p:cNvCxnSpPr/>
+          <p:nvPr/>
+        </p:nvCxnSpPr>
+        <p:spPr>
+          <a:xfrm flipV="1">
+            <a:off x="3624926" y="2884509"/>
+            <a:ext cx="2034410" cy="9102"/>
+          </a:xfrm>
+          <a:prstGeom prst="straightConnector1">
+            <a:avLst/>
+          </a:prstGeom>
+          <a:ln>
+            <a:headEnd type="oval"/>
+            <a:tailEnd type="arrow"/>
+          </a:ln>
+        </p:spPr>
+        <p:style>
+          <a:lnRef idx="2">
+            <a:schemeClr val="accent1"/>
+          </a:lnRef>
+          <a:fillRef idx="0">
+            <a:schemeClr val="accent1"/>
+          </a:fillRef>
+          <a:effectRef idx="1">
+            <a:schemeClr val="accent1"/>
+          </a:effectRef>
+          <a:fontRef idx="minor">
+            <a:schemeClr val="tx1"/>
+          </a:fontRef>
+        </p:style>
+      </p:cxnSp>
+      <p:cxnSp>
+        <p:nvCxnSpPr>
+          <p:cNvPr id="42" name="Connecteur droit avec flèche 41"/>
+          <p:cNvCxnSpPr/>
+          <p:nvPr/>
+        </p:nvCxnSpPr>
+        <p:spPr>
+          <a:xfrm>
+            <a:off x="3624926" y="4072268"/>
+            <a:ext cx="2034410" cy="0"/>
+          </a:xfrm>
+          <a:prstGeom prst="straightConnector1">
+            <a:avLst/>
+          </a:prstGeom>
+          <a:ln>
+            <a:headEnd type="oval"/>
+            <a:tailEnd type="arrow"/>
+          </a:ln>
+        </p:spPr>
+        <p:style>
+          <a:lnRef idx="2">
+            <a:schemeClr val="accent1"/>
+          </a:lnRef>
+          <a:fillRef idx="0">
+            <a:schemeClr val="accent1"/>
+          </a:fillRef>
+          <a:effectRef idx="1">
+            <a:schemeClr val="accent1"/>
+          </a:effectRef>
+          <a:fontRef idx="minor">
+            <a:schemeClr val="tx1"/>
+          </a:fontRef>
+        </p:style>
+      </p:cxnSp>
+      <p:sp>
+        <p:nvSpPr>
+          <p:cNvPr id="43" name="ZoneTexte 42"/>
+          <p:cNvSpPr txBox="1"/>
+          <p:nvPr/>
+        </p:nvSpPr>
+        <p:spPr>
+          <a:xfrm>
+            <a:off x="4406150" y="2489008"/>
+            <a:ext cx="1129893" cy="369332"/>
+          </a:xfrm>
+          <a:prstGeom prst="rect">
+            <a:avLst/>
+          </a:prstGeom>
+          <a:noFill/>
+        </p:spPr>
+        <p:txBody>
+          <a:bodyPr wrap="square" rtlCol="0">
+            <a:spAutoFit/>
+          </a:bodyPr>
+          <a:lstStyle/>
+          <a:p>
+            <a:pPr algn="ctr"/>
+            <a:r>
+              <a:rPr lang="fr-FR" dirty="0" err="1" smtClean="0">
+                <a:solidFill>
+                  <a:srgbClr val="FF0000"/>
+                </a:solidFill>
+              </a:rPr>
+              <a:t>doActivity</a:t>
+            </a:r>
+            <a:endParaRPr lang="fr-FR" dirty="0" smtClean="0">
+              <a:solidFill>
+                <a:srgbClr val="FF0000"/>
+              </a:solidFill>
+            </a:endParaRPr>
+          </a:p>
+        </p:txBody>
+      </p:sp>
+      <p:sp>
+        <p:nvSpPr>
+          <p:cNvPr id="46" name="ZoneTexte 45"/>
+          <p:cNvSpPr txBox="1"/>
+          <p:nvPr/>
+        </p:nvSpPr>
+        <p:spPr>
+          <a:xfrm>
+            <a:off x="4406150" y="3686629"/>
+            <a:ext cx="1129893" cy="369332"/>
+          </a:xfrm>
+          <a:prstGeom prst="rect">
+            <a:avLst/>
+          </a:prstGeom>
+          <a:noFill/>
+        </p:spPr>
+        <p:txBody>
+          <a:bodyPr wrap="square" rtlCol="0">
+            <a:spAutoFit/>
+          </a:bodyPr>
+          <a:lstStyle/>
+          <a:p>
+            <a:pPr algn="ctr"/>
+            <a:r>
+              <a:rPr lang="fr-FR" dirty="0" err="1" smtClean="0">
+                <a:solidFill>
+                  <a:srgbClr val="FF0000"/>
+                </a:solidFill>
+              </a:rPr>
+              <a:t>doActivity</a:t>
+            </a:r>
+            <a:endParaRPr lang="fr-FR" dirty="0" smtClean="0">
+              <a:solidFill>
+                <a:srgbClr val="FF0000"/>
+              </a:solidFill>
+            </a:endParaRPr>
+          </a:p>
+        </p:txBody>
+      </p:sp>
+      <p:sp>
+        <p:nvSpPr>
+          <p:cNvPr id="4" name="Rectangle à coins arrondis 3"/>
+          <p:cNvSpPr/>
+          <p:nvPr/>
+        </p:nvSpPr>
+        <p:spPr>
+          <a:xfrm>
+            <a:off x="3005107" y="2082800"/>
+            <a:ext cx="1254185" cy="2806700"/>
+          </a:xfrm>
+          <a:prstGeom prst="roundRect">
+            <a:avLst/>
+          </a:prstGeom>
+          <a:noFill/>
+          <a:ln w="28575" cmpd="sng">
+            <a:solidFill>
+              <a:schemeClr val="tx1">
+                <a:lumMod val="95000"/>
+                <a:lumOff val="5000"/>
+              </a:schemeClr>
+            </a:solidFill>
+          </a:ln>
+        </p:spPr>
+        <p:style>
+          <a:lnRef idx="1">
+            <a:schemeClr val="accent1"/>
+          </a:lnRef>
+          <a:fillRef idx="3">
+            <a:schemeClr val="accent1"/>
+          </a:fillRef>
+          <a:effectRef idx="2">
+            <a:schemeClr val="accent1"/>
+          </a:effectRef>
+          <a:fontRef idx="minor">
+            <a:schemeClr val="lt1"/>
+          </a:fontRef>
+        </p:style>
+        <p:txBody>
+          <a:bodyPr rtlCol="0" anchor="ctr"/>
+          <a:lstStyle/>
+          <a:p>
+            <a:pPr algn="ctr"/>
+            <a:endParaRPr lang="fr-FR"/>
+          </a:p>
+        </p:txBody>
+      </p:sp>
+      <p:cxnSp>
+        <p:nvCxnSpPr>
+          <p:cNvPr id="8" name="Connecteur droit avec flèche 7"/>
+          <p:cNvCxnSpPr>
+            <a:stCxn id="4" idx="1"/>
+            <a:endCxn id="9" idx="6"/>
+          </p:cNvCxnSpPr>
+          <p:nvPr/>
+        </p:nvCxnSpPr>
+        <p:spPr>
+          <a:xfrm flipH="1" flipV="1">
+            <a:off x="2231672" y="3482663"/>
+            <a:ext cx="773435" cy="3487"/>
+          </a:xfrm>
+          <a:prstGeom prst="straightConnector1">
+            <a:avLst/>
+          </a:prstGeom>
+          <a:ln w="6350" cmpd="sng">
+            <a:solidFill>
+              <a:schemeClr val="tx1"/>
+            </a:solidFill>
+            <a:tailEnd type="arrow"/>
+          </a:ln>
+        </p:spPr>
+        <p:style>
+          <a:lnRef idx="2">
+            <a:schemeClr val="accent1"/>
+          </a:lnRef>
+          <a:fillRef idx="0">
+            <a:schemeClr val="accent1"/>
+          </a:fillRef>
+          <a:effectRef idx="1">
+            <a:schemeClr val="accent1"/>
+          </a:effectRef>
+          <a:fontRef idx="minor">
+            <a:schemeClr val="tx1"/>
+          </a:fontRef>
+        </p:style>
+      </p:cxnSp>
+      <p:sp>
+        <p:nvSpPr>
+          <p:cNvPr id="38" name="ZoneTexte 37"/>
+          <p:cNvSpPr txBox="1"/>
+          <p:nvPr/>
+        </p:nvSpPr>
+        <p:spPr>
+          <a:xfrm>
+            <a:off x="332899" y="5215162"/>
+            <a:ext cx="4073251" cy="646331"/>
+          </a:xfrm>
+          <a:prstGeom prst="rect">
+            <a:avLst/>
+          </a:prstGeom>
+          <a:noFill/>
+        </p:spPr>
+        <p:txBody>
+          <a:bodyPr wrap="square" rtlCol="0">
+            <a:spAutoFit/>
+          </a:bodyPr>
+          <a:lstStyle/>
+          <a:p>
+            <a:r>
+              <a:rPr lang="fr-FR" b="1" dirty="0" smtClean="0"/>
+              <a:t>Core FSM: </a:t>
+            </a:r>
+            <a:r>
+              <a:rPr lang="fr-FR" dirty="0" smtClean="0"/>
+              <a:t>State Machine, States, Transitions, Triggers</a:t>
+            </a:r>
+            <a:endParaRPr lang="fr-FR" dirty="0"/>
+          </a:p>
+        </p:txBody>
+      </p:sp>
+      <p:sp>
+        <p:nvSpPr>
+          <p:cNvPr id="39" name="ZoneTexte 38"/>
+          <p:cNvSpPr txBox="1"/>
+          <p:nvPr/>
+        </p:nvSpPr>
+        <p:spPr>
+          <a:xfrm>
+            <a:off x="4406150" y="5385927"/>
+            <a:ext cx="3156398" cy="646331"/>
+          </a:xfrm>
+          <a:prstGeom prst="rect">
+            <a:avLst/>
+          </a:prstGeom>
+          <a:noFill/>
+        </p:spPr>
+        <p:txBody>
+          <a:bodyPr wrap="square" rtlCol="0">
+            <a:spAutoFit/>
+          </a:bodyPr>
+          <a:lstStyle/>
+          <a:p>
+            <a:r>
+              <a:rPr lang="fr-FR" b="1" dirty="0" err="1" smtClean="0"/>
+              <a:t>CompositeStates</a:t>
+            </a:r>
+            <a:r>
+              <a:rPr lang="fr-FR" b="1" dirty="0" smtClean="0"/>
+              <a:t>: </a:t>
+            </a:r>
+            <a:r>
+              <a:rPr lang="fr-FR" dirty="0" err="1"/>
+              <a:t>C</a:t>
+            </a:r>
+            <a:r>
+              <a:rPr lang="fr-FR" dirty="0" err="1" smtClean="0"/>
+              <a:t>ompositeState</a:t>
+            </a:r>
+            <a:r>
+              <a:rPr lang="fr-FR" dirty="0" smtClean="0"/>
+              <a:t>, …</a:t>
+            </a:r>
+            <a:endParaRPr lang="fr-FR" dirty="0"/>
+          </a:p>
+        </p:txBody>
+      </p:sp>
+      <p:sp>
+        <p:nvSpPr>
+          <p:cNvPr id="40" name="ZoneTexte 39"/>
+          <p:cNvSpPr txBox="1"/>
+          <p:nvPr/>
+        </p:nvSpPr>
+        <p:spPr>
+          <a:xfrm>
+            <a:off x="3716049" y="5457494"/>
+            <a:ext cx="670502" cy="553998"/>
+          </a:xfrm>
+          <a:prstGeom prst="rect">
+            <a:avLst/>
+          </a:prstGeom>
+          <a:noFill/>
+        </p:spPr>
+        <p:txBody>
+          <a:bodyPr wrap="square" rtlCol="0">
+            <a:spAutoFit/>
+          </a:bodyPr>
+          <a:lstStyle/>
+          <a:p>
+            <a:pPr algn="ctr"/>
+            <a:r>
+              <a:rPr lang="fr-FR" sz="3000" b="1" dirty="0" smtClean="0"/>
+              <a:t>+</a:t>
+            </a:r>
+            <a:endParaRPr lang="fr-FR" sz="3000" dirty="0"/>
+          </a:p>
+        </p:txBody>
+      </p:sp>
+    </p:spTree>
+    <p:extLst>
+      <p:ext uri="{BB962C8B-B14F-4D97-AF65-F5344CB8AC3E}">
+        <p14:creationId xmlns:p14="http://schemas.microsoft.com/office/powerpoint/2010/main" val="910780553"/>
+      </p:ext>
+    </p:extLst>
+  </p:cSld>
+  <p:clrMapOvr>
+    <a:masterClrMapping/>
+  </p:clrMapOvr>
+</p:sld>
+</file>
+
+<file path=ppt/slides/slide12.xml><?xml version="1.0" encoding="utf-8"?>
+<p:sld xmlns:a="http://schemas.openxmlformats.org/drawingml/2006/main" xmlns:r="http://schemas.openxmlformats.org/officeDocument/2006/relationships" xmlns:p="http://schemas.openxmlformats.org/presentationml/2006/main">
+  <p:cSld>
+    <p:spTree>
+      <p:nvGrpSpPr>
+        <p:cNvPr id="1" name=""/>
+        <p:cNvGrpSpPr/>
+        <p:nvPr/>
+      </p:nvGrpSpPr>
+      <p:grpSpPr>
+        <a:xfrm>
+          <a:off x="0" y="0"/>
+          <a:ext cx="0" cy="0"/>
+          <a:chOff x="0" y="0"/>
+          <a:chExt cx="0" cy="0"/>
+        </a:xfrm>
+      </p:grpSpPr>
+      <p:sp>
+        <p:nvSpPr>
+          <p:cNvPr id="2" name="Titre 1"/>
+          <p:cNvSpPr>
+            <a:spLocks noGrp="1"/>
+          </p:cNvSpPr>
+          <p:nvPr>
+            <p:ph type="title"/>
+          </p:nvPr>
+        </p:nvSpPr>
+        <p:spPr/>
+        <p:txBody>
+          <a:bodyPr/>
+          <a:lstStyle/>
+          <a:p>
+            <a:r>
+              <a:rPr lang="en-US" dirty="0"/>
+              <a:t>The citizen watch</a:t>
+            </a:r>
+            <a:endParaRPr lang="fr-FR" dirty="0"/>
+          </a:p>
+        </p:txBody>
+      </p:sp>
+      <p:sp>
+        <p:nvSpPr>
+          <p:cNvPr id="4" name="Rectangle à coins arrondis 3"/>
+          <p:cNvSpPr/>
+          <p:nvPr/>
+        </p:nvSpPr>
+        <p:spPr>
+          <a:xfrm>
+            <a:off x="457200" y="2157574"/>
+            <a:ext cx="3161563" cy="1035634"/>
+          </a:xfrm>
+          <a:prstGeom prst="roundRect">
+            <a:avLst>
+              <a:gd name="adj" fmla="val 9473"/>
+            </a:avLst>
+          </a:prstGeom>
+          <a:solidFill>
+            <a:schemeClr val="bg1"/>
+          </a:solidFill>
+          <a:ln>
+            <a:solidFill>
+              <a:schemeClr val="tx1"/>
+            </a:solidFill>
+          </a:ln>
+        </p:spPr>
+        <p:style>
+          <a:lnRef idx="1">
+            <a:schemeClr val="accent1"/>
+          </a:lnRef>
+          <a:fillRef idx="3">
+            <a:schemeClr val="accent1"/>
+          </a:fillRef>
+          <a:effectRef idx="2">
+            <a:schemeClr val="accent1"/>
+          </a:effectRef>
+          <a:fontRef idx="minor">
+            <a:schemeClr val="lt1"/>
+          </a:fontRef>
+        </p:style>
+        <p:txBody>
+          <a:bodyPr rtlCol="0" anchor="ctr"/>
+          <a:lstStyle/>
+          <a:p>
+            <a:pPr algn="ctr"/>
+            <a:endParaRPr lang="fr-FR"/>
+          </a:p>
+        </p:txBody>
+      </p:sp>
+      <p:sp>
+        <p:nvSpPr>
+          <p:cNvPr id="5" name="Rectangle à coins arrondis 4"/>
+          <p:cNvSpPr/>
+          <p:nvPr/>
+        </p:nvSpPr>
+        <p:spPr>
+          <a:xfrm>
+            <a:off x="5436208" y="2157575"/>
+            <a:ext cx="3250603" cy="1035634"/>
+          </a:xfrm>
+          <a:prstGeom prst="roundRect">
+            <a:avLst>
+              <a:gd name="adj" fmla="val 9473"/>
+            </a:avLst>
+          </a:prstGeom>
+          <a:solidFill>
+            <a:schemeClr val="bg1"/>
+          </a:solidFill>
+          <a:ln>
+            <a:solidFill>
+              <a:schemeClr val="tx1"/>
+            </a:solidFill>
+          </a:ln>
+        </p:spPr>
+        <p:style>
+          <a:lnRef idx="1">
+            <a:schemeClr val="accent1"/>
+          </a:lnRef>
+          <a:fillRef idx="3">
+            <a:schemeClr val="accent1"/>
+          </a:fillRef>
+          <a:effectRef idx="2">
+            <a:schemeClr val="accent1"/>
+          </a:effectRef>
+          <a:fontRef idx="minor">
+            <a:schemeClr val="lt1"/>
+          </a:fontRef>
+        </p:style>
+        <p:txBody>
+          <a:bodyPr rtlCol="0" anchor="ctr"/>
+          <a:lstStyle/>
+          <a:p>
+            <a:pPr algn="ctr"/>
+            <a:endParaRPr lang="fr-FR"/>
+          </a:p>
+        </p:txBody>
+      </p:sp>
+      <p:sp>
+        <p:nvSpPr>
+          <p:cNvPr id="6" name="ZoneTexte 5"/>
+          <p:cNvSpPr txBox="1"/>
+          <p:nvPr/>
+        </p:nvSpPr>
+        <p:spPr>
+          <a:xfrm>
+            <a:off x="696628" y="2330178"/>
+            <a:ext cx="2749521" cy="646331"/>
+          </a:xfrm>
+          <a:prstGeom prst="rect">
+            <a:avLst/>
+          </a:prstGeom>
+          <a:noFill/>
+        </p:spPr>
+        <p:txBody>
+          <a:bodyPr wrap="square" rtlCol="0">
+            <a:spAutoFit/>
+          </a:bodyPr>
+          <a:lstStyle/>
+          <a:p>
+            <a:r>
+              <a:rPr lang="fr-FR" b="1" dirty="0" smtClean="0"/>
+              <a:t>Core FSM: </a:t>
+            </a:r>
+            <a:r>
+              <a:rPr lang="fr-FR" dirty="0" smtClean="0"/>
+              <a:t>State Machine, States, Transitions, Triggers</a:t>
+            </a:r>
+            <a:endParaRPr lang="fr-FR" dirty="0"/>
+          </a:p>
+        </p:txBody>
+      </p:sp>
+      <p:sp>
+        <p:nvSpPr>
+          <p:cNvPr id="7" name="ZoneTexte 6"/>
+          <p:cNvSpPr txBox="1"/>
+          <p:nvPr/>
+        </p:nvSpPr>
+        <p:spPr>
+          <a:xfrm>
+            <a:off x="5530414" y="2330178"/>
+            <a:ext cx="3156398" cy="646331"/>
+          </a:xfrm>
+          <a:prstGeom prst="rect">
+            <a:avLst/>
+          </a:prstGeom>
+          <a:noFill/>
+        </p:spPr>
+        <p:txBody>
+          <a:bodyPr wrap="square" rtlCol="0">
+            <a:spAutoFit/>
+          </a:bodyPr>
+          <a:lstStyle/>
+          <a:p>
+            <a:r>
+              <a:rPr lang="fr-FR" b="1" dirty="0" err="1" smtClean="0"/>
+              <a:t>Imperative</a:t>
+            </a:r>
+            <a:r>
+              <a:rPr lang="fr-FR" b="1" dirty="0" smtClean="0"/>
+              <a:t> Language: </a:t>
+            </a:r>
+            <a:r>
+              <a:rPr lang="fr-FR" dirty="0" smtClean="0"/>
+              <a:t>Program, </a:t>
+            </a:r>
+            <a:r>
+              <a:rPr lang="fr-FR" dirty="0" err="1" smtClean="0"/>
+              <a:t>Loop</a:t>
+            </a:r>
+            <a:r>
+              <a:rPr lang="fr-FR" dirty="0" smtClean="0"/>
+              <a:t>, Conditions, …</a:t>
+            </a:r>
+            <a:endParaRPr lang="fr-FR" dirty="0"/>
+          </a:p>
+        </p:txBody>
+      </p:sp>
+      <p:cxnSp>
+        <p:nvCxnSpPr>
+          <p:cNvPr id="11" name="Connecteur droit 10"/>
+          <p:cNvCxnSpPr>
+            <a:stCxn id="4" idx="3"/>
+          </p:cNvCxnSpPr>
+          <p:nvPr/>
+        </p:nvCxnSpPr>
+        <p:spPr>
+          <a:xfrm flipV="1">
+            <a:off x="3618763" y="2664118"/>
+            <a:ext cx="877048" cy="11273"/>
+          </a:xfrm>
+          <a:prstGeom prst="line">
+            <a:avLst/>
+          </a:prstGeom>
+          <a:ln>
+            <a:headEnd type="none"/>
+            <a:tailEnd type="arrow"/>
+          </a:ln>
+        </p:spPr>
+        <p:style>
+          <a:lnRef idx="2">
+            <a:schemeClr val="accent1"/>
+          </a:lnRef>
+          <a:fillRef idx="0">
+            <a:schemeClr val="accent1"/>
+          </a:fillRef>
+          <a:effectRef idx="1">
+            <a:schemeClr val="accent1"/>
+          </a:effectRef>
+          <a:fontRef idx="minor">
+            <a:schemeClr val="tx1"/>
+          </a:fontRef>
+        </p:style>
+      </p:cxnSp>
+      <p:sp>
+        <p:nvSpPr>
+          <p:cNvPr id="12" name="Ellipse 11"/>
+          <p:cNvSpPr/>
+          <p:nvPr/>
+        </p:nvSpPr>
+        <p:spPr>
+          <a:xfrm>
+            <a:off x="4533911" y="2524418"/>
+            <a:ext cx="317500" cy="279400"/>
+          </a:xfrm>
+          <a:prstGeom prst="ellipse">
+            <a:avLst/>
+          </a:prstGeom>
+          <a:solidFill>
+            <a:srgbClr val="008000"/>
+          </a:solidFill>
+          <a:ln>
+            <a:solidFill>
+              <a:srgbClr val="008000"/>
+            </a:solidFill>
+          </a:ln>
+        </p:spPr>
+        <p:style>
+          <a:lnRef idx="1">
+            <a:schemeClr val="accent1"/>
+          </a:lnRef>
+          <a:fillRef idx="3">
+            <a:schemeClr val="accent1"/>
+          </a:fillRef>
+          <a:effectRef idx="2">
+            <a:schemeClr val="accent1"/>
+          </a:effectRef>
+          <a:fontRef idx="minor">
+            <a:schemeClr val="lt1"/>
+          </a:fontRef>
+        </p:style>
+        <p:txBody>
+          <a:bodyPr rtlCol="0" anchor="ctr"/>
+          <a:lstStyle/>
+          <a:p>
+            <a:pPr algn="ctr"/>
+            <a:endParaRPr lang="fr-FR"/>
+          </a:p>
+        </p:txBody>
+      </p:sp>
+      <p:cxnSp>
+        <p:nvCxnSpPr>
+          <p:cNvPr id="13" name="Connecteur droit 12"/>
+          <p:cNvCxnSpPr>
+            <a:stCxn id="5" idx="1"/>
+            <a:endCxn id="12" idx="6"/>
+          </p:cNvCxnSpPr>
+          <p:nvPr/>
+        </p:nvCxnSpPr>
+        <p:spPr>
+          <a:xfrm flipH="1" flipV="1">
+            <a:off x="4851411" y="2664118"/>
+            <a:ext cx="584797" cy="11274"/>
+          </a:xfrm>
+          <a:prstGeom prst="line">
+            <a:avLst/>
+          </a:prstGeom>
+          <a:ln>
+            <a:solidFill>
+              <a:srgbClr val="008000"/>
+            </a:solidFill>
+            <a:headEnd type="none"/>
+            <a:tailEnd type="none"/>
+          </a:ln>
+        </p:spPr>
+        <p:style>
+          <a:lnRef idx="2">
+            <a:schemeClr val="accent1"/>
+          </a:lnRef>
+          <a:fillRef idx="0">
+            <a:schemeClr val="accent1"/>
+          </a:fillRef>
+          <a:effectRef idx="1">
+            <a:schemeClr val="accent1"/>
+          </a:effectRef>
+          <a:fontRef idx="minor">
+            <a:schemeClr val="tx1"/>
+          </a:fontRef>
+        </p:style>
+      </p:cxnSp>
+      <p:sp>
+        <p:nvSpPr>
+          <p:cNvPr id="18" name="ZoneTexte 17"/>
+          <p:cNvSpPr txBox="1"/>
+          <p:nvPr/>
+        </p:nvSpPr>
+        <p:spPr>
+          <a:xfrm>
+            <a:off x="3560449" y="2728343"/>
+            <a:ext cx="1129893" cy="553998"/>
+          </a:xfrm>
+          <a:prstGeom prst="rect">
+            <a:avLst/>
+          </a:prstGeom>
+          <a:noFill/>
+        </p:spPr>
+        <p:txBody>
+          <a:bodyPr wrap="square" rtlCol="0">
+            <a:spAutoFit/>
+          </a:bodyPr>
+          <a:lstStyle/>
+          <a:p>
+            <a:pPr algn="ctr"/>
+            <a:r>
+              <a:rPr lang="fr-FR" sz="1500" b="1" dirty="0" smtClean="0"/>
+              <a:t>Required</a:t>
+            </a:r>
+          </a:p>
+          <a:p>
+            <a:pPr algn="ctr"/>
+            <a:r>
+              <a:rPr lang="fr-FR" sz="1500" b="1" dirty="0" smtClean="0"/>
+              <a:t>Interface</a:t>
+            </a:r>
+          </a:p>
+        </p:txBody>
+      </p:sp>
+      <p:sp>
+        <p:nvSpPr>
+          <p:cNvPr id="19" name="ZoneTexte 18"/>
+          <p:cNvSpPr txBox="1"/>
+          <p:nvPr/>
+        </p:nvSpPr>
+        <p:spPr>
+          <a:xfrm>
+            <a:off x="4353995" y="1953980"/>
+            <a:ext cx="1129893" cy="553998"/>
+          </a:xfrm>
+          <a:prstGeom prst="rect">
+            <a:avLst/>
+          </a:prstGeom>
+          <a:noFill/>
+        </p:spPr>
+        <p:txBody>
+          <a:bodyPr wrap="square" rtlCol="0">
+            <a:spAutoFit/>
+          </a:bodyPr>
+          <a:lstStyle/>
+          <a:p>
+            <a:pPr algn="ctr"/>
+            <a:r>
+              <a:rPr lang="fr-FR" sz="1500" b="1" dirty="0" smtClean="0"/>
+              <a:t>Provided</a:t>
+            </a:r>
+          </a:p>
+          <a:p>
+            <a:pPr algn="ctr"/>
+            <a:r>
+              <a:rPr lang="fr-FR" sz="1500" b="1" dirty="0" smtClean="0"/>
+              <a:t>Interface</a:t>
+            </a:r>
+          </a:p>
+        </p:txBody>
+      </p:sp>
+      <p:sp>
+        <p:nvSpPr>
+          <p:cNvPr id="14" name="Rectangle à coins arrondis 13"/>
+          <p:cNvSpPr/>
+          <p:nvPr/>
+        </p:nvSpPr>
+        <p:spPr>
+          <a:xfrm>
+            <a:off x="443395" y="4367036"/>
+            <a:ext cx="3161563" cy="1035634"/>
+          </a:xfrm>
+          <a:prstGeom prst="roundRect">
+            <a:avLst>
+              <a:gd name="adj" fmla="val 9473"/>
+            </a:avLst>
+          </a:prstGeom>
+          <a:solidFill>
+            <a:schemeClr val="bg1"/>
+          </a:solidFill>
+          <a:ln>
+            <a:solidFill>
+              <a:schemeClr val="tx1"/>
+            </a:solidFill>
+          </a:ln>
+        </p:spPr>
+        <p:style>
+          <a:lnRef idx="1">
+            <a:schemeClr val="accent1"/>
+          </a:lnRef>
+          <a:fillRef idx="3">
+            <a:schemeClr val="accent1"/>
+          </a:fillRef>
+          <a:effectRef idx="2">
+            <a:schemeClr val="accent1"/>
+          </a:effectRef>
+          <a:fontRef idx="minor">
+            <a:schemeClr val="lt1"/>
+          </a:fontRef>
+        </p:style>
+        <p:txBody>
+          <a:bodyPr rtlCol="0" anchor="ctr"/>
+          <a:lstStyle/>
+          <a:p>
+            <a:pPr algn="ctr"/>
+            <a:endParaRPr lang="fr-FR"/>
+          </a:p>
+        </p:txBody>
+      </p:sp>
+      <p:sp>
+        <p:nvSpPr>
+          <p:cNvPr id="16" name="ZoneTexte 15"/>
+          <p:cNvSpPr txBox="1"/>
+          <p:nvPr/>
+        </p:nvSpPr>
+        <p:spPr>
+          <a:xfrm>
+            <a:off x="600149" y="4575974"/>
+            <a:ext cx="2915025" cy="646331"/>
+          </a:xfrm>
+          <a:prstGeom prst="rect">
+            <a:avLst/>
+          </a:prstGeom>
+          <a:noFill/>
+        </p:spPr>
+        <p:txBody>
+          <a:bodyPr wrap="square" rtlCol="0">
+            <a:spAutoFit/>
+          </a:bodyPr>
+          <a:lstStyle/>
+          <a:p>
+            <a:r>
+              <a:rPr lang="fr-FR" b="1" dirty="0" err="1" smtClean="0"/>
+              <a:t>Complex</a:t>
+            </a:r>
+            <a:r>
+              <a:rPr lang="fr-FR" b="1" dirty="0" smtClean="0"/>
+              <a:t> Triggers: </a:t>
+            </a:r>
+            <a:r>
+              <a:rPr lang="fr-FR" dirty="0" smtClean="0"/>
+              <a:t>AND, </a:t>
+            </a:r>
+            <a:endParaRPr lang="fr-FR" dirty="0" smtClean="0"/>
+          </a:p>
+          <a:p>
+            <a:r>
+              <a:rPr lang="fr-FR" dirty="0" smtClean="0"/>
+              <a:t>OR</a:t>
+            </a:r>
+            <a:r>
+              <a:rPr lang="fr-FR" dirty="0" smtClean="0"/>
+              <a:t>, NOT</a:t>
+            </a:r>
+            <a:endParaRPr lang="fr-FR" dirty="0"/>
+          </a:p>
+        </p:txBody>
+      </p:sp>
+      <p:sp>
+        <p:nvSpPr>
+          <p:cNvPr id="17" name="Ellipse 16"/>
+          <p:cNvSpPr/>
+          <p:nvPr/>
+        </p:nvSpPr>
+        <p:spPr>
+          <a:xfrm>
+            <a:off x="1870118" y="3601805"/>
+            <a:ext cx="317500" cy="279400"/>
+          </a:xfrm>
+          <a:prstGeom prst="ellipse">
+            <a:avLst/>
+          </a:prstGeom>
+          <a:solidFill>
+            <a:srgbClr val="008000"/>
+          </a:solidFill>
+          <a:ln>
+            <a:solidFill>
+              <a:srgbClr val="008000"/>
+            </a:solidFill>
+          </a:ln>
+        </p:spPr>
+        <p:style>
+          <a:lnRef idx="1">
+            <a:schemeClr val="accent1"/>
+          </a:lnRef>
+          <a:fillRef idx="3">
+            <a:schemeClr val="accent1"/>
+          </a:fillRef>
+          <a:effectRef idx="2">
+            <a:schemeClr val="accent1"/>
+          </a:effectRef>
+          <a:fontRef idx="minor">
+            <a:schemeClr val="lt1"/>
+          </a:fontRef>
+        </p:style>
+        <p:txBody>
+          <a:bodyPr rtlCol="0" anchor="ctr"/>
+          <a:lstStyle/>
+          <a:p>
+            <a:pPr algn="ctr"/>
+            <a:endParaRPr lang="fr-FR"/>
+          </a:p>
+        </p:txBody>
+      </p:sp>
+      <p:cxnSp>
+        <p:nvCxnSpPr>
+          <p:cNvPr id="20" name="Connecteur droit 19"/>
+          <p:cNvCxnSpPr>
+            <a:stCxn id="4" idx="2"/>
+            <a:endCxn id="17" idx="0"/>
+          </p:cNvCxnSpPr>
+          <p:nvPr/>
+        </p:nvCxnSpPr>
+        <p:spPr>
+          <a:xfrm flipH="1">
+            <a:off x="2028868" y="3193208"/>
+            <a:ext cx="9114" cy="408597"/>
+          </a:xfrm>
+          <a:prstGeom prst="line">
+            <a:avLst/>
+          </a:prstGeom>
+          <a:ln>
+            <a:solidFill>
+              <a:srgbClr val="008000"/>
+            </a:solidFill>
+            <a:headEnd type="none"/>
+            <a:tailEnd type="none"/>
+          </a:ln>
+        </p:spPr>
+        <p:style>
+          <a:lnRef idx="2">
+            <a:schemeClr val="accent1"/>
+          </a:lnRef>
+          <a:fillRef idx="0">
+            <a:schemeClr val="accent1"/>
+          </a:fillRef>
+          <a:effectRef idx="1">
+            <a:schemeClr val="accent1"/>
+          </a:effectRef>
+          <a:fontRef idx="minor">
+            <a:schemeClr val="tx1"/>
+          </a:fontRef>
+        </p:style>
+      </p:cxnSp>
+      <p:cxnSp>
+        <p:nvCxnSpPr>
+          <p:cNvPr id="21" name="Connecteur droit 20"/>
+          <p:cNvCxnSpPr>
+            <a:stCxn id="14" idx="0"/>
+            <a:endCxn id="17" idx="4"/>
+          </p:cNvCxnSpPr>
+          <p:nvPr/>
+        </p:nvCxnSpPr>
+        <p:spPr>
+          <a:xfrm flipV="1">
+            <a:off x="2024177" y="3881205"/>
+            <a:ext cx="4691" cy="485831"/>
+          </a:xfrm>
+          <a:prstGeom prst="line">
+            <a:avLst/>
+          </a:prstGeom>
+          <a:ln>
+            <a:headEnd type="none"/>
+            <a:tailEnd type="arrow"/>
+          </a:ln>
+        </p:spPr>
+        <p:style>
+          <a:lnRef idx="2">
+            <a:schemeClr val="accent1"/>
+          </a:lnRef>
+          <a:fillRef idx="0">
+            <a:schemeClr val="accent1"/>
+          </a:fillRef>
+          <a:effectRef idx="1">
+            <a:schemeClr val="accent1"/>
+          </a:effectRef>
+          <a:fontRef idx="minor">
+            <a:schemeClr val="tx1"/>
+          </a:fontRef>
+        </p:style>
+      </p:cxnSp>
+      <p:sp>
+        <p:nvSpPr>
+          <p:cNvPr id="22" name="ZoneTexte 21"/>
+          <p:cNvSpPr txBox="1"/>
+          <p:nvPr/>
+        </p:nvSpPr>
+        <p:spPr>
+          <a:xfrm>
+            <a:off x="2104788" y="3810798"/>
+            <a:ext cx="1129893" cy="553998"/>
+          </a:xfrm>
+          <a:prstGeom prst="rect">
+            <a:avLst/>
+          </a:prstGeom>
+          <a:noFill/>
+        </p:spPr>
+        <p:txBody>
+          <a:bodyPr wrap="square" rtlCol="0">
+            <a:spAutoFit/>
+          </a:bodyPr>
+          <a:lstStyle/>
+          <a:p>
+            <a:pPr algn="ctr"/>
+            <a:r>
+              <a:rPr lang="fr-FR" sz="1500" b="1" dirty="0" smtClean="0"/>
+              <a:t>Required</a:t>
+            </a:r>
+          </a:p>
+          <a:p>
+            <a:pPr algn="ctr"/>
+            <a:r>
+              <a:rPr lang="fr-FR" sz="1500" b="1" dirty="0" smtClean="0"/>
+              <a:t>Interface</a:t>
+            </a:r>
+          </a:p>
+        </p:txBody>
+      </p:sp>
+      <p:sp>
+        <p:nvSpPr>
+          <p:cNvPr id="23" name="ZoneTexte 22"/>
+          <p:cNvSpPr txBox="1"/>
+          <p:nvPr/>
+        </p:nvSpPr>
+        <p:spPr>
+          <a:xfrm>
+            <a:off x="445283" y="3231842"/>
+            <a:ext cx="1567306" cy="784830"/>
+          </a:xfrm>
+          <a:prstGeom prst="rect">
+            <a:avLst/>
+          </a:prstGeom>
+          <a:noFill/>
+        </p:spPr>
+        <p:txBody>
+          <a:bodyPr wrap="square" rtlCol="0">
+            <a:spAutoFit/>
+          </a:bodyPr>
+          <a:lstStyle/>
+          <a:p>
+            <a:pPr algn="ctr"/>
+            <a:r>
+              <a:rPr lang="fr-FR" sz="1500" b="1" dirty="0" smtClean="0"/>
+              <a:t>Provided</a:t>
+            </a:r>
+          </a:p>
+          <a:p>
+            <a:pPr algn="ctr"/>
+            <a:r>
+              <a:rPr lang="fr-FR" sz="1500" b="1" dirty="0" smtClean="0"/>
+              <a:t>Interface </a:t>
+            </a:r>
+          </a:p>
+          <a:p>
+            <a:pPr algn="ctr"/>
+            <a:r>
+              <a:rPr lang="fr-FR" sz="1500" b="1" dirty="0" smtClean="0"/>
+              <a:t>(Ext. Point)</a:t>
+            </a:r>
+            <a:endParaRPr lang="fr-FR" sz="1500" b="1" dirty="0" smtClean="0"/>
+          </a:p>
+        </p:txBody>
+      </p:sp>
+      <p:sp>
+        <p:nvSpPr>
+          <p:cNvPr id="24" name="Rectangle à coins arrondis 23"/>
+          <p:cNvSpPr/>
+          <p:nvPr/>
+        </p:nvSpPr>
+        <p:spPr>
+          <a:xfrm>
+            <a:off x="3903106" y="4364796"/>
+            <a:ext cx="3250463" cy="1037873"/>
+          </a:xfrm>
+          <a:prstGeom prst="roundRect">
+            <a:avLst>
+              <a:gd name="adj" fmla="val 9473"/>
+            </a:avLst>
+          </a:prstGeom>
+          <a:solidFill>
+            <a:schemeClr val="bg1"/>
+          </a:solidFill>
+          <a:ln>
+            <a:solidFill>
+              <a:schemeClr val="tx1"/>
+            </a:solidFill>
+          </a:ln>
+        </p:spPr>
+        <p:style>
+          <a:lnRef idx="1">
+            <a:schemeClr val="accent1"/>
+          </a:lnRef>
+          <a:fillRef idx="3">
+            <a:schemeClr val="accent1"/>
+          </a:fillRef>
+          <a:effectRef idx="2">
+            <a:schemeClr val="accent1"/>
+          </a:effectRef>
+          <a:fontRef idx="minor">
+            <a:schemeClr val="lt1"/>
+          </a:fontRef>
+        </p:style>
+        <p:txBody>
+          <a:bodyPr rtlCol="0" anchor="ctr"/>
+          <a:lstStyle/>
+          <a:p>
+            <a:pPr algn="ctr"/>
+            <a:endParaRPr lang="fr-FR"/>
+          </a:p>
+        </p:txBody>
+      </p:sp>
+      <p:sp>
+        <p:nvSpPr>
+          <p:cNvPr id="25" name="ZoneTexte 24"/>
+          <p:cNvSpPr txBox="1"/>
+          <p:nvPr/>
+        </p:nvSpPr>
+        <p:spPr>
+          <a:xfrm>
+            <a:off x="3997171" y="4559219"/>
+            <a:ext cx="3156398" cy="646331"/>
+          </a:xfrm>
+          <a:prstGeom prst="rect">
+            <a:avLst/>
+          </a:prstGeom>
+          <a:noFill/>
+        </p:spPr>
+        <p:txBody>
+          <a:bodyPr wrap="square" rtlCol="0">
+            <a:spAutoFit/>
+          </a:bodyPr>
+          <a:lstStyle/>
+          <a:p>
+            <a:r>
+              <a:rPr lang="fr-FR" b="1" dirty="0" err="1" smtClean="0"/>
+              <a:t>Hierarchical</a:t>
+            </a:r>
+            <a:r>
+              <a:rPr lang="fr-FR" b="1" dirty="0"/>
+              <a:t> </a:t>
+            </a:r>
+            <a:r>
+              <a:rPr lang="fr-FR" b="1" dirty="0" smtClean="0"/>
+              <a:t>FSM</a:t>
+            </a:r>
+            <a:r>
+              <a:rPr lang="fr-FR" b="1" dirty="0" smtClean="0"/>
+              <a:t>: </a:t>
+            </a:r>
+            <a:r>
+              <a:rPr lang="fr-FR" dirty="0" smtClean="0"/>
+              <a:t>Composite States, </a:t>
+            </a:r>
+            <a:r>
+              <a:rPr lang="fr-FR" dirty="0" smtClean="0"/>
+              <a:t>…</a:t>
+            </a:r>
+            <a:endParaRPr lang="fr-FR" dirty="0"/>
+          </a:p>
+        </p:txBody>
+      </p:sp>
+      <p:cxnSp>
+        <p:nvCxnSpPr>
+          <p:cNvPr id="26" name="Connecteur droit 25"/>
+          <p:cNvCxnSpPr>
+            <a:endCxn id="17" idx="6"/>
+          </p:cNvCxnSpPr>
+          <p:nvPr/>
+        </p:nvCxnSpPr>
+        <p:spPr>
+          <a:xfrm flipH="1">
+            <a:off x="2187618" y="3741505"/>
+            <a:ext cx="3342796" cy="0"/>
+          </a:xfrm>
+          <a:prstGeom prst="line">
+            <a:avLst/>
+          </a:prstGeom>
+          <a:ln>
+            <a:headEnd type="none"/>
+            <a:tailEnd type="arrow"/>
+          </a:ln>
+        </p:spPr>
+        <p:style>
+          <a:lnRef idx="2">
+            <a:schemeClr val="accent1"/>
+          </a:lnRef>
+          <a:fillRef idx="0">
+            <a:schemeClr val="accent1"/>
+          </a:fillRef>
+          <a:effectRef idx="1">
+            <a:schemeClr val="accent1"/>
+          </a:effectRef>
+          <a:fontRef idx="minor">
+            <a:schemeClr val="tx1"/>
+          </a:fontRef>
+        </p:style>
+      </p:cxnSp>
+      <p:cxnSp>
+        <p:nvCxnSpPr>
+          <p:cNvPr id="27" name="Connecteur droit 26"/>
+          <p:cNvCxnSpPr>
+            <a:endCxn id="24" idx="0"/>
+          </p:cNvCxnSpPr>
+          <p:nvPr/>
+        </p:nvCxnSpPr>
+        <p:spPr>
+          <a:xfrm flipH="1">
+            <a:off x="5528338" y="3741505"/>
+            <a:ext cx="2076" cy="623291"/>
+          </a:xfrm>
+          <a:prstGeom prst="line">
+            <a:avLst/>
+          </a:prstGeom>
+          <a:ln>
+            <a:headEnd type="none"/>
+            <a:tailEnd type="none"/>
+          </a:ln>
+        </p:spPr>
+        <p:style>
+          <a:lnRef idx="2">
+            <a:schemeClr val="accent1"/>
+          </a:lnRef>
+          <a:fillRef idx="0">
+            <a:schemeClr val="accent1"/>
+          </a:fillRef>
+          <a:effectRef idx="1">
+            <a:schemeClr val="accent1"/>
+          </a:effectRef>
+          <a:fontRef idx="minor">
+            <a:schemeClr val="tx1"/>
+          </a:fontRef>
+        </p:style>
+      </p:cxnSp>
+      <p:sp>
+        <p:nvSpPr>
+          <p:cNvPr id="29" name="ZoneTexte 28"/>
+          <p:cNvSpPr txBox="1"/>
+          <p:nvPr/>
+        </p:nvSpPr>
+        <p:spPr>
+          <a:xfrm>
+            <a:off x="5570356" y="3783186"/>
+            <a:ext cx="1129893" cy="553998"/>
+          </a:xfrm>
+          <a:prstGeom prst="rect">
+            <a:avLst/>
+          </a:prstGeom>
+          <a:noFill/>
+        </p:spPr>
+        <p:txBody>
+          <a:bodyPr wrap="square" rtlCol="0">
+            <a:spAutoFit/>
+          </a:bodyPr>
+          <a:lstStyle/>
+          <a:p>
+            <a:pPr algn="ctr"/>
+            <a:r>
+              <a:rPr lang="fr-FR" sz="1500" b="1" dirty="0" smtClean="0"/>
+              <a:t>Required</a:t>
+            </a:r>
+          </a:p>
+          <a:p>
+            <a:pPr algn="ctr"/>
+            <a:r>
+              <a:rPr lang="fr-FR" sz="1500" b="1" dirty="0" smtClean="0"/>
+              <a:t>Interface</a:t>
+            </a:r>
+          </a:p>
+        </p:txBody>
+      </p:sp>
+    </p:spTree>
+    <p:extLst>
+      <p:ext uri="{BB962C8B-B14F-4D97-AF65-F5344CB8AC3E}">
+        <p14:creationId xmlns:p14="http://schemas.microsoft.com/office/powerpoint/2010/main" val="3192590551"/>
+      </p:ext>
+    </p:extLst>
+  </p:cSld>
+  <p:clrMapOvr>
+    <a:masterClrMapping/>
+  </p:clrMapOvr>
+</p:sld>
+</file>
+
+<file path=ppt/slides/slide13.xml><?xml version="1.0" encoding="utf-8"?>
+<p:sld xmlns:a="http://schemas.openxmlformats.org/drawingml/2006/main" xmlns:r="http://schemas.openxmlformats.org/officeDocument/2006/relationships" xmlns:p="http://schemas.openxmlformats.org/presentationml/2006/main">
+  <p:cSld>
+    <p:spTree>
+      <p:nvGrpSpPr>
+        <p:cNvPr id="1" name=""/>
+        <p:cNvGrpSpPr/>
+        <p:nvPr/>
+      </p:nvGrpSpPr>
+      <p:grpSpPr>
+        <a:xfrm>
+          <a:off x="0" y="0"/>
+          <a:ext cx="0" cy="0"/>
+          <a:chOff x="0" y="0"/>
+          <a:chExt cx="0" cy="0"/>
+        </a:xfrm>
+      </p:grpSpPr>
+      <p:sp>
+        <p:nvSpPr>
+          <p:cNvPr id="4" name="Titre 1"/>
+          <p:cNvSpPr>
+            <a:spLocks noGrp="1"/>
+          </p:cNvSpPr>
+          <p:nvPr>
+            <p:ph type="title"/>
+          </p:nvPr>
+        </p:nvSpPr>
+        <p:spPr>
+          <a:xfrm>
+            <a:off x="457200" y="274638"/>
+            <a:ext cx="8229600" cy="1143000"/>
           </a:xfrm>
         </p:spPr>
         <p:txBody>
-          <a:bodyPr>
-            <a:normAutofit fontScale="90000"/>
-          </a:bodyPr>
+          <a:bodyPr/>
           <a:lstStyle/>
           <a:p>
             <a:r>
-              <a:rPr lang="en-US" sz="3900" dirty="0" smtClean="0">
-                <a:solidFill>
-                  <a:srgbClr val="FF6600"/>
-                </a:solidFill>
-              </a:rPr>
-              <a:t>FOR YOUR ATTENTION, </a:t>
-            </a:r>
-            <a:br>
-              <a:rPr lang="en-US" sz="3900" dirty="0" smtClean="0">
-                <a:solidFill>
-                  <a:srgbClr val="FF6600"/>
-                </a:solidFill>
-              </a:rPr>
-            </a:br>
-            <a:r>
-              <a:rPr lang="en-US" b="1" dirty="0" smtClean="0">
-                <a:solidFill>
-                  <a:srgbClr val="FF6600"/>
-                </a:solidFill>
-              </a:rPr>
-              <a:t>THANK YOU!</a:t>
-            </a:r>
-            <a:br>
-              <a:rPr lang="en-US" b="1" dirty="0" smtClean="0">
-                <a:solidFill>
-                  <a:srgbClr val="FF6600"/>
-                </a:solidFill>
-              </a:rPr>
-            </a:br>
-            <a:r>
-              <a:rPr lang="en-US" b="1" dirty="0" smtClean="0">
-                <a:solidFill>
-                  <a:srgbClr val="FF6600"/>
-                </a:solidFill>
-              </a:rPr>
-              <a:t/>
-            </a:r>
-            <a:br>
-              <a:rPr lang="en-US" b="1" dirty="0" smtClean="0">
-                <a:solidFill>
-                  <a:srgbClr val="FF6600"/>
-                </a:solidFill>
-              </a:rPr>
-            </a:br>
-            <a:r>
-              <a:rPr lang="en-US" b="1" dirty="0">
-                <a:solidFill>
-                  <a:srgbClr val="FF6600"/>
-                </a:solidFill>
-              </a:rPr>
-              <a:t/>
-            </a:r>
-            <a:br>
-              <a:rPr lang="en-US" b="1" dirty="0">
-                <a:solidFill>
-                  <a:srgbClr val="FF6600"/>
-                </a:solidFill>
-              </a:rPr>
-            </a:br>
-            <a:r>
-              <a:rPr lang="en-US" b="1" dirty="0" smtClean="0">
-                <a:solidFill>
-                  <a:srgbClr val="FF6600"/>
-                </a:solidFill>
-              </a:rPr>
-              <a:t/>
-            </a:r>
-            <a:br>
-              <a:rPr lang="en-US" b="1" dirty="0" smtClean="0">
-                <a:solidFill>
-                  <a:srgbClr val="FF6600"/>
-                </a:solidFill>
-              </a:rPr>
-            </a:br>
-            <a:r>
-              <a:rPr lang="en-US" b="1" dirty="0">
-                <a:solidFill>
-                  <a:srgbClr val="FF6600"/>
-                </a:solidFill>
-              </a:rPr>
-              <a:t/>
-            </a:r>
-            <a:br>
-              <a:rPr lang="en-US" b="1" dirty="0">
-                <a:solidFill>
-                  <a:srgbClr val="FF6600"/>
-                </a:solidFill>
-              </a:rPr>
-            </a:br>
-            <a:r>
-              <a:rPr lang="en-US" b="1" dirty="0" smtClean="0">
-                <a:solidFill>
-                  <a:srgbClr val="FF6600"/>
-                </a:solidFill>
-              </a:rPr>
-              <a:t/>
-            </a:r>
-            <a:br>
-              <a:rPr lang="en-US" b="1" dirty="0" smtClean="0">
-                <a:solidFill>
-                  <a:srgbClr val="FF6600"/>
-                </a:solidFill>
-              </a:rPr>
-            </a:br>
-            <a:r>
-              <a:rPr lang="en-US" sz="3300" dirty="0" smtClean="0">
-                <a:solidFill>
-                  <a:srgbClr val="FF6600"/>
-                </a:solidFill>
-              </a:rPr>
-              <a:t>QUESTIONS, COMMENTS,</a:t>
-            </a:r>
-            <a:br>
-              <a:rPr lang="en-US" sz="3300" dirty="0" smtClean="0">
-                <a:solidFill>
-                  <a:srgbClr val="FF6600"/>
-                </a:solidFill>
-              </a:rPr>
-            </a:br>
-            <a:r>
-              <a:rPr lang="en-US" b="1" dirty="0" smtClean="0">
-                <a:solidFill>
-                  <a:srgbClr val="FF6600"/>
-                </a:solidFill>
-              </a:rPr>
-              <a:t>FEEDBACK?</a:t>
-            </a:r>
-            <a:endParaRPr lang="en-US" b="1" dirty="0">
-              <a:solidFill>
-                <a:srgbClr val="FF6600"/>
-              </a:solidFill>
-            </a:endParaRPr>
+              <a:rPr lang="en-US" dirty="0"/>
+              <a:t>The citizen watch</a:t>
+            </a:r>
+            <a:endParaRPr lang="fr-FR" dirty="0"/>
           </a:p>
         </p:txBody>
       </p:sp>
@@ -3400,8 +7854,8 @@
         </p:blipFill>
         <p:spPr>
           <a:xfrm>
-            <a:off x="2311400" y="2249054"/>
-            <a:ext cx="4254500" cy="2475345"/>
+            <a:off x="1228632" y="1403832"/>
+            <a:ext cx="6502093" cy="5284360"/>
           </a:xfrm>
           <a:prstGeom prst="rect">
             <a:avLst/>
@@ -3411,20 +7865,13 @@
     </p:spTree>
     <p:extLst>
       <p:ext uri="{BB962C8B-B14F-4D97-AF65-F5344CB8AC3E}">
-        <p14:creationId xmlns:p14="http://schemas.microsoft.com/office/powerpoint/2010/main" val="200897660"/>
+        <p14:creationId xmlns:p14="http://schemas.microsoft.com/office/powerpoint/2010/main" val="1908695020"/>
       </p:ext>
     </p:extLst>
   </p:cSld>
   <p:clrMapOvr>
     <a:masterClrMapping/>
   </p:clrMapOvr>
-  <p:timing>
-    <p:tnLst>
-      <p:par>
-        <p:cTn xmlns:p14="http://schemas.microsoft.com/office/powerpoint/2010/main" id="1" dur="indefinite" restart="never" nodeType="tmRoot"/>
-      </p:par>
-    </p:tnLst>
-  </p:timing>
 </p:sld>
 </file>
 
@@ -6695,74 +11142,6 @@
           </a:p>
         </p:txBody>
       </p:sp>
-      <p:cxnSp>
-        <p:nvCxnSpPr>
-          <p:cNvPr id="22" name="Connecteur droit 21"/>
-          <p:cNvCxnSpPr/>
-          <p:nvPr/>
-        </p:nvCxnSpPr>
-        <p:spPr>
-          <a:xfrm flipV="1">
-            <a:off x="3656863" y="3527718"/>
-            <a:ext cx="1779345" cy="11274"/>
-          </a:xfrm>
-          <a:prstGeom prst="line">
-            <a:avLst/>
-          </a:prstGeom>
-          <a:ln w="38100" cmpd="sng">
-            <a:solidFill>
-              <a:srgbClr val="000090"/>
-            </a:solidFill>
-            <a:headEnd type="none"/>
-            <a:tailEnd type="arrow"/>
-          </a:ln>
-        </p:spPr>
-        <p:style>
-          <a:lnRef idx="2">
-            <a:schemeClr val="accent1"/>
-          </a:lnRef>
-          <a:fillRef idx="0">
-            <a:schemeClr val="accent1"/>
-          </a:fillRef>
-          <a:effectRef idx="1">
-            <a:schemeClr val="accent1"/>
-          </a:effectRef>
-          <a:fontRef idx="minor">
-            <a:schemeClr val="tx1"/>
-          </a:fontRef>
-        </p:style>
-      </p:cxnSp>
-      <p:sp>
-        <p:nvSpPr>
-          <p:cNvPr id="24" name="ZoneTexte 23"/>
-          <p:cNvSpPr txBox="1"/>
-          <p:nvPr/>
-        </p:nvSpPr>
-        <p:spPr>
-          <a:xfrm>
-            <a:off x="3594100" y="3517900"/>
-            <a:ext cx="1917700" cy="369332"/>
-          </a:xfrm>
-          <a:prstGeom prst="rect">
-            <a:avLst/>
-          </a:prstGeom>
-          <a:noFill/>
-        </p:spPr>
-        <p:txBody>
-          <a:bodyPr wrap="square" rtlCol="0">
-            <a:spAutoFit/>
-          </a:bodyPr>
-          <a:lstStyle/>
-          <a:p>
-            <a:pPr algn="ctr"/>
-            <a:r>
-              <a:rPr lang="fr-FR" b="1" dirty="0" err="1" smtClean="0"/>
-              <a:t>aggregation</a:t>
-            </a:r>
-            <a:endParaRPr lang="fr-FR" b="1" dirty="0"/>
-          </a:p>
-        </p:txBody>
-      </p:sp>
     </p:spTree>
     <p:extLst>
       <p:ext uri="{BB962C8B-B14F-4D97-AF65-F5344CB8AC3E}">
@@ -6777,6 +11156,218 @@
 </file>
 
 <file path=ppt/slides/slide5.xml><?xml version="1.0" encoding="utf-8"?>
+<p:sld xmlns:a="http://schemas.openxmlformats.org/drawingml/2006/main" xmlns:r="http://schemas.openxmlformats.org/officeDocument/2006/relationships" xmlns:p="http://schemas.openxmlformats.org/presentationml/2006/main">
+  <p:cSld>
+    <p:spTree>
+      <p:nvGrpSpPr>
+        <p:cNvPr id="1" name=""/>
+        <p:cNvGrpSpPr/>
+        <p:nvPr/>
+      </p:nvGrpSpPr>
+      <p:grpSpPr>
+        <a:xfrm>
+          <a:off x="0" y="0"/>
+          <a:ext cx="0" cy="0"/>
+          <a:chOff x="0" y="0"/>
+          <a:chExt cx="0" cy="0"/>
+        </a:xfrm>
+      </p:grpSpPr>
+      <p:pic>
+        <p:nvPicPr>
+          <p:cNvPr id="4" name="Image 3"/>
+          <p:cNvPicPr>
+            <a:picLocks noChangeAspect="1"/>
+          </p:cNvPicPr>
+          <p:nvPr/>
+        </p:nvPicPr>
+        <p:blipFill>
+          <a:blip r:embed="rId2"/>
+          <a:stretch>
+            <a:fillRect/>
+          </a:stretch>
+        </p:blipFill>
+        <p:spPr>
+          <a:xfrm>
+            <a:off x="248488" y="2029686"/>
+            <a:ext cx="3889606" cy="4331307"/>
+          </a:xfrm>
+          <a:prstGeom prst="rect">
+            <a:avLst/>
+          </a:prstGeom>
+        </p:spPr>
+      </p:pic>
+      <p:sp>
+        <p:nvSpPr>
+          <p:cNvPr id="5" name="Titre 1"/>
+          <p:cNvSpPr>
+            <a:spLocks noGrp="1"/>
+          </p:cNvSpPr>
+          <p:nvPr>
+            <p:ph type="title"/>
+          </p:nvPr>
+        </p:nvSpPr>
+        <p:spPr>
+          <a:xfrm>
+            <a:off x="457200" y="274638"/>
+            <a:ext cx="8229600" cy="1143000"/>
+          </a:xfrm>
+        </p:spPr>
+        <p:txBody>
+          <a:bodyPr/>
+          <a:lstStyle/>
+          <a:p>
+            <a:r>
+              <a:rPr lang="en-US" dirty="0" smtClean="0"/>
+              <a:t>The citizen watch</a:t>
+            </a:r>
+            <a:endParaRPr lang="en-US" dirty="0"/>
+          </a:p>
+        </p:txBody>
+      </p:sp>
+      <p:pic>
+        <p:nvPicPr>
+          <p:cNvPr id="6" name="Image 5"/>
+          <p:cNvPicPr>
+            <a:picLocks noChangeAspect="1"/>
+          </p:cNvPicPr>
+          <p:nvPr/>
+        </p:nvPicPr>
+        <p:blipFill>
+          <a:blip r:embed="rId3"/>
+          <a:stretch>
+            <a:fillRect/>
+          </a:stretch>
+        </p:blipFill>
+        <p:spPr>
+          <a:xfrm>
+            <a:off x="4663317" y="2015880"/>
+            <a:ext cx="3871628" cy="4358919"/>
+          </a:xfrm>
+          <a:prstGeom prst="rect">
+            <a:avLst/>
+          </a:prstGeom>
+        </p:spPr>
+      </p:pic>
+    </p:spTree>
+    <p:extLst>
+      <p:ext uri="{BB962C8B-B14F-4D97-AF65-F5344CB8AC3E}">
+        <p14:creationId xmlns:p14="http://schemas.microsoft.com/office/powerpoint/2010/main" val="3737268094"/>
+      </p:ext>
+    </p:extLst>
+  </p:cSld>
+  <p:clrMapOvr>
+    <a:masterClrMapping/>
+  </p:clrMapOvr>
+</p:sld>
+</file>
+
+<file path=ppt/slides/slide6.xml><?xml version="1.0" encoding="utf-8"?>
+<p:sld xmlns:a="http://schemas.openxmlformats.org/drawingml/2006/main" xmlns:r="http://schemas.openxmlformats.org/officeDocument/2006/relationships" xmlns:p="http://schemas.openxmlformats.org/presentationml/2006/main">
+  <p:cSld>
+    <p:spTree>
+      <p:nvGrpSpPr>
+        <p:cNvPr id="1" name=""/>
+        <p:cNvGrpSpPr/>
+        <p:nvPr/>
+      </p:nvGrpSpPr>
+      <p:grpSpPr>
+        <a:xfrm>
+          <a:off x="0" y="0"/>
+          <a:ext cx="0" cy="0"/>
+          <a:chOff x="0" y="0"/>
+          <a:chExt cx="0" cy="0"/>
+        </a:xfrm>
+      </p:grpSpPr>
+      <p:sp>
+        <p:nvSpPr>
+          <p:cNvPr id="5" name="Titre 1"/>
+          <p:cNvSpPr>
+            <a:spLocks noGrp="1"/>
+          </p:cNvSpPr>
+          <p:nvPr>
+            <p:ph type="title"/>
+          </p:nvPr>
+        </p:nvSpPr>
+        <p:spPr>
+          <a:xfrm>
+            <a:off x="457200" y="274638"/>
+            <a:ext cx="8229600" cy="1143000"/>
+          </a:xfrm>
+        </p:spPr>
+        <p:txBody>
+          <a:bodyPr/>
+          <a:lstStyle/>
+          <a:p>
+            <a:r>
+              <a:rPr lang="en-US" dirty="0" smtClean="0"/>
+              <a:t>The citizen watch</a:t>
+            </a:r>
+            <a:endParaRPr lang="en-US" dirty="0"/>
+          </a:p>
+        </p:txBody>
+      </p:sp>
+      <p:pic>
+        <p:nvPicPr>
+          <p:cNvPr id="6" name="Image 5"/>
+          <p:cNvPicPr>
+            <a:picLocks noChangeAspect="1"/>
+          </p:cNvPicPr>
+          <p:nvPr/>
+        </p:nvPicPr>
+        <p:blipFill>
+          <a:blip r:embed="rId2"/>
+          <a:stretch>
+            <a:fillRect/>
+          </a:stretch>
+        </p:blipFill>
+        <p:spPr>
+          <a:xfrm>
+            <a:off x="328585" y="2222970"/>
+            <a:ext cx="3871628" cy="4358919"/>
+          </a:xfrm>
+          <a:prstGeom prst="rect">
+            <a:avLst/>
+          </a:prstGeom>
+        </p:spPr>
+      </p:pic>
+      <p:pic>
+        <p:nvPicPr>
+          <p:cNvPr id="2" name="Image 1"/>
+          <p:cNvPicPr>
+            <a:picLocks noChangeAspect="1"/>
+          </p:cNvPicPr>
+          <p:nvPr/>
+        </p:nvPicPr>
+        <p:blipFill>
+          <a:blip r:embed="rId3"/>
+          <a:stretch>
+            <a:fillRect/>
+          </a:stretch>
+        </p:blipFill>
+        <p:spPr>
+          <a:xfrm>
+            <a:off x="4307963" y="1270132"/>
+            <a:ext cx="4581852" cy="4428221"/>
+          </a:xfrm>
+          <a:prstGeom prst="rect">
+            <a:avLst/>
+          </a:prstGeom>
+        </p:spPr>
+      </p:pic>
+    </p:spTree>
+    <p:extLst>
+      <p:ext uri="{BB962C8B-B14F-4D97-AF65-F5344CB8AC3E}">
+        <p14:creationId xmlns:p14="http://schemas.microsoft.com/office/powerpoint/2010/main" val="4128343312"/>
+      </p:ext>
+    </p:extLst>
+  </p:cSld>
+  <p:clrMapOvr>
+    <a:masterClrMapping/>
+  </p:clrMapOvr>
+</p:sld>
+</file>
+
+<file path=ppt/slides/slide7.xml><?xml version="1.0" encoding="utf-8"?>
 <p:sld xmlns:a="http://schemas.openxmlformats.org/drawingml/2006/main" xmlns:r="http://schemas.openxmlformats.org/officeDocument/2006/relationships" xmlns:p="http://schemas.openxmlformats.org/presentationml/2006/main">
   <p:cSld>
     <p:spTree>
@@ -7712,13 +12303,6 @@
                 </a:rPr>
                 <a:t>AND OK</a:t>
               </a:r>
-              <a:endParaRPr lang="fr-FR" sz="1500" dirty="0" smtClean="0">
-                <a:solidFill>
-                  <a:srgbClr val="FF0000"/>
-                </a:solidFill>
-                <a:latin typeface="Consolas"/>
-                <a:cs typeface="Consolas"/>
-              </a:endParaRPr>
             </a:p>
           </p:txBody>
         </p:sp>
@@ -7785,10 +12369,6 @@
                 </a:rPr>
                 <a:t>!a</a:t>
               </a:r>
-              <a:endParaRPr lang="fr-FR" sz="1500" dirty="0" smtClean="0">
-                <a:latin typeface="Consolas"/>
-                <a:cs typeface="Consolas"/>
-              </a:endParaRPr>
             </a:p>
           </p:txBody>
         </p:sp>
@@ -8331,11 +12911,7 @@
             </a:r>
             <a:r>
               <a:rPr lang="fr-FR" dirty="0" smtClean="0"/>
-              <a:t>AND, OR, </a:t>
-            </a:r>
-            <a:r>
-              <a:rPr lang="fr-FR" dirty="0" smtClean="0"/>
-              <a:t>NOT</a:t>
+              <a:t>AND, OR, NOT</a:t>
             </a:r>
             <a:endParaRPr lang="fr-FR" dirty="0"/>
           </a:p>
@@ -8345,3583 +12921,6 @@
     <p:extLst>
       <p:ext uri="{BB962C8B-B14F-4D97-AF65-F5344CB8AC3E}">
         <p14:creationId xmlns:p14="http://schemas.microsoft.com/office/powerpoint/2010/main" val="3351777965"/>
-      </p:ext>
-    </p:extLst>
-  </p:cSld>
-  <p:clrMapOvr>
-    <a:masterClrMapping/>
-  </p:clrMapOvr>
-</p:sld>
-</file>
-
-<file path=ppt/slides/slide6.xml><?xml version="1.0" encoding="utf-8"?>
-<p:sld xmlns:a="http://schemas.openxmlformats.org/drawingml/2006/main" xmlns:r="http://schemas.openxmlformats.org/officeDocument/2006/relationships" xmlns:p="http://schemas.openxmlformats.org/presentationml/2006/main">
-  <p:cSld>
-    <p:spTree>
-      <p:nvGrpSpPr>
-        <p:cNvPr id="1" name=""/>
-        <p:cNvGrpSpPr/>
-        <p:nvPr/>
-      </p:nvGrpSpPr>
-      <p:grpSpPr>
-        <a:xfrm>
-          <a:off x="0" y="0"/>
-          <a:ext cx="0" cy="0"/>
-          <a:chOff x="0" y="0"/>
-          <a:chExt cx="0" cy="0"/>
-        </a:xfrm>
-      </p:grpSpPr>
-      <p:sp>
-        <p:nvSpPr>
-          <p:cNvPr id="2" name="Titre 1"/>
-          <p:cNvSpPr>
-            <a:spLocks noGrp="1"/>
-          </p:cNvSpPr>
-          <p:nvPr>
-            <p:ph type="title"/>
-          </p:nvPr>
-        </p:nvSpPr>
-        <p:spPr/>
-        <p:txBody>
-          <a:bodyPr/>
-          <a:lstStyle/>
-          <a:p>
-            <a:r>
-              <a:rPr lang="en-US" dirty="0" smtClean="0"/>
-              <a:t>The citizen watch</a:t>
-            </a:r>
-            <a:endParaRPr lang="en-US" dirty="0"/>
-          </a:p>
-        </p:txBody>
-      </p:sp>
-      <p:grpSp>
-        <p:nvGrpSpPr>
-          <p:cNvPr id="31" name="Grouper 30"/>
-          <p:cNvGrpSpPr/>
-          <p:nvPr/>
-        </p:nvGrpSpPr>
-        <p:grpSpPr>
-          <a:xfrm>
-            <a:off x="4221192" y="1810985"/>
-            <a:ext cx="4714798" cy="3182004"/>
-            <a:chOff x="4069772" y="1996196"/>
-            <a:chExt cx="4714798" cy="3182004"/>
-          </a:xfrm>
-        </p:grpSpPr>
-        <p:sp>
-          <p:nvSpPr>
-            <p:cNvPr id="27" name="Rectangle 26"/>
-            <p:cNvSpPr/>
-            <p:nvPr/>
-          </p:nvSpPr>
-          <p:spPr>
-            <a:xfrm>
-              <a:off x="4266069" y="1996196"/>
-              <a:ext cx="4518501" cy="3182004"/>
-            </a:xfrm>
-            <a:prstGeom prst="rect">
-              <a:avLst/>
-            </a:prstGeom>
-            <a:solidFill>
-              <a:schemeClr val="bg1"/>
-            </a:solidFill>
-            <a:ln w="3175" cmpd="sng">
-              <a:solidFill>
-                <a:srgbClr val="A6A6A6"/>
-              </a:solidFill>
-            </a:ln>
-          </p:spPr>
-          <p:style>
-            <a:lnRef idx="1">
-              <a:schemeClr val="accent1"/>
-            </a:lnRef>
-            <a:fillRef idx="3">
-              <a:schemeClr val="accent1"/>
-            </a:fillRef>
-            <a:effectRef idx="2">
-              <a:schemeClr val="accent1"/>
-            </a:effectRef>
-            <a:fontRef idx="minor">
-              <a:schemeClr val="lt1"/>
-            </a:fontRef>
-          </p:style>
-          <p:txBody>
-            <a:bodyPr rtlCol="0" anchor="ctr"/>
-            <a:lstStyle/>
-            <a:p>
-              <a:pPr algn="ctr"/>
-              <a:endParaRPr lang="fr-FR"/>
-            </a:p>
-          </p:txBody>
-        </p:sp>
-        <p:sp>
-          <p:nvSpPr>
-            <p:cNvPr id="13" name="Forme libre 12"/>
-            <p:cNvSpPr/>
-            <p:nvPr/>
-          </p:nvSpPr>
-          <p:spPr>
-            <a:xfrm>
-              <a:off x="4843748" y="2761694"/>
-              <a:ext cx="704609" cy="838371"/>
-            </a:xfrm>
-            <a:custGeom>
-              <a:avLst/>
-              <a:gdLst>
-                <a:gd name="connsiteX0" fmla="*/ 57081 w 747543"/>
-                <a:gd name="connsiteY0" fmla="*/ 0 h 838371"/>
-                <a:gd name="connsiteX1" fmla="*/ 69411 w 747543"/>
-                <a:gd name="connsiteY1" fmla="*/ 493159 h 838371"/>
-                <a:gd name="connsiteX2" fmla="*/ 747543 w 747543"/>
-                <a:gd name="connsiteY2" fmla="*/ 838371 h 838371"/>
-                <a:gd name="connsiteX0" fmla="*/ 11323 w 701785"/>
-                <a:gd name="connsiteY0" fmla="*/ 0 h 838371"/>
-                <a:gd name="connsiteX1" fmla="*/ 208598 w 701785"/>
-                <a:gd name="connsiteY1" fmla="*/ 542475 h 838371"/>
-                <a:gd name="connsiteX2" fmla="*/ 701785 w 701785"/>
-                <a:gd name="connsiteY2" fmla="*/ 838371 h 838371"/>
-                <a:gd name="connsiteX0" fmla="*/ 14147 w 704609"/>
-                <a:gd name="connsiteY0" fmla="*/ 0 h 838371"/>
-                <a:gd name="connsiteX1" fmla="*/ 174433 w 704609"/>
-                <a:gd name="connsiteY1" fmla="*/ 554804 h 838371"/>
-                <a:gd name="connsiteX2" fmla="*/ 704609 w 704609"/>
-                <a:gd name="connsiteY2" fmla="*/ 838371 h 838371"/>
-              </a:gdLst>
-              <a:ahLst/>
-              <a:cxnLst>
-                <a:cxn ang="0">
-                  <a:pos x="connsiteX0" y="connsiteY0"/>
-                </a:cxn>
-                <a:cxn ang="0">
-                  <a:pos x="connsiteX1" y="connsiteY1"/>
-                </a:cxn>
-                <a:cxn ang="0">
-                  <a:pos x="connsiteX2" y="connsiteY2"/>
-                </a:cxn>
-              </a:cxnLst>
-              <a:rect l="l" t="t" r="r" b="b"/>
-              <a:pathLst>
-                <a:path w="704609" h="838371">
-                  <a:moveTo>
-                    <a:pt x="14147" y="0"/>
-                  </a:moveTo>
-                  <a:cubicBezTo>
-                    <a:pt x="-37227" y="176715"/>
-                    <a:pt x="59356" y="415076"/>
-                    <a:pt x="174433" y="554804"/>
-                  </a:cubicBezTo>
-                  <a:cubicBezTo>
-                    <a:pt x="289510" y="694532"/>
-                    <a:pt x="704609" y="838371"/>
-                    <a:pt x="704609" y="838371"/>
-                  </a:cubicBezTo>
-                </a:path>
-              </a:pathLst>
-            </a:custGeom>
-            <a:ln w="9525" cmpd="sng">
-              <a:solidFill>
-                <a:schemeClr val="tx1"/>
-              </a:solidFill>
-              <a:headEnd type="none"/>
-              <a:tailEnd type="arrow"/>
-            </a:ln>
-          </p:spPr>
-          <p:style>
-            <a:lnRef idx="2">
-              <a:schemeClr val="accent1"/>
-            </a:lnRef>
-            <a:fillRef idx="0">
-              <a:schemeClr val="accent1"/>
-            </a:fillRef>
-            <a:effectRef idx="1">
-              <a:schemeClr val="accent1"/>
-            </a:effectRef>
-            <a:fontRef idx="minor">
-              <a:schemeClr val="tx1"/>
-            </a:fontRef>
-          </p:style>
-          <p:txBody>
-            <a:bodyPr rtlCol="0" anchor="ctr"/>
-            <a:lstStyle/>
-            <a:p>
-              <a:pPr algn="ctr"/>
-              <a:endParaRPr lang="fr-FR"/>
-            </a:p>
-          </p:txBody>
-        </p:sp>
-        <p:sp>
-          <p:nvSpPr>
-            <p:cNvPr id="14" name="Forme libre 13"/>
-            <p:cNvSpPr/>
-            <p:nvPr/>
-          </p:nvSpPr>
-          <p:spPr>
-            <a:xfrm>
-              <a:off x="6016885" y="3032733"/>
-              <a:ext cx="1220639" cy="356882"/>
-            </a:xfrm>
-            <a:custGeom>
-              <a:avLst/>
-              <a:gdLst>
-                <a:gd name="connsiteX0" fmla="*/ 0 w 1085012"/>
-                <a:gd name="connsiteY0" fmla="*/ 591990 h 591990"/>
-                <a:gd name="connsiteX1" fmla="*/ 419209 w 1085012"/>
-                <a:gd name="connsiteY1" fmla="*/ 49515 h 591990"/>
-                <a:gd name="connsiteX2" fmla="*/ 1085012 w 1085012"/>
-                <a:gd name="connsiteY2" fmla="*/ 24857 h 591990"/>
-              </a:gdLst>
-              <a:ahLst/>
-              <a:cxnLst>
-                <a:cxn ang="0">
-                  <a:pos x="connsiteX0" y="connsiteY0"/>
-                </a:cxn>
-                <a:cxn ang="0">
-                  <a:pos x="connsiteX1" y="connsiteY1"/>
-                </a:cxn>
-                <a:cxn ang="0">
-                  <a:pos x="connsiteX2" y="connsiteY2"/>
-                </a:cxn>
-              </a:cxnLst>
-              <a:rect l="l" t="t" r="r" b="b"/>
-              <a:pathLst>
-                <a:path w="1085012" h="591990">
-                  <a:moveTo>
-                    <a:pt x="0" y="591990"/>
-                  </a:moveTo>
-                  <a:cubicBezTo>
-                    <a:pt x="119187" y="368013"/>
-                    <a:pt x="238374" y="144037"/>
-                    <a:pt x="419209" y="49515"/>
-                  </a:cubicBezTo>
-                  <a:cubicBezTo>
-                    <a:pt x="600044" y="-45007"/>
-                    <a:pt x="1085012" y="24857"/>
-                    <a:pt x="1085012" y="24857"/>
-                  </a:cubicBezTo>
-                </a:path>
-              </a:pathLst>
-            </a:custGeom>
-            <a:ln w="9525" cmpd="sng">
-              <a:solidFill>
-                <a:schemeClr val="tx1"/>
-              </a:solidFill>
-              <a:headEnd type="none"/>
-              <a:tailEnd type="arrow"/>
-            </a:ln>
-          </p:spPr>
-          <p:style>
-            <a:lnRef idx="2">
-              <a:schemeClr val="accent1"/>
-            </a:lnRef>
-            <a:fillRef idx="0">
-              <a:schemeClr val="accent1"/>
-            </a:fillRef>
-            <a:effectRef idx="1">
-              <a:schemeClr val="accent1"/>
-            </a:effectRef>
-            <a:fontRef idx="minor">
-              <a:schemeClr val="tx1"/>
-            </a:fontRef>
-          </p:style>
-          <p:txBody>
-            <a:bodyPr rtlCol="0" anchor="ctr"/>
-            <a:lstStyle/>
-            <a:p>
-              <a:pPr algn="ctr"/>
-              <a:endParaRPr lang="fr-FR"/>
-            </a:p>
-          </p:txBody>
-        </p:sp>
-        <p:sp>
-          <p:nvSpPr>
-            <p:cNvPr id="15" name="Forme libre 14"/>
-            <p:cNvSpPr/>
-            <p:nvPr/>
-          </p:nvSpPr>
-          <p:spPr>
-            <a:xfrm flipV="1">
-              <a:off x="6016885" y="3946130"/>
-              <a:ext cx="1217196" cy="406001"/>
-            </a:xfrm>
-            <a:custGeom>
-              <a:avLst/>
-              <a:gdLst>
-                <a:gd name="connsiteX0" fmla="*/ 0 w 1085012"/>
-                <a:gd name="connsiteY0" fmla="*/ 591990 h 591990"/>
-                <a:gd name="connsiteX1" fmla="*/ 419209 w 1085012"/>
-                <a:gd name="connsiteY1" fmla="*/ 49515 h 591990"/>
-                <a:gd name="connsiteX2" fmla="*/ 1085012 w 1085012"/>
-                <a:gd name="connsiteY2" fmla="*/ 24857 h 591990"/>
-              </a:gdLst>
-              <a:ahLst/>
-              <a:cxnLst>
-                <a:cxn ang="0">
-                  <a:pos x="connsiteX0" y="connsiteY0"/>
-                </a:cxn>
-                <a:cxn ang="0">
-                  <a:pos x="connsiteX1" y="connsiteY1"/>
-                </a:cxn>
-                <a:cxn ang="0">
-                  <a:pos x="connsiteX2" y="connsiteY2"/>
-                </a:cxn>
-              </a:cxnLst>
-              <a:rect l="l" t="t" r="r" b="b"/>
-              <a:pathLst>
-                <a:path w="1085012" h="591990">
-                  <a:moveTo>
-                    <a:pt x="0" y="591990"/>
-                  </a:moveTo>
-                  <a:cubicBezTo>
-                    <a:pt x="119187" y="368013"/>
-                    <a:pt x="238374" y="144037"/>
-                    <a:pt x="419209" y="49515"/>
-                  </a:cubicBezTo>
-                  <a:cubicBezTo>
-                    <a:pt x="600044" y="-45007"/>
-                    <a:pt x="1085012" y="24857"/>
-                    <a:pt x="1085012" y="24857"/>
-                  </a:cubicBezTo>
-                </a:path>
-              </a:pathLst>
-            </a:custGeom>
-            <a:ln w="9525" cmpd="sng">
-              <a:solidFill>
-                <a:schemeClr val="tx1"/>
-              </a:solidFill>
-              <a:headEnd type="none"/>
-              <a:tailEnd type="arrow"/>
-            </a:ln>
-          </p:spPr>
-          <p:style>
-            <a:lnRef idx="2">
-              <a:schemeClr val="accent1"/>
-            </a:lnRef>
-            <a:fillRef idx="0">
-              <a:schemeClr val="accent1"/>
-            </a:fillRef>
-            <a:effectRef idx="1">
-              <a:schemeClr val="accent1"/>
-            </a:effectRef>
-            <a:fontRef idx="minor">
-              <a:schemeClr val="tx1"/>
-            </a:fontRef>
-          </p:style>
-          <p:txBody>
-            <a:bodyPr rtlCol="0" anchor="ctr"/>
-            <a:lstStyle/>
-            <a:p>
-              <a:pPr algn="ctr"/>
-              <a:endParaRPr lang="fr-FR"/>
-            </a:p>
-          </p:txBody>
-        </p:sp>
-        <p:sp>
-          <p:nvSpPr>
-            <p:cNvPr id="5" name="Ellipse 4"/>
-            <p:cNvSpPr/>
-            <p:nvPr/>
-          </p:nvSpPr>
-          <p:spPr>
-            <a:xfrm>
-              <a:off x="4709938" y="2457920"/>
-              <a:ext cx="308242" cy="308225"/>
-            </a:xfrm>
-            <a:prstGeom prst="ellipse">
-              <a:avLst/>
-            </a:prstGeom>
-            <a:solidFill>
-              <a:schemeClr val="tx1"/>
-            </a:solidFill>
-            <a:ln>
-              <a:solidFill>
-                <a:schemeClr val="tx1">
-                  <a:lumMod val="95000"/>
-                  <a:lumOff val="5000"/>
-                </a:schemeClr>
-              </a:solidFill>
-            </a:ln>
-          </p:spPr>
-          <p:style>
-            <a:lnRef idx="1">
-              <a:schemeClr val="accent1"/>
-            </a:lnRef>
-            <a:fillRef idx="3">
-              <a:schemeClr val="accent1"/>
-            </a:fillRef>
-            <a:effectRef idx="2">
-              <a:schemeClr val="accent1"/>
-            </a:effectRef>
-            <a:fontRef idx="minor">
-              <a:schemeClr val="lt1"/>
-            </a:fontRef>
-          </p:style>
-          <p:txBody>
-            <a:bodyPr rtlCol="0" anchor="ctr"/>
-            <a:lstStyle/>
-            <a:p>
-              <a:pPr algn="ctr"/>
-              <a:endParaRPr lang="fr-FR" dirty="0"/>
-            </a:p>
-          </p:txBody>
-        </p:sp>
-        <p:sp>
-          <p:nvSpPr>
-            <p:cNvPr id="9" name="Ellipse 8"/>
-            <p:cNvSpPr/>
-            <p:nvPr/>
-          </p:nvSpPr>
-          <p:spPr>
-            <a:xfrm>
-              <a:off x="5540473" y="3352628"/>
-              <a:ext cx="624370" cy="630491"/>
-            </a:xfrm>
-            <a:prstGeom prst="ellipse">
-              <a:avLst/>
-            </a:prstGeom>
-            <a:solidFill>
-              <a:schemeClr val="bg1"/>
-            </a:solidFill>
-            <a:ln w="28575" cmpd="sng">
-              <a:solidFill>
-                <a:schemeClr val="tx1">
-                  <a:lumMod val="95000"/>
-                  <a:lumOff val="5000"/>
-                </a:schemeClr>
-              </a:solidFill>
-            </a:ln>
-          </p:spPr>
-          <p:style>
-            <a:lnRef idx="1">
-              <a:schemeClr val="accent1"/>
-            </a:lnRef>
-            <a:fillRef idx="3">
-              <a:schemeClr val="accent1"/>
-            </a:fillRef>
-            <a:effectRef idx="2">
-              <a:schemeClr val="accent1"/>
-            </a:effectRef>
-            <a:fontRef idx="minor">
-              <a:schemeClr val="lt1"/>
-            </a:fontRef>
-          </p:style>
-          <p:txBody>
-            <a:bodyPr rtlCol="0" anchor="ctr"/>
-            <a:lstStyle/>
-            <a:p>
-              <a:pPr algn="ctr"/>
-              <a:endParaRPr lang="fr-FR"/>
-            </a:p>
-          </p:txBody>
-        </p:sp>
-        <p:sp>
-          <p:nvSpPr>
-            <p:cNvPr id="10" name="Ellipse 9"/>
-            <p:cNvSpPr/>
-            <p:nvPr/>
-          </p:nvSpPr>
-          <p:spPr>
-            <a:xfrm>
-              <a:off x="7234081" y="2759124"/>
-              <a:ext cx="624370" cy="630491"/>
-            </a:xfrm>
-            <a:prstGeom prst="ellipse">
-              <a:avLst/>
-            </a:prstGeom>
-            <a:solidFill>
-              <a:schemeClr val="bg1"/>
-            </a:solidFill>
-            <a:ln w="28575" cmpd="sng">
-              <a:solidFill>
-                <a:schemeClr val="tx1">
-                  <a:lumMod val="95000"/>
-                  <a:lumOff val="5000"/>
-                </a:schemeClr>
-              </a:solidFill>
-            </a:ln>
-          </p:spPr>
-          <p:style>
-            <a:lnRef idx="1">
-              <a:schemeClr val="accent1"/>
-            </a:lnRef>
-            <a:fillRef idx="3">
-              <a:schemeClr val="accent1"/>
-            </a:fillRef>
-            <a:effectRef idx="2">
-              <a:schemeClr val="accent1"/>
-            </a:effectRef>
-            <a:fontRef idx="minor">
-              <a:schemeClr val="lt1"/>
-            </a:fontRef>
-          </p:style>
-          <p:txBody>
-            <a:bodyPr rtlCol="0" anchor="ctr"/>
-            <a:lstStyle/>
-            <a:p>
-              <a:pPr algn="ctr"/>
-              <a:endParaRPr lang="fr-FR"/>
-            </a:p>
-          </p:txBody>
-        </p:sp>
-        <p:sp>
-          <p:nvSpPr>
-            <p:cNvPr id="11" name="Ellipse 10"/>
-            <p:cNvSpPr/>
-            <p:nvPr/>
-          </p:nvSpPr>
-          <p:spPr>
-            <a:xfrm>
-              <a:off x="7234081" y="3946132"/>
-              <a:ext cx="624370" cy="630491"/>
-            </a:xfrm>
-            <a:prstGeom prst="ellipse">
-              <a:avLst/>
-            </a:prstGeom>
-            <a:solidFill>
-              <a:schemeClr val="bg1"/>
-            </a:solidFill>
-            <a:ln w="28575" cmpd="sng">
-              <a:solidFill>
-                <a:schemeClr val="tx1">
-                  <a:lumMod val="95000"/>
-                  <a:lumOff val="5000"/>
-                </a:schemeClr>
-              </a:solidFill>
-            </a:ln>
-          </p:spPr>
-          <p:style>
-            <a:lnRef idx="1">
-              <a:schemeClr val="accent1"/>
-            </a:lnRef>
-            <a:fillRef idx="3">
-              <a:schemeClr val="accent1"/>
-            </a:fillRef>
-            <a:effectRef idx="2">
-              <a:schemeClr val="accent1"/>
-            </a:effectRef>
-            <a:fontRef idx="minor">
-              <a:schemeClr val="lt1"/>
-            </a:fontRef>
-          </p:style>
-          <p:txBody>
-            <a:bodyPr rtlCol="0" anchor="ctr"/>
-            <a:lstStyle/>
-            <a:p>
-              <a:pPr algn="ctr"/>
-              <a:endParaRPr lang="fr-FR"/>
-            </a:p>
-          </p:txBody>
-        </p:sp>
-        <p:sp>
-          <p:nvSpPr>
-            <p:cNvPr id="18" name="ZoneTexte 17"/>
-            <p:cNvSpPr txBox="1"/>
-            <p:nvPr/>
-          </p:nvSpPr>
-          <p:spPr>
-            <a:xfrm>
-              <a:off x="4438683" y="2108257"/>
-              <a:ext cx="838418" cy="369332"/>
-            </a:xfrm>
-            <a:prstGeom prst="rect">
-              <a:avLst/>
-            </a:prstGeom>
-            <a:noFill/>
-          </p:spPr>
-          <p:txBody>
-            <a:bodyPr wrap="square" rtlCol="0">
-              <a:spAutoFit/>
-            </a:bodyPr>
-            <a:lstStyle/>
-            <a:p>
-              <a:pPr algn="ctr"/>
-              <a:r>
-                <a:rPr lang="fr-FR" dirty="0" smtClean="0"/>
-                <a:t>Initial</a:t>
-              </a:r>
-            </a:p>
-          </p:txBody>
-        </p:sp>
-        <p:sp>
-          <p:nvSpPr>
-            <p:cNvPr id="19" name="ZoneTexte 18"/>
-            <p:cNvSpPr txBox="1"/>
-            <p:nvPr/>
-          </p:nvSpPr>
-          <p:spPr>
-            <a:xfrm>
-              <a:off x="4782098" y="3810195"/>
-              <a:ext cx="1129893" cy="369332"/>
-            </a:xfrm>
-            <a:prstGeom prst="rect">
-              <a:avLst/>
-            </a:prstGeom>
-            <a:noFill/>
-          </p:spPr>
-          <p:txBody>
-            <a:bodyPr wrap="square" rtlCol="0">
-              <a:spAutoFit/>
-            </a:bodyPr>
-            <a:lstStyle/>
-            <a:p>
-              <a:pPr algn="ctr"/>
-              <a:r>
-                <a:rPr lang="fr-FR" dirty="0" smtClean="0"/>
-                <a:t>displays</a:t>
-              </a:r>
-            </a:p>
-          </p:txBody>
-        </p:sp>
-        <p:sp>
-          <p:nvSpPr>
-            <p:cNvPr id="20" name="ZoneTexte 19"/>
-            <p:cNvSpPr txBox="1"/>
-            <p:nvPr/>
-          </p:nvSpPr>
-          <p:spPr>
-            <a:xfrm>
-              <a:off x="7024470" y="2389792"/>
-              <a:ext cx="1129893" cy="369332"/>
-            </a:xfrm>
-            <a:prstGeom prst="rect">
-              <a:avLst/>
-            </a:prstGeom>
-            <a:noFill/>
-          </p:spPr>
-          <p:txBody>
-            <a:bodyPr wrap="square" rtlCol="0">
-              <a:spAutoFit/>
-            </a:bodyPr>
-            <a:lstStyle/>
-            <a:p>
-              <a:pPr algn="ctr"/>
-              <a:r>
-                <a:rPr lang="fr-FR" dirty="0" err="1"/>
-                <a:t>a</a:t>
-              </a:r>
-              <a:r>
-                <a:rPr lang="fr-FR" dirty="0" err="1" smtClean="0"/>
-                <a:t>larm</a:t>
-              </a:r>
-              <a:r>
-                <a:rPr lang="fr-FR" dirty="0" smtClean="0"/>
-                <a:t> 1</a:t>
-              </a:r>
-            </a:p>
-          </p:txBody>
-        </p:sp>
-        <p:sp>
-          <p:nvSpPr>
-            <p:cNvPr id="21" name="ZoneTexte 20"/>
-            <p:cNvSpPr txBox="1"/>
-            <p:nvPr/>
-          </p:nvSpPr>
-          <p:spPr>
-            <a:xfrm>
-              <a:off x="7054806" y="4511553"/>
-              <a:ext cx="1129893" cy="369332"/>
-            </a:xfrm>
-            <a:prstGeom prst="rect">
-              <a:avLst/>
-            </a:prstGeom>
-            <a:noFill/>
-          </p:spPr>
-          <p:txBody>
-            <a:bodyPr wrap="square" rtlCol="0">
-              <a:spAutoFit/>
-            </a:bodyPr>
-            <a:lstStyle/>
-            <a:p>
-              <a:pPr algn="ctr"/>
-              <a:r>
-                <a:rPr lang="fr-FR" dirty="0" err="1"/>
-                <a:t>a</a:t>
-              </a:r>
-              <a:r>
-                <a:rPr lang="fr-FR" dirty="0" err="1" smtClean="0"/>
-                <a:t>larm</a:t>
-              </a:r>
-              <a:r>
-                <a:rPr lang="fr-FR" dirty="0" smtClean="0"/>
-                <a:t> 2</a:t>
-              </a:r>
-            </a:p>
-          </p:txBody>
-        </p:sp>
-        <p:sp>
-          <p:nvSpPr>
-            <p:cNvPr id="22" name="ZoneTexte 21"/>
-            <p:cNvSpPr txBox="1"/>
-            <p:nvPr/>
-          </p:nvSpPr>
-          <p:spPr>
-            <a:xfrm>
-              <a:off x="4069772" y="3078822"/>
-              <a:ext cx="1129893" cy="323165"/>
-            </a:xfrm>
-            <a:prstGeom prst="rect">
-              <a:avLst/>
-            </a:prstGeom>
-            <a:noFill/>
-          </p:spPr>
-          <p:txBody>
-            <a:bodyPr wrap="square" rtlCol="0">
-              <a:spAutoFit/>
-            </a:bodyPr>
-            <a:lstStyle/>
-            <a:p>
-              <a:pPr algn="ctr"/>
-              <a:r>
-                <a:rPr lang="fr-FR" sz="1500" dirty="0" err="1" smtClean="0">
-                  <a:latin typeface="Consolas"/>
-                  <a:cs typeface="Consolas"/>
-                </a:rPr>
-                <a:t>start</a:t>
-              </a:r>
-              <a:endParaRPr lang="fr-FR" sz="1500" dirty="0" smtClean="0">
-                <a:latin typeface="Consolas"/>
-                <a:cs typeface="Consolas"/>
-              </a:endParaRPr>
-            </a:p>
-          </p:txBody>
-        </p:sp>
-        <p:sp>
-          <p:nvSpPr>
-            <p:cNvPr id="23" name="ZoneTexte 22"/>
-            <p:cNvSpPr txBox="1"/>
-            <p:nvPr/>
-          </p:nvSpPr>
-          <p:spPr>
-            <a:xfrm>
-              <a:off x="5825033" y="2734226"/>
-              <a:ext cx="1129893" cy="323165"/>
-            </a:xfrm>
-            <a:prstGeom prst="rect">
-              <a:avLst/>
-            </a:prstGeom>
-            <a:noFill/>
-          </p:spPr>
-          <p:txBody>
-            <a:bodyPr wrap="square" rtlCol="0">
-              <a:spAutoFit/>
-            </a:bodyPr>
-            <a:lstStyle/>
-            <a:p>
-              <a:pPr algn="ctr"/>
-              <a:r>
-                <a:rPr lang="fr-FR" sz="1500" dirty="0" smtClean="0">
-                  <a:latin typeface="Consolas"/>
-                  <a:cs typeface="Consolas"/>
-                </a:rPr>
-                <a:t>T1</a:t>
-              </a:r>
-            </a:p>
-          </p:txBody>
-        </p:sp>
-        <p:sp>
-          <p:nvSpPr>
-            <p:cNvPr id="24" name="ZoneTexte 23"/>
-            <p:cNvSpPr txBox="1"/>
-            <p:nvPr/>
-          </p:nvSpPr>
-          <p:spPr>
-            <a:xfrm>
-              <a:off x="6054302" y="3344709"/>
-              <a:ext cx="1129893" cy="323165"/>
-            </a:xfrm>
-            <a:prstGeom prst="rect">
-              <a:avLst/>
-            </a:prstGeom>
-            <a:noFill/>
-          </p:spPr>
-          <p:txBody>
-            <a:bodyPr wrap="square" rtlCol="0">
-              <a:spAutoFit/>
-            </a:bodyPr>
-            <a:lstStyle/>
-            <a:p>
-              <a:pPr algn="ctr"/>
-              <a:r>
-                <a:rPr lang="fr-FR" sz="1500" dirty="0" smtClean="0">
-                  <a:latin typeface="Consolas"/>
-                  <a:cs typeface="Consolas"/>
-                </a:rPr>
-                <a:t>a</a:t>
-              </a:r>
-            </a:p>
-          </p:txBody>
-        </p:sp>
-        <p:sp>
-          <p:nvSpPr>
-            <p:cNvPr id="26" name="ZoneTexte 25"/>
-            <p:cNvSpPr txBox="1"/>
-            <p:nvPr/>
-          </p:nvSpPr>
-          <p:spPr>
-            <a:xfrm>
-              <a:off x="5770285" y="4253501"/>
-              <a:ext cx="1129893" cy="323165"/>
-            </a:xfrm>
-            <a:prstGeom prst="rect">
-              <a:avLst/>
-            </a:prstGeom>
-            <a:noFill/>
-          </p:spPr>
-          <p:txBody>
-            <a:bodyPr wrap="square" rtlCol="0">
-              <a:spAutoFit/>
-            </a:bodyPr>
-            <a:lstStyle/>
-            <a:p>
-              <a:pPr algn="ctr"/>
-              <a:r>
-                <a:rPr lang="fr-FR" sz="1500" dirty="0" smtClean="0">
-                  <a:latin typeface="Consolas"/>
-                  <a:cs typeface="Consolas"/>
-                </a:rPr>
-                <a:t>T2</a:t>
-              </a:r>
-            </a:p>
-          </p:txBody>
-        </p:sp>
-      </p:grpSp>
-      <p:sp>
-        <p:nvSpPr>
-          <p:cNvPr id="28" name="Rectangle 27"/>
-          <p:cNvSpPr/>
-          <p:nvPr/>
-        </p:nvSpPr>
-        <p:spPr>
-          <a:xfrm>
-            <a:off x="113777" y="6430173"/>
-            <a:ext cx="8899220" cy="307777"/>
-          </a:xfrm>
-          <a:prstGeom prst="rect">
-            <a:avLst/>
-          </a:prstGeom>
-        </p:spPr>
-        <p:txBody>
-          <a:bodyPr wrap="square">
-            <a:spAutoFit/>
-          </a:bodyPr>
-          <a:lstStyle/>
-          <a:p>
-            <a:pPr algn="ctr"/>
-            <a:r>
-              <a:rPr lang="en-US" sz="1400" dirty="0"/>
-              <a:t>David </a:t>
-            </a:r>
-            <a:r>
-              <a:rPr lang="en-US" sz="1400" dirty="0" err="1"/>
-              <a:t>Harel</a:t>
-            </a:r>
-            <a:r>
-              <a:rPr lang="en-US" sz="1400" dirty="0"/>
-              <a:t>. 1987. Statecharts: A visual formalism for complex systems. Sci. </a:t>
-            </a:r>
-            <a:r>
-              <a:rPr lang="en-US" sz="1400" dirty="0" err="1"/>
-              <a:t>Comput</a:t>
-            </a:r>
-            <a:r>
-              <a:rPr lang="en-US" sz="1400" dirty="0"/>
-              <a:t>. Program. 8, 3 (June 1987), 231-274. </a:t>
-            </a:r>
-            <a:endParaRPr lang="fr-FR" sz="1400" dirty="0"/>
-          </a:p>
-        </p:txBody>
-      </p:sp>
-      <p:cxnSp>
-        <p:nvCxnSpPr>
-          <p:cNvPr id="30" name="Connecteur droit 29"/>
-          <p:cNvCxnSpPr/>
-          <p:nvPr/>
-        </p:nvCxnSpPr>
-        <p:spPr>
-          <a:xfrm>
-            <a:off x="113777" y="6430173"/>
-            <a:ext cx="8899220" cy="0"/>
-          </a:xfrm>
-          <a:prstGeom prst="line">
-            <a:avLst/>
-          </a:prstGeom>
-          <a:ln w="3175" cmpd="sng"/>
-        </p:spPr>
-        <p:style>
-          <a:lnRef idx="2">
-            <a:schemeClr val="accent1"/>
-          </a:lnRef>
-          <a:fillRef idx="0">
-            <a:schemeClr val="accent1"/>
-          </a:fillRef>
-          <a:effectRef idx="1">
-            <a:schemeClr val="accent1"/>
-          </a:effectRef>
-          <a:fontRef idx="minor">
-            <a:schemeClr val="tx1"/>
-          </a:fontRef>
-        </p:style>
-      </p:cxnSp>
-      <p:sp>
-        <p:nvSpPr>
-          <p:cNvPr id="4" name="Rectangle à coins arrondis 3"/>
-          <p:cNvSpPr/>
-          <p:nvPr/>
-        </p:nvSpPr>
-        <p:spPr>
-          <a:xfrm>
-            <a:off x="7089698" y="2082800"/>
-            <a:ext cx="1254185" cy="2806700"/>
-          </a:xfrm>
-          <a:prstGeom prst="roundRect">
-            <a:avLst/>
-          </a:prstGeom>
-          <a:noFill/>
-          <a:ln w="28575" cmpd="sng">
-            <a:solidFill>
-              <a:schemeClr val="tx1">
-                <a:lumMod val="95000"/>
-                <a:lumOff val="5000"/>
-              </a:schemeClr>
-            </a:solidFill>
-          </a:ln>
-        </p:spPr>
-        <p:style>
-          <a:lnRef idx="1">
-            <a:schemeClr val="accent1"/>
-          </a:lnRef>
-          <a:fillRef idx="3">
-            <a:schemeClr val="accent1"/>
-          </a:fillRef>
-          <a:effectRef idx="2">
-            <a:schemeClr val="accent1"/>
-          </a:effectRef>
-          <a:fontRef idx="minor">
-            <a:schemeClr val="lt1"/>
-          </a:fontRef>
-        </p:style>
-        <p:txBody>
-          <a:bodyPr rtlCol="0" anchor="ctr"/>
-          <a:lstStyle/>
-          <a:p>
-            <a:pPr algn="ctr"/>
-            <a:endParaRPr lang="fr-FR"/>
-          </a:p>
-        </p:txBody>
-      </p:sp>
-      <p:cxnSp>
-        <p:nvCxnSpPr>
-          <p:cNvPr id="8" name="Connecteur droit avec flèche 7"/>
-          <p:cNvCxnSpPr>
-            <a:stCxn id="4" idx="1"/>
-            <a:endCxn id="9" idx="6"/>
-          </p:cNvCxnSpPr>
-          <p:nvPr/>
-        </p:nvCxnSpPr>
-        <p:spPr>
-          <a:xfrm flipH="1" flipV="1">
-            <a:off x="6316263" y="3482663"/>
-            <a:ext cx="773435" cy="3487"/>
-          </a:xfrm>
-          <a:prstGeom prst="straightConnector1">
-            <a:avLst/>
-          </a:prstGeom>
-          <a:ln w="6350" cmpd="sng">
-            <a:solidFill>
-              <a:schemeClr val="tx1"/>
-            </a:solidFill>
-            <a:tailEnd type="arrow"/>
-          </a:ln>
-        </p:spPr>
-        <p:style>
-          <a:lnRef idx="2">
-            <a:schemeClr val="accent1"/>
-          </a:lnRef>
-          <a:fillRef idx="0">
-            <a:schemeClr val="accent1"/>
-          </a:fillRef>
-          <a:effectRef idx="1">
-            <a:schemeClr val="accent1"/>
-          </a:effectRef>
-          <a:fontRef idx="minor">
-            <a:schemeClr val="tx1"/>
-          </a:fontRef>
-        </p:style>
-      </p:cxnSp>
-      <p:sp>
-        <p:nvSpPr>
-          <p:cNvPr id="38" name="ZoneTexte 37"/>
-          <p:cNvSpPr txBox="1"/>
-          <p:nvPr/>
-        </p:nvSpPr>
-        <p:spPr>
-          <a:xfrm>
-            <a:off x="332899" y="5215162"/>
-            <a:ext cx="4073251" cy="646331"/>
-          </a:xfrm>
-          <a:prstGeom prst="rect">
-            <a:avLst/>
-          </a:prstGeom>
-          <a:noFill/>
-        </p:spPr>
-        <p:txBody>
-          <a:bodyPr wrap="square" rtlCol="0">
-            <a:spAutoFit/>
-          </a:bodyPr>
-          <a:lstStyle/>
-          <a:p>
-            <a:r>
-              <a:rPr lang="fr-FR" b="1" dirty="0" smtClean="0"/>
-              <a:t>Core FSM: </a:t>
-            </a:r>
-            <a:r>
-              <a:rPr lang="fr-FR" dirty="0" smtClean="0"/>
-              <a:t>State Machine, States, Transitions, Triggers</a:t>
-            </a:r>
-            <a:endParaRPr lang="fr-FR" dirty="0"/>
-          </a:p>
-        </p:txBody>
-      </p:sp>
-      <p:sp>
-        <p:nvSpPr>
-          <p:cNvPr id="39" name="ZoneTexte 38"/>
-          <p:cNvSpPr txBox="1"/>
-          <p:nvPr/>
-        </p:nvSpPr>
-        <p:spPr>
-          <a:xfrm>
-            <a:off x="4406150" y="5385927"/>
-            <a:ext cx="3156398" cy="646331"/>
-          </a:xfrm>
-          <a:prstGeom prst="rect">
-            <a:avLst/>
-          </a:prstGeom>
-          <a:noFill/>
-        </p:spPr>
-        <p:txBody>
-          <a:bodyPr wrap="square" rtlCol="0">
-            <a:spAutoFit/>
-          </a:bodyPr>
-          <a:lstStyle/>
-          <a:p>
-            <a:r>
-              <a:rPr lang="fr-FR" b="1" dirty="0" err="1" smtClean="0"/>
-              <a:t>CompositeStates</a:t>
-            </a:r>
-            <a:r>
-              <a:rPr lang="fr-FR" b="1" dirty="0" smtClean="0"/>
-              <a:t>: </a:t>
-            </a:r>
-            <a:r>
-              <a:rPr lang="fr-FR" dirty="0" err="1"/>
-              <a:t>C</a:t>
-            </a:r>
-            <a:r>
-              <a:rPr lang="fr-FR" dirty="0" err="1" smtClean="0"/>
-              <a:t>ompositeState</a:t>
-            </a:r>
-            <a:r>
-              <a:rPr lang="fr-FR" dirty="0" smtClean="0"/>
-              <a:t>, …</a:t>
-            </a:r>
-            <a:endParaRPr lang="fr-FR" dirty="0"/>
-          </a:p>
-        </p:txBody>
-      </p:sp>
-      <p:sp>
-        <p:nvSpPr>
-          <p:cNvPr id="40" name="ZoneTexte 39"/>
-          <p:cNvSpPr txBox="1"/>
-          <p:nvPr/>
-        </p:nvSpPr>
-        <p:spPr>
-          <a:xfrm>
-            <a:off x="3716049" y="5457494"/>
-            <a:ext cx="670502" cy="553998"/>
-          </a:xfrm>
-          <a:prstGeom prst="rect">
-            <a:avLst/>
-          </a:prstGeom>
-          <a:noFill/>
-        </p:spPr>
-        <p:txBody>
-          <a:bodyPr wrap="square" rtlCol="0">
-            <a:spAutoFit/>
-          </a:bodyPr>
-          <a:lstStyle/>
-          <a:p>
-            <a:pPr algn="ctr"/>
-            <a:r>
-              <a:rPr lang="fr-FR" sz="3000" b="1" dirty="0" smtClean="0"/>
-              <a:t>+</a:t>
-            </a:r>
-            <a:endParaRPr lang="fr-FR" sz="3000" dirty="0"/>
-          </a:p>
-        </p:txBody>
-      </p:sp>
-      <p:grpSp>
-        <p:nvGrpSpPr>
-          <p:cNvPr id="33" name="Grouper 32"/>
-          <p:cNvGrpSpPr/>
-          <p:nvPr/>
-        </p:nvGrpSpPr>
-        <p:grpSpPr>
-          <a:xfrm>
-            <a:off x="47701" y="1810985"/>
-            <a:ext cx="4240434" cy="3182004"/>
-            <a:chOff x="4069772" y="1996196"/>
-            <a:chExt cx="4240434" cy="3182004"/>
-          </a:xfrm>
-        </p:grpSpPr>
-        <p:sp>
-          <p:nvSpPr>
-            <p:cNvPr id="34" name="Rectangle 33"/>
-            <p:cNvSpPr/>
-            <p:nvPr/>
-          </p:nvSpPr>
-          <p:spPr>
-            <a:xfrm>
-              <a:off x="4266070" y="1996196"/>
-              <a:ext cx="4044136" cy="3182004"/>
-            </a:xfrm>
-            <a:prstGeom prst="rect">
-              <a:avLst/>
-            </a:prstGeom>
-            <a:solidFill>
-              <a:schemeClr val="bg1"/>
-            </a:solidFill>
-            <a:ln w="3175" cmpd="sng">
-              <a:solidFill>
-                <a:srgbClr val="A6A6A6"/>
-              </a:solidFill>
-            </a:ln>
-          </p:spPr>
-          <p:style>
-            <a:lnRef idx="1">
-              <a:schemeClr val="accent1"/>
-            </a:lnRef>
-            <a:fillRef idx="3">
-              <a:schemeClr val="accent1"/>
-            </a:fillRef>
-            <a:effectRef idx="2">
-              <a:schemeClr val="accent1"/>
-            </a:effectRef>
-            <a:fontRef idx="minor">
-              <a:schemeClr val="lt1"/>
-            </a:fontRef>
-          </p:style>
-          <p:txBody>
-            <a:bodyPr rtlCol="0" anchor="ctr"/>
-            <a:lstStyle/>
-            <a:p>
-              <a:pPr algn="ctr"/>
-              <a:endParaRPr lang="fr-FR"/>
-            </a:p>
-          </p:txBody>
-        </p:sp>
-        <p:sp>
-          <p:nvSpPr>
-            <p:cNvPr id="35" name="Forme libre 34"/>
-            <p:cNvSpPr/>
-            <p:nvPr/>
-          </p:nvSpPr>
-          <p:spPr>
-            <a:xfrm>
-              <a:off x="4843748" y="2761694"/>
-              <a:ext cx="704609" cy="838371"/>
-            </a:xfrm>
-            <a:custGeom>
-              <a:avLst/>
-              <a:gdLst>
-                <a:gd name="connsiteX0" fmla="*/ 57081 w 747543"/>
-                <a:gd name="connsiteY0" fmla="*/ 0 h 838371"/>
-                <a:gd name="connsiteX1" fmla="*/ 69411 w 747543"/>
-                <a:gd name="connsiteY1" fmla="*/ 493159 h 838371"/>
-                <a:gd name="connsiteX2" fmla="*/ 747543 w 747543"/>
-                <a:gd name="connsiteY2" fmla="*/ 838371 h 838371"/>
-                <a:gd name="connsiteX0" fmla="*/ 11323 w 701785"/>
-                <a:gd name="connsiteY0" fmla="*/ 0 h 838371"/>
-                <a:gd name="connsiteX1" fmla="*/ 208598 w 701785"/>
-                <a:gd name="connsiteY1" fmla="*/ 542475 h 838371"/>
-                <a:gd name="connsiteX2" fmla="*/ 701785 w 701785"/>
-                <a:gd name="connsiteY2" fmla="*/ 838371 h 838371"/>
-                <a:gd name="connsiteX0" fmla="*/ 14147 w 704609"/>
-                <a:gd name="connsiteY0" fmla="*/ 0 h 838371"/>
-                <a:gd name="connsiteX1" fmla="*/ 174433 w 704609"/>
-                <a:gd name="connsiteY1" fmla="*/ 554804 h 838371"/>
-                <a:gd name="connsiteX2" fmla="*/ 704609 w 704609"/>
-                <a:gd name="connsiteY2" fmla="*/ 838371 h 838371"/>
-              </a:gdLst>
-              <a:ahLst/>
-              <a:cxnLst>
-                <a:cxn ang="0">
-                  <a:pos x="connsiteX0" y="connsiteY0"/>
-                </a:cxn>
-                <a:cxn ang="0">
-                  <a:pos x="connsiteX1" y="connsiteY1"/>
-                </a:cxn>
-                <a:cxn ang="0">
-                  <a:pos x="connsiteX2" y="connsiteY2"/>
-                </a:cxn>
-              </a:cxnLst>
-              <a:rect l="l" t="t" r="r" b="b"/>
-              <a:pathLst>
-                <a:path w="704609" h="838371">
-                  <a:moveTo>
-                    <a:pt x="14147" y="0"/>
-                  </a:moveTo>
-                  <a:cubicBezTo>
-                    <a:pt x="-37227" y="176715"/>
-                    <a:pt x="59356" y="415076"/>
-                    <a:pt x="174433" y="554804"/>
-                  </a:cubicBezTo>
-                  <a:cubicBezTo>
-                    <a:pt x="289510" y="694532"/>
-                    <a:pt x="704609" y="838371"/>
-                    <a:pt x="704609" y="838371"/>
-                  </a:cubicBezTo>
-                </a:path>
-              </a:pathLst>
-            </a:custGeom>
-            <a:ln w="9525" cmpd="sng">
-              <a:solidFill>
-                <a:schemeClr val="tx1"/>
-              </a:solidFill>
-              <a:headEnd type="none"/>
-              <a:tailEnd type="arrow"/>
-            </a:ln>
-          </p:spPr>
-          <p:style>
-            <a:lnRef idx="2">
-              <a:schemeClr val="accent1"/>
-            </a:lnRef>
-            <a:fillRef idx="0">
-              <a:schemeClr val="accent1"/>
-            </a:fillRef>
-            <a:effectRef idx="1">
-              <a:schemeClr val="accent1"/>
-            </a:effectRef>
-            <a:fontRef idx="minor">
-              <a:schemeClr val="tx1"/>
-            </a:fontRef>
-          </p:style>
-          <p:txBody>
-            <a:bodyPr rtlCol="0" anchor="ctr"/>
-            <a:lstStyle/>
-            <a:p>
-              <a:pPr algn="ctr"/>
-              <a:endParaRPr lang="fr-FR"/>
-            </a:p>
-          </p:txBody>
-        </p:sp>
-        <p:sp>
-          <p:nvSpPr>
-            <p:cNvPr id="36" name="Forme libre 35"/>
-            <p:cNvSpPr/>
-            <p:nvPr/>
-          </p:nvSpPr>
-          <p:spPr>
-            <a:xfrm>
-              <a:off x="6016885" y="3032733"/>
-              <a:ext cx="1220639" cy="356882"/>
-            </a:xfrm>
-            <a:custGeom>
-              <a:avLst/>
-              <a:gdLst>
-                <a:gd name="connsiteX0" fmla="*/ 0 w 1085012"/>
-                <a:gd name="connsiteY0" fmla="*/ 591990 h 591990"/>
-                <a:gd name="connsiteX1" fmla="*/ 419209 w 1085012"/>
-                <a:gd name="connsiteY1" fmla="*/ 49515 h 591990"/>
-                <a:gd name="connsiteX2" fmla="*/ 1085012 w 1085012"/>
-                <a:gd name="connsiteY2" fmla="*/ 24857 h 591990"/>
-              </a:gdLst>
-              <a:ahLst/>
-              <a:cxnLst>
-                <a:cxn ang="0">
-                  <a:pos x="connsiteX0" y="connsiteY0"/>
-                </a:cxn>
-                <a:cxn ang="0">
-                  <a:pos x="connsiteX1" y="connsiteY1"/>
-                </a:cxn>
-                <a:cxn ang="0">
-                  <a:pos x="connsiteX2" y="connsiteY2"/>
-                </a:cxn>
-              </a:cxnLst>
-              <a:rect l="l" t="t" r="r" b="b"/>
-              <a:pathLst>
-                <a:path w="1085012" h="591990">
-                  <a:moveTo>
-                    <a:pt x="0" y="591990"/>
-                  </a:moveTo>
-                  <a:cubicBezTo>
-                    <a:pt x="119187" y="368013"/>
-                    <a:pt x="238374" y="144037"/>
-                    <a:pt x="419209" y="49515"/>
-                  </a:cubicBezTo>
-                  <a:cubicBezTo>
-                    <a:pt x="600044" y="-45007"/>
-                    <a:pt x="1085012" y="24857"/>
-                    <a:pt x="1085012" y="24857"/>
-                  </a:cubicBezTo>
-                </a:path>
-              </a:pathLst>
-            </a:custGeom>
-            <a:ln w="9525" cmpd="sng">
-              <a:solidFill>
-                <a:schemeClr val="tx1"/>
-              </a:solidFill>
-              <a:headEnd type="none"/>
-              <a:tailEnd type="arrow"/>
-            </a:ln>
-          </p:spPr>
-          <p:style>
-            <a:lnRef idx="2">
-              <a:schemeClr val="accent1"/>
-            </a:lnRef>
-            <a:fillRef idx="0">
-              <a:schemeClr val="accent1"/>
-            </a:fillRef>
-            <a:effectRef idx="1">
-              <a:schemeClr val="accent1"/>
-            </a:effectRef>
-            <a:fontRef idx="minor">
-              <a:schemeClr val="tx1"/>
-            </a:fontRef>
-          </p:style>
-          <p:txBody>
-            <a:bodyPr rtlCol="0" anchor="ctr"/>
-            <a:lstStyle/>
-            <a:p>
-              <a:pPr algn="ctr"/>
-              <a:endParaRPr lang="fr-FR"/>
-            </a:p>
-          </p:txBody>
-        </p:sp>
-        <p:sp>
-          <p:nvSpPr>
-            <p:cNvPr id="37" name="Forme libre 36"/>
-            <p:cNvSpPr/>
-            <p:nvPr/>
-          </p:nvSpPr>
-          <p:spPr>
-            <a:xfrm flipV="1">
-              <a:off x="6016885" y="3946130"/>
-              <a:ext cx="1217196" cy="406001"/>
-            </a:xfrm>
-            <a:custGeom>
-              <a:avLst/>
-              <a:gdLst>
-                <a:gd name="connsiteX0" fmla="*/ 0 w 1085012"/>
-                <a:gd name="connsiteY0" fmla="*/ 591990 h 591990"/>
-                <a:gd name="connsiteX1" fmla="*/ 419209 w 1085012"/>
-                <a:gd name="connsiteY1" fmla="*/ 49515 h 591990"/>
-                <a:gd name="connsiteX2" fmla="*/ 1085012 w 1085012"/>
-                <a:gd name="connsiteY2" fmla="*/ 24857 h 591990"/>
-              </a:gdLst>
-              <a:ahLst/>
-              <a:cxnLst>
-                <a:cxn ang="0">
-                  <a:pos x="connsiteX0" y="connsiteY0"/>
-                </a:cxn>
-                <a:cxn ang="0">
-                  <a:pos x="connsiteX1" y="connsiteY1"/>
-                </a:cxn>
-                <a:cxn ang="0">
-                  <a:pos x="connsiteX2" y="connsiteY2"/>
-                </a:cxn>
-              </a:cxnLst>
-              <a:rect l="l" t="t" r="r" b="b"/>
-              <a:pathLst>
-                <a:path w="1085012" h="591990">
-                  <a:moveTo>
-                    <a:pt x="0" y="591990"/>
-                  </a:moveTo>
-                  <a:cubicBezTo>
-                    <a:pt x="119187" y="368013"/>
-                    <a:pt x="238374" y="144037"/>
-                    <a:pt x="419209" y="49515"/>
-                  </a:cubicBezTo>
-                  <a:cubicBezTo>
-                    <a:pt x="600044" y="-45007"/>
-                    <a:pt x="1085012" y="24857"/>
-                    <a:pt x="1085012" y="24857"/>
-                  </a:cubicBezTo>
-                </a:path>
-              </a:pathLst>
-            </a:custGeom>
-            <a:ln w="9525" cmpd="sng">
-              <a:solidFill>
-                <a:schemeClr val="tx1"/>
-              </a:solidFill>
-              <a:headEnd type="none"/>
-              <a:tailEnd type="arrow"/>
-            </a:ln>
-          </p:spPr>
-          <p:style>
-            <a:lnRef idx="2">
-              <a:schemeClr val="accent1"/>
-            </a:lnRef>
-            <a:fillRef idx="0">
-              <a:schemeClr val="accent1"/>
-            </a:fillRef>
-            <a:effectRef idx="1">
-              <a:schemeClr val="accent1"/>
-            </a:effectRef>
-            <a:fontRef idx="minor">
-              <a:schemeClr val="tx1"/>
-            </a:fontRef>
-          </p:style>
-          <p:txBody>
-            <a:bodyPr rtlCol="0" anchor="ctr"/>
-            <a:lstStyle/>
-            <a:p>
-              <a:pPr algn="ctr"/>
-              <a:endParaRPr lang="fr-FR"/>
-            </a:p>
-          </p:txBody>
-        </p:sp>
-        <p:sp>
-          <p:nvSpPr>
-            <p:cNvPr id="41" name="Forme libre 40"/>
-            <p:cNvSpPr/>
-            <p:nvPr/>
-          </p:nvSpPr>
-          <p:spPr>
-            <a:xfrm>
-              <a:off x="6164841" y="3242524"/>
-              <a:ext cx="1109672" cy="345212"/>
-            </a:xfrm>
-            <a:custGeom>
-              <a:avLst/>
-              <a:gdLst>
-                <a:gd name="connsiteX0" fmla="*/ 1109672 w 1109672"/>
-                <a:gd name="connsiteY0" fmla="*/ 0 h 345212"/>
-                <a:gd name="connsiteX1" fmla="*/ 628814 w 1109672"/>
-                <a:gd name="connsiteY1" fmla="*/ 209593 h 345212"/>
-                <a:gd name="connsiteX2" fmla="*/ 0 w 1109672"/>
-                <a:gd name="connsiteY2" fmla="*/ 345212 h 345212"/>
-              </a:gdLst>
-              <a:ahLst/>
-              <a:cxnLst>
-                <a:cxn ang="0">
-                  <a:pos x="connsiteX0" y="connsiteY0"/>
-                </a:cxn>
-                <a:cxn ang="0">
-                  <a:pos x="connsiteX1" y="connsiteY1"/>
-                </a:cxn>
-                <a:cxn ang="0">
-                  <a:pos x="connsiteX2" y="connsiteY2"/>
-                </a:cxn>
-              </a:cxnLst>
-              <a:rect l="l" t="t" r="r" b="b"/>
-              <a:pathLst>
-                <a:path w="1109672" h="345212">
-                  <a:moveTo>
-                    <a:pt x="1109672" y="0"/>
-                  </a:moveTo>
-                  <a:cubicBezTo>
-                    <a:pt x="961715" y="76029"/>
-                    <a:pt x="813759" y="152058"/>
-                    <a:pt x="628814" y="209593"/>
-                  </a:cubicBezTo>
-                  <a:cubicBezTo>
-                    <a:pt x="443869" y="267128"/>
-                    <a:pt x="0" y="345212"/>
-                    <a:pt x="0" y="345212"/>
-                  </a:cubicBezTo>
-                </a:path>
-              </a:pathLst>
-            </a:custGeom>
-            <a:ln w="9525" cmpd="sng">
-              <a:solidFill>
-                <a:schemeClr val="tx1"/>
-              </a:solidFill>
-              <a:headEnd type="none"/>
-              <a:tailEnd type="arrow"/>
-            </a:ln>
-          </p:spPr>
-          <p:style>
-            <a:lnRef idx="2">
-              <a:schemeClr val="accent1"/>
-            </a:lnRef>
-            <a:fillRef idx="0">
-              <a:schemeClr val="accent1"/>
-            </a:fillRef>
-            <a:effectRef idx="1">
-              <a:schemeClr val="accent1"/>
-            </a:effectRef>
-            <a:fontRef idx="minor">
-              <a:schemeClr val="tx1"/>
-            </a:fontRef>
-          </p:style>
-          <p:txBody>
-            <a:bodyPr rtlCol="0" anchor="ctr"/>
-            <a:lstStyle/>
-            <a:p>
-              <a:pPr algn="ctr"/>
-              <a:endParaRPr lang="fr-FR"/>
-            </a:p>
-          </p:txBody>
-        </p:sp>
-        <p:sp>
-          <p:nvSpPr>
-            <p:cNvPr id="44" name="Forme libre 43"/>
-            <p:cNvSpPr/>
-            <p:nvPr/>
-          </p:nvSpPr>
-          <p:spPr>
-            <a:xfrm flipV="1">
-              <a:off x="6164843" y="3661710"/>
-              <a:ext cx="1109672" cy="554804"/>
-            </a:xfrm>
-            <a:custGeom>
-              <a:avLst/>
-              <a:gdLst>
-                <a:gd name="connsiteX0" fmla="*/ 1109672 w 1109672"/>
-                <a:gd name="connsiteY0" fmla="*/ 0 h 345212"/>
-                <a:gd name="connsiteX1" fmla="*/ 628814 w 1109672"/>
-                <a:gd name="connsiteY1" fmla="*/ 209593 h 345212"/>
-                <a:gd name="connsiteX2" fmla="*/ 0 w 1109672"/>
-                <a:gd name="connsiteY2" fmla="*/ 345212 h 345212"/>
-              </a:gdLst>
-              <a:ahLst/>
-              <a:cxnLst>
-                <a:cxn ang="0">
-                  <a:pos x="connsiteX0" y="connsiteY0"/>
-                </a:cxn>
-                <a:cxn ang="0">
-                  <a:pos x="connsiteX1" y="connsiteY1"/>
-                </a:cxn>
-                <a:cxn ang="0">
-                  <a:pos x="connsiteX2" y="connsiteY2"/>
-                </a:cxn>
-              </a:cxnLst>
-              <a:rect l="l" t="t" r="r" b="b"/>
-              <a:pathLst>
-                <a:path w="1109672" h="345212">
-                  <a:moveTo>
-                    <a:pt x="1109672" y="0"/>
-                  </a:moveTo>
-                  <a:cubicBezTo>
-                    <a:pt x="961715" y="76029"/>
-                    <a:pt x="813759" y="152058"/>
-                    <a:pt x="628814" y="209593"/>
-                  </a:cubicBezTo>
-                  <a:cubicBezTo>
-                    <a:pt x="443869" y="267128"/>
-                    <a:pt x="0" y="345212"/>
-                    <a:pt x="0" y="345212"/>
-                  </a:cubicBezTo>
-                </a:path>
-              </a:pathLst>
-            </a:custGeom>
-            <a:ln w="9525" cmpd="sng">
-              <a:solidFill>
-                <a:schemeClr val="tx1"/>
-              </a:solidFill>
-              <a:headEnd type="none"/>
-              <a:tailEnd type="arrow"/>
-            </a:ln>
-          </p:spPr>
-          <p:style>
-            <a:lnRef idx="2">
-              <a:schemeClr val="accent1"/>
-            </a:lnRef>
-            <a:fillRef idx="0">
-              <a:schemeClr val="accent1"/>
-            </a:fillRef>
-            <a:effectRef idx="1">
-              <a:schemeClr val="accent1"/>
-            </a:effectRef>
-            <a:fontRef idx="minor">
-              <a:schemeClr val="tx1"/>
-            </a:fontRef>
-          </p:style>
-          <p:txBody>
-            <a:bodyPr rtlCol="0" anchor="ctr"/>
-            <a:lstStyle/>
-            <a:p>
-              <a:pPr algn="ctr"/>
-              <a:endParaRPr lang="fr-FR"/>
-            </a:p>
-          </p:txBody>
-        </p:sp>
-        <p:sp>
-          <p:nvSpPr>
-            <p:cNvPr id="45" name="Ellipse 44"/>
-            <p:cNvSpPr/>
-            <p:nvPr/>
-          </p:nvSpPr>
-          <p:spPr>
-            <a:xfrm>
-              <a:off x="4709938" y="2457920"/>
-              <a:ext cx="308242" cy="308225"/>
-            </a:xfrm>
-            <a:prstGeom prst="ellipse">
-              <a:avLst/>
-            </a:prstGeom>
-            <a:solidFill>
-              <a:schemeClr val="tx1"/>
-            </a:solidFill>
-            <a:ln>
-              <a:solidFill>
-                <a:schemeClr val="tx1">
-                  <a:lumMod val="95000"/>
-                  <a:lumOff val="5000"/>
-                </a:schemeClr>
-              </a:solidFill>
-            </a:ln>
-          </p:spPr>
-          <p:style>
-            <a:lnRef idx="1">
-              <a:schemeClr val="accent1"/>
-            </a:lnRef>
-            <a:fillRef idx="3">
-              <a:schemeClr val="accent1"/>
-            </a:fillRef>
-            <a:effectRef idx="2">
-              <a:schemeClr val="accent1"/>
-            </a:effectRef>
-            <a:fontRef idx="minor">
-              <a:schemeClr val="lt1"/>
-            </a:fontRef>
-          </p:style>
-          <p:txBody>
-            <a:bodyPr rtlCol="0" anchor="ctr"/>
-            <a:lstStyle/>
-            <a:p>
-              <a:pPr algn="ctr"/>
-              <a:endParaRPr lang="fr-FR" dirty="0"/>
-            </a:p>
-          </p:txBody>
-        </p:sp>
-        <p:sp>
-          <p:nvSpPr>
-            <p:cNvPr id="47" name="Ellipse 46"/>
-            <p:cNvSpPr/>
-            <p:nvPr/>
-          </p:nvSpPr>
-          <p:spPr>
-            <a:xfrm>
-              <a:off x="5540473" y="3352628"/>
-              <a:ext cx="624370" cy="630491"/>
-            </a:xfrm>
-            <a:prstGeom prst="ellipse">
-              <a:avLst/>
-            </a:prstGeom>
-            <a:solidFill>
-              <a:schemeClr val="bg1"/>
-            </a:solidFill>
-            <a:ln w="28575" cmpd="sng">
-              <a:solidFill>
-                <a:schemeClr val="tx1">
-                  <a:lumMod val="95000"/>
-                  <a:lumOff val="5000"/>
-                </a:schemeClr>
-              </a:solidFill>
-            </a:ln>
-          </p:spPr>
-          <p:style>
-            <a:lnRef idx="1">
-              <a:schemeClr val="accent1"/>
-            </a:lnRef>
-            <a:fillRef idx="3">
-              <a:schemeClr val="accent1"/>
-            </a:fillRef>
-            <a:effectRef idx="2">
-              <a:schemeClr val="accent1"/>
-            </a:effectRef>
-            <a:fontRef idx="minor">
-              <a:schemeClr val="lt1"/>
-            </a:fontRef>
-          </p:style>
-          <p:txBody>
-            <a:bodyPr rtlCol="0" anchor="ctr"/>
-            <a:lstStyle/>
-            <a:p>
-              <a:pPr algn="ctr"/>
-              <a:endParaRPr lang="fr-FR"/>
-            </a:p>
-          </p:txBody>
-        </p:sp>
-        <p:sp>
-          <p:nvSpPr>
-            <p:cNvPr id="48" name="Ellipse 47"/>
-            <p:cNvSpPr/>
-            <p:nvPr/>
-          </p:nvSpPr>
-          <p:spPr>
-            <a:xfrm>
-              <a:off x="7234081" y="2759124"/>
-              <a:ext cx="624370" cy="630491"/>
-            </a:xfrm>
-            <a:prstGeom prst="ellipse">
-              <a:avLst/>
-            </a:prstGeom>
-            <a:solidFill>
-              <a:schemeClr val="bg1"/>
-            </a:solidFill>
-            <a:ln w="28575" cmpd="sng">
-              <a:solidFill>
-                <a:schemeClr val="tx1">
-                  <a:lumMod val="95000"/>
-                  <a:lumOff val="5000"/>
-                </a:schemeClr>
-              </a:solidFill>
-            </a:ln>
-          </p:spPr>
-          <p:style>
-            <a:lnRef idx="1">
-              <a:schemeClr val="accent1"/>
-            </a:lnRef>
-            <a:fillRef idx="3">
-              <a:schemeClr val="accent1"/>
-            </a:fillRef>
-            <a:effectRef idx="2">
-              <a:schemeClr val="accent1"/>
-            </a:effectRef>
-            <a:fontRef idx="minor">
-              <a:schemeClr val="lt1"/>
-            </a:fontRef>
-          </p:style>
-          <p:txBody>
-            <a:bodyPr rtlCol="0" anchor="ctr"/>
-            <a:lstStyle/>
-            <a:p>
-              <a:pPr algn="ctr"/>
-              <a:endParaRPr lang="fr-FR"/>
-            </a:p>
-          </p:txBody>
-        </p:sp>
-        <p:sp>
-          <p:nvSpPr>
-            <p:cNvPr id="49" name="Ellipse 48"/>
-            <p:cNvSpPr/>
-            <p:nvPr/>
-          </p:nvSpPr>
-          <p:spPr>
-            <a:xfrm>
-              <a:off x="7234081" y="3946132"/>
-              <a:ext cx="624370" cy="630491"/>
-            </a:xfrm>
-            <a:prstGeom prst="ellipse">
-              <a:avLst/>
-            </a:prstGeom>
-            <a:solidFill>
-              <a:schemeClr val="bg1"/>
-            </a:solidFill>
-            <a:ln w="28575" cmpd="sng">
-              <a:solidFill>
-                <a:schemeClr val="tx1">
-                  <a:lumMod val="95000"/>
-                  <a:lumOff val="5000"/>
-                </a:schemeClr>
-              </a:solidFill>
-            </a:ln>
-          </p:spPr>
-          <p:style>
-            <a:lnRef idx="1">
-              <a:schemeClr val="accent1"/>
-            </a:lnRef>
-            <a:fillRef idx="3">
-              <a:schemeClr val="accent1"/>
-            </a:fillRef>
-            <a:effectRef idx="2">
-              <a:schemeClr val="accent1"/>
-            </a:effectRef>
-            <a:fontRef idx="minor">
-              <a:schemeClr val="lt1"/>
-            </a:fontRef>
-          </p:style>
-          <p:txBody>
-            <a:bodyPr rtlCol="0" anchor="ctr"/>
-            <a:lstStyle/>
-            <a:p>
-              <a:pPr algn="ctr"/>
-              <a:endParaRPr lang="fr-FR"/>
-            </a:p>
-          </p:txBody>
-        </p:sp>
-        <p:sp>
-          <p:nvSpPr>
-            <p:cNvPr id="50" name="ZoneTexte 49"/>
-            <p:cNvSpPr txBox="1"/>
-            <p:nvPr/>
-          </p:nvSpPr>
-          <p:spPr>
-            <a:xfrm>
-              <a:off x="4438683" y="2108257"/>
-              <a:ext cx="838418" cy="369332"/>
-            </a:xfrm>
-            <a:prstGeom prst="rect">
-              <a:avLst/>
-            </a:prstGeom>
-            <a:noFill/>
-          </p:spPr>
-          <p:txBody>
-            <a:bodyPr wrap="square" rtlCol="0">
-              <a:spAutoFit/>
-            </a:bodyPr>
-            <a:lstStyle/>
-            <a:p>
-              <a:pPr algn="ctr"/>
-              <a:r>
-                <a:rPr lang="fr-FR" dirty="0" smtClean="0"/>
-                <a:t>Initial</a:t>
-              </a:r>
-            </a:p>
-          </p:txBody>
-        </p:sp>
-        <p:sp>
-          <p:nvSpPr>
-            <p:cNvPr id="51" name="ZoneTexte 50"/>
-            <p:cNvSpPr txBox="1"/>
-            <p:nvPr/>
-          </p:nvSpPr>
-          <p:spPr>
-            <a:xfrm>
-              <a:off x="4782098" y="3810195"/>
-              <a:ext cx="1129893" cy="369332"/>
-            </a:xfrm>
-            <a:prstGeom prst="rect">
-              <a:avLst/>
-            </a:prstGeom>
-            <a:noFill/>
-          </p:spPr>
-          <p:txBody>
-            <a:bodyPr wrap="square" rtlCol="0">
-              <a:spAutoFit/>
-            </a:bodyPr>
-            <a:lstStyle/>
-            <a:p>
-              <a:pPr algn="ctr"/>
-              <a:r>
-                <a:rPr lang="fr-FR" dirty="0" smtClean="0"/>
-                <a:t>displays</a:t>
-              </a:r>
-            </a:p>
-          </p:txBody>
-        </p:sp>
-        <p:sp>
-          <p:nvSpPr>
-            <p:cNvPr id="52" name="ZoneTexte 51"/>
-            <p:cNvSpPr txBox="1"/>
-            <p:nvPr/>
-          </p:nvSpPr>
-          <p:spPr>
-            <a:xfrm>
-              <a:off x="7024470" y="2389792"/>
-              <a:ext cx="1129893" cy="369332"/>
-            </a:xfrm>
-            <a:prstGeom prst="rect">
-              <a:avLst/>
-            </a:prstGeom>
-            <a:noFill/>
-          </p:spPr>
-          <p:txBody>
-            <a:bodyPr wrap="square" rtlCol="0">
-              <a:spAutoFit/>
-            </a:bodyPr>
-            <a:lstStyle/>
-            <a:p>
-              <a:pPr algn="ctr"/>
-              <a:r>
-                <a:rPr lang="fr-FR" dirty="0" err="1"/>
-                <a:t>a</a:t>
-              </a:r>
-              <a:r>
-                <a:rPr lang="fr-FR" dirty="0" err="1" smtClean="0"/>
-                <a:t>larm</a:t>
-              </a:r>
-              <a:r>
-                <a:rPr lang="fr-FR" dirty="0" smtClean="0"/>
-                <a:t> 1</a:t>
-              </a:r>
-            </a:p>
-          </p:txBody>
-        </p:sp>
-        <p:sp>
-          <p:nvSpPr>
-            <p:cNvPr id="53" name="ZoneTexte 52"/>
-            <p:cNvSpPr txBox="1"/>
-            <p:nvPr/>
-          </p:nvSpPr>
-          <p:spPr>
-            <a:xfrm>
-              <a:off x="7054806" y="4511553"/>
-              <a:ext cx="1129893" cy="369332"/>
-            </a:xfrm>
-            <a:prstGeom prst="rect">
-              <a:avLst/>
-            </a:prstGeom>
-            <a:noFill/>
-          </p:spPr>
-          <p:txBody>
-            <a:bodyPr wrap="square" rtlCol="0">
-              <a:spAutoFit/>
-            </a:bodyPr>
-            <a:lstStyle/>
-            <a:p>
-              <a:pPr algn="ctr"/>
-              <a:r>
-                <a:rPr lang="fr-FR" dirty="0" err="1"/>
-                <a:t>a</a:t>
-              </a:r>
-              <a:r>
-                <a:rPr lang="fr-FR" dirty="0" err="1" smtClean="0"/>
-                <a:t>larm</a:t>
-              </a:r>
-              <a:r>
-                <a:rPr lang="fr-FR" dirty="0" smtClean="0"/>
-                <a:t> 2</a:t>
-              </a:r>
-            </a:p>
-          </p:txBody>
-        </p:sp>
-        <p:sp>
-          <p:nvSpPr>
-            <p:cNvPr id="54" name="ZoneTexte 53"/>
-            <p:cNvSpPr txBox="1"/>
-            <p:nvPr/>
-          </p:nvSpPr>
-          <p:spPr>
-            <a:xfrm>
-              <a:off x="4069772" y="3078822"/>
-              <a:ext cx="1129893" cy="323165"/>
-            </a:xfrm>
-            <a:prstGeom prst="rect">
-              <a:avLst/>
-            </a:prstGeom>
-            <a:noFill/>
-          </p:spPr>
-          <p:txBody>
-            <a:bodyPr wrap="square" rtlCol="0">
-              <a:spAutoFit/>
-            </a:bodyPr>
-            <a:lstStyle/>
-            <a:p>
-              <a:pPr algn="ctr"/>
-              <a:r>
-                <a:rPr lang="fr-FR" sz="1500" dirty="0" err="1" smtClean="0">
-                  <a:latin typeface="Consolas"/>
-                  <a:cs typeface="Consolas"/>
-                </a:rPr>
-                <a:t>start</a:t>
-              </a:r>
-              <a:endParaRPr lang="fr-FR" sz="1500" dirty="0" smtClean="0">
-                <a:latin typeface="Consolas"/>
-                <a:cs typeface="Consolas"/>
-              </a:endParaRPr>
-            </a:p>
-          </p:txBody>
-        </p:sp>
-        <p:sp>
-          <p:nvSpPr>
-            <p:cNvPr id="55" name="ZoneTexte 54"/>
-            <p:cNvSpPr txBox="1"/>
-            <p:nvPr/>
-          </p:nvSpPr>
-          <p:spPr>
-            <a:xfrm>
-              <a:off x="5825033" y="2734226"/>
-              <a:ext cx="1129893" cy="323165"/>
-            </a:xfrm>
-            <a:prstGeom prst="rect">
-              <a:avLst/>
-            </a:prstGeom>
-            <a:noFill/>
-          </p:spPr>
-          <p:txBody>
-            <a:bodyPr wrap="square" rtlCol="0">
-              <a:spAutoFit/>
-            </a:bodyPr>
-            <a:lstStyle/>
-            <a:p>
-              <a:pPr algn="ctr"/>
-              <a:r>
-                <a:rPr lang="fr-FR" sz="1500" dirty="0" smtClean="0">
-                  <a:latin typeface="Consolas"/>
-                  <a:cs typeface="Consolas"/>
-                </a:rPr>
-                <a:t>T1</a:t>
-              </a:r>
-            </a:p>
-          </p:txBody>
-        </p:sp>
-        <p:sp>
-          <p:nvSpPr>
-            <p:cNvPr id="56" name="ZoneTexte 55"/>
-            <p:cNvSpPr txBox="1"/>
-            <p:nvPr/>
-          </p:nvSpPr>
-          <p:spPr>
-            <a:xfrm>
-              <a:off x="6090865" y="3165082"/>
-              <a:ext cx="1129893" cy="323165"/>
-            </a:xfrm>
-            <a:prstGeom prst="rect">
-              <a:avLst/>
-            </a:prstGeom>
-            <a:noFill/>
-          </p:spPr>
-          <p:txBody>
-            <a:bodyPr wrap="square" rtlCol="0">
-              <a:spAutoFit/>
-            </a:bodyPr>
-            <a:lstStyle/>
-            <a:p>
-              <a:pPr algn="ctr"/>
-              <a:r>
-                <a:rPr lang="fr-FR" sz="1500" dirty="0" smtClean="0">
-                  <a:latin typeface="Consolas"/>
-                  <a:cs typeface="Consolas"/>
-                </a:rPr>
-                <a:t>a</a:t>
-              </a:r>
-            </a:p>
-          </p:txBody>
-        </p:sp>
-        <p:sp>
-          <p:nvSpPr>
-            <p:cNvPr id="57" name="ZoneTexte 56"/>
-            <p:cNvSpPr txBox="1"/>
-            <p:nvPr/>
-          </p:nvSpPr>
-          <p:spPr>
-            <a:xfrm>
-              <a:off x="6085204" y="3748013"/>
-              <a:ext cx="1129893" cy="323165"/>
-            </a:xfrm>
-            <a:prstGeom prst="rect">
-              <a:avLst/>
-            </a:prstGeom>
-            <a:noFill/>
-          </p:spPr>
-          <p:txBody>
-            <a:bodyPr wrap="square" rtlCol="0">
-              <a:spAutoFit/>
-            </a:bodyPr>
-            <a:lstStyle/>
-            <a:p>
-              <a:pPr algn="ctr"/>
-              <a:r>
-                <a:rPr lang="fr-FR" sz="1500" dirty="0" smtClean="0">
-                  <a:latin typeface="Consolas"/>
-                  <a:cs typeface="Consolas"/>
-                </a:rPr>
-                <a:t>a</a:t>
-              </a:r>
-            </a:p>
-          </p:txBody>
-        </p:sp>
-        <p:sp>
-          <p:nvSpPr>
-            <p:cNvPr id="58" name="ZoneTexte 57"/>
-            <p:cNvSpPr txBox="1"/>
-            <p:nvPr/>
-          </p:nvSpPr>
-          <p:spPr>
-            <a:xfrm>
-              <a:off x="5770285" y="4253501"/>
-              <a:ext cx="1129893" cy="323165"/>
-            </a:xfrm>
-            <a:prstGeom prst="rect">
-              <a:avLst/>
-            </a:prstGeom>
-            <a:noFill/>
-          </p:spPr>
-          <p:txBody>
-            <a:bodyPr wrap="square" rtlCol="0">
-              <a:spAutoFit/>
-            </a:bodyPr>
-            <a:lstStyle/>
-            <a:p>
-              <a:pPr algn="ctr"/>
-              <a:r>
-                <a:rPr lang="fr-FR" sz="1500" dirty="0" smtClean="0">
-                  <a:latin typeface="Consolas"/>
-                  <a:cs typeface="Consolas"/>
-                </a:rPr>
-                <a:t>T2</a:t>
-              </a:r>
-            </a:p>
-          </p:txBody>
-        </p:sp>
-      </p:grpSp>
-    </p:spTree>
-    <p:extLst>
-      <p:ext uri="{BB962C8B-B14F-4D97-AF65-F5344CB8AC3E}">
-        <p14:creationId xmlns:p14="http://schemas.microsoft.com/office/powerpoint/2010/main" val="1925730329"/>
-      </p:ext>
-    </p:extLst>
-  </p:cSld>
-  <p:clrMapOvr>
-    <a:masterClrMapping/>
-  </p:clrMapOvr>
-</p:sld>
-</file>
-
-<file path=ppt/slides/slide7.xml><?xml version="1.0" encoding="utf-8"?>
-<p:sld xmlns:a="http://schemas.openxmlformats.org/drawingml/2006/main" xmlns:r="http://schemas.openxmlformats.org/officeDocument/2006/relationships" xmlns:p="http://schemas.openxmlformats.org/presentationml/2006/main">
-  <p:cSld>
-    <p:spTree>
-      <p:nvGrpSpPr>
-        <p:cNvPr id="1" name=""/>
-        <p:cNvGrpSpPr/>
-        <p:nvPr/>
-      </p:nvGrpSpPr>
-      <p:grpSpPr>
-        <a:xfrm>
-          <a:off x="0" y="0"/>
-          <a:ext cx="0" cy="0"/>
-          <a:chOff x="0" y="0"/>
-          <a:chExt cx="0" cy="0"/>
-        </a:xfrm>
-      </p:grpSpPr>
-      <p:sp>
-        <p:nvSpPr>
-          <p:cNvPr id="2" name="Titre 1"/>
-          <p:cNvSpPr>
-            <a:spLocks noGrp="1"/>
-          </p:cNvSpPr>
-          <p:nvPr>
-            <p:ph type="title"/>
-          </p:nvPr>
-        </p:nvSpPr>
-        <p:spPr/>
-        <p:txBody>
-          <a:bodyPr/>
-          <a:lstStyle/>
-          <a:p>
-            <a:r>
-              <a:rPr lang="en-US" dirty="0" smtClean="0"/>
-              <a:t>The citizen watch</a:t>
-            </a:r>
-            <a:endParaRPr lang="en-US" dirty="0"/>
-          </a:p>
-        </p:txBody>
-      </p:sp>
-      <p:grpSp>
-        <p:nvGrpSpPr>
-          <p:cNvPr id="31" name="Grouper 30"/>
-          <p:cNvGrpSpPr/>
-          <p:nvPr/>
-        </p:nvGrpSpPr>
-        <p:grpSpPr>
-          <a:xfrm>
-            <a:off x="136601" y="1810985"/>
-            <a:ext cx="4714798" cy="3182004"/>
-            <a:chOff x="4069772" y="1996196"/>
-            <a:chExt cx="4714798" cy="3182004"/>
-          </a:xfrm>
-        </p:grpSpPr>
-        <p:sp>
-          <p:nvSpPr>
-            <p:cNvPr id="27" name="Rectangle 26"/>
-            <p:cNvSpPr/>
-            <p:nvPr/>
-          </p:nvSpPr>
-          <p:spPr>
-            <a:xfrm>
-              <a:off x="4266069" y="1996196"/>
-              <a:ext cx="4518501" cy="3182004"/>
-            </a:xfrm>
-            <a:prstGeom prst="rect">
-              <a:avLst/>
-            </a:prstGeom>
-            <a:solidFill>
-              <a:schemeClr val="bg1"/>
-            </a:solidFill>
-            <a:ln w="3175" cmpd="sng">
-              <a:solidFill>
-                <a:srgbClr val="A6A6A6"/>
-              </a:solidFill>
-            </a:ln>
-          </p:spPr>
-          <p:style>
-            <a:lnRef idx="1">
-              <a:schemeClr val="accent1"/>
-            </a:lnRef>
-            <a:fillRef idx="3">
-              <a:schemeClr val="accent1"/>
-            </a:fillRef>
-            <a:effectRef idx="2">
-              <a:schemeClr val="accent1"/>
-            </a:effectRef>
-            <a:fontRef idx="minor">
-              <a:schemeClr val="lt1"/>
-            </a:fontRef>
-          </p:style>
-          <p:txBody>
-            <a:bodyPr rtlCol="0" anchor="ctr"/>
-            <a:lstStyle/>
-            <a:p>
-              <a:pPr algn="ctr"/>
-              <a:endParaRPr lang="fr-FR"/>
-            </a:p>
-          </p:txBody>
-        </p:sp>
-        <p:sp>
-          <p:nvSpPr>
-            <p:cNvPr id="13" name="Forme libre 12"/>
-            <p:cNvSpPr/>
-            <p:nvPr/>
-          </p:nvSpPr>
-          <p:spPr>
-            <a:xfrm>
-              <a:off x="4843748" y="2761694"/>
-              <a:ext cx="704609" cy="838371"/>
-            </a:xfrm>
-            <a:custGeom>
-              <a:avLst/>
-              <a:gdLst>
-                <a:gd name="connsiteX0" fmla="*/ 57081 w 747543"/>
-                <a:gd name="connsiteY0" fmla="*/ 0 h 838371"/>
-                <a:gd name="connsiteX1" fmla="*/ 69411 w 747543"/>
-                <a:gd name="connsiteY1" fmla="*/ 493159 h 838371"/>
-                <a:gd name="connsiteX2" fmla="*/ 747543 w 747543"/>
-                <a:gd name="connsiteY2" fmla="*/ 838371 h 838371"/>
-                <a:gd name="connsiteX0" fmla="*/ 11323 w 701785"/>
-                <a:gd name="connsiteY0" fmla="*/ 0 h 838371"/>
-                <a:gd name="connsiteX1" fmla="*/ 208598 w 701785"/>
-                <a:gd name="connsiteY1" fmla="*/ 542475 h 838371"/>
-                <a:gd name="connsiteX2" fmla="*/ 701785 w 701785"/>
-                <a:gd name="connsiteY2" fmla="*/ 838371 h 838371"/>
-                <a:gd name="connsiteX0" fmla="*/ 14147 w 704609"/>
-                <a:gd name="connsiteY0" fmla="*/ 0 h 838371"/>
-                <a:gd name="connsiteX1" fmla="*/ 174433 w 704609"/>
-                <a:gd name="connsiteY1" fmla="*/ 554804 h 838371"/>
-                <a:gd name="connsiteX2" fmla="*/ 704609 w 704609"/>
-                <a:gd name="connsiteY2" fmla="*/ 838371 h 838371"/>
-              </a:gdLst>
-              <a:ahLst/>
-              <a:cxnLst>
-                <a:cxn ang="0">
-                  <a:pos x="connsiteX0" y="connsiteY0"/>
-                </a:cxn>
-                <a:cxn ang="0">
-                  <a:pos x="connsiteX1" y="connsiteY1"/>
-                </a:cxn>
-                <a:cxn ang="0">
-                  <a:pos x="connsiteX2" y="connsiteY2"/>
-                </a:cxn>
-              </a:cxnLst>
-              <a:rect l="l" t="t" r="r" b="b"/>
-              <a:pathLst>
-                <a:path w="704609" h="838371">
-                  <a:moveTo>
-                    <a:pt x="14147" y="0"/>
-                  </a:moveTo>
-                  <a:cubicBezTo>
-                    <a:pt x="-37227" y="176715"/>
-                    <a:pt x="59356" y="415076"/>
-                    <a:pt x="174433" y="554804"/>
-                  </a:cubicBezTo>
-                  <a:cubicBezTo>
-                    <a:pt x="289510" y="694532"/>
-                    <a:pt x="704609" y="838371"/>
-                    <a:pt x="704609" y="838371"/>
-                  </a:cubicBezTo>
-                </a:path>
-              </a:pathLst>
-            </a:custGeom>
-            <a:ln w="9525" cmpd="sng">
-              <a:solidFill>
-                <a:schemeClr val="tx1"/>
-              </a:solidFill>
-              <a:headEnd type="none"/>
-              <a:tailEnd type="arrow"/>
-            </a:ln>
-          </p:spPr>
-          <p:style>
-            <a:lnRef idx="2">
-              <a:schemeClr val="accent1"/>
-            </a:lnRef>
-            <a:fillRef idx="0">
-              <a:schemeClr val="accent1"/>
-            </a:fillRef>
-            <a:effectRef idx="1">
-              <a:schemeClr val="accent1"/>
-            </a:effectRef>
-            <a:fontRef idx="minor">
-              <a:schemeClr val="tx1"/>
-            </a:fontRef>
-          </p:style>
-          <p:txBody>
-            <a:bodyPr rtlCol="0" anchor="ctr"/>
-            <a:lstStyle/>
-            <a:p>
-              <a:pPr algn="ctr"/>
-              <a:endParaRPr lang="fr-FR"/>
-            </a:p>
-          </p:txBody>
-        </p:sp>
-        <p:sp>
-          <p:nvSpPr>
-            <p:cNvPr id="14" name="Forme libre 13"/>
-            <p:cNvSpPr/>
-            <p:nvPr/>
-          </p:nvSpPr>
-          <p:spPr>
-            <a:xfrm>
-              <a:off x="6016885" y="3032733"/>
-              <a:ext cx="1220639" cy="356882"/>
-            </a:xfrm>
-            <a:custGeom>
-              <a:avLst/>
-              <a:gdLst>
-                <a:gd name="connsiteX0" fmla="*/ 0 w 1085012"/>
-                <a:gd name="connsiteY0" fmla="*/ 591990 h 591990"/>
-                <a:gd name="connsiteX1" fmla="*/ 419209 w 1085012"/>
-                <a:gd name="connsiteY1" fmla="*/ 49515 h 591990"/>
-                <a:gd name="connsiteX2" fmla="*/ 1085012 w 1085012"/>
-                <a:gd name="connsiteY2" fmla="*/ 24857 h 591990"/>
-              </a:gdLst>
-              <a:ahLst/>
-              <a:cxnLst>
-                <a:cxn ang="0">
-                  <a:pos x="connsiteX0" y="connsiteY0"/>
-                </a:cxn>
-                <a:cxn ang="0">
-                  <a:pos x="connsiteX1" y="connsiteY1"/>
-                </a:cxn>
-                <a:cxn ang="0">
-                  <a:pos x="connsiteX2" y="connsiteY2"/>
-                </a:cxn>
-              </a:cxnLst>
-              <a:rect l="l" t="t" r="r" b="b"/>
-              <a:pathLst>
-                <a:path w="1085012" h="591990">
-                  <a:moveTo>
-                    <a:pt x="0" y="591990"/>
-                  </a:moveTo>
-                  <a:cubicBezTo>
-                    <a:pt x="119187" y="368013"/>
-                    <a:pt x="238374" y="144037"/>
-                    <a:pt x="419209" y="49515"/>
-                  </a:cubicBezTo>
-                  <a:cubicBezTo>
-                    <a:pt x="600044" y="-45007"/>
-                    <a:pt x="1085012" y="24857"/>
-                    <a:pt x="1085012" y="24857"/>
-                  </a:cubicBezTo>
-                </a:path>
-              </a:pathLst>
-            </a:custGeom>
-            <a:ln w="9525" cmpd="sng">
-              <a:solidFill>
-                <a:schemeClr val="tx1"/>
-              </a:solidFill>
-              <a:headEnd type="none"/>
-              <a:tailEnd type="arrow"/>
-            </a:ln>
-          </p:spPr>
-          <p:style>
-            <a:lnRef idx="2">
-              <a:schemeClr val="accent1"/>
-            </a:lnRef>
-            <a:fillRef idx="0">
-              <a:schemeClr val="accent1"/>
-            </a:fillRef>
-            <a:effectRef idx="1">
-              <a:schemeClr val="accent1"/>
-            </a:effectRef>
-            <a:fontRef idx="minor">
-              <a:schemeClr val="tx1"/>
-            </a:fontRef>
-          </p:style>
-          <p:txBody>
-            <a:bodyPr rtlCol="0" anchor="ctr"/>
-            <a:lstStyle/>
-            <a:p>
-              <a:pPr algn="ctr"/>
-              <a:endParaRPr lang="fr-FR"/>
-            </a:p>
-          </p:txBody>
-        </p:sp>
-        <p:sp>
-          <p:nvSpPr>
-            <p:cNvPr id="15" name="Forme libre 14"/>
-            <p:cNvSpPr/>
-            <p:nvPr/>
-          </p:nvSpPr>
-          <p:spPr>
-            <a:xfrm flipV="1">
-              <a:off x="6016885" y="3946130"/>
-              <a:ext cx="1217196" cy="406001"/>
-            </a:xfrm>
-            <a:custGeom>
-              <a:avLst/>
-              <a:gdLst>
-                <a:gd name="connsiteX0" fmla="*/ 0 w 1085012"/>
-                <a:gd name="connsiteY0" fmla="*/ 591990 h 591990"/>
-                <a:gd name="connsiteX1" fmla="*/ 419209 w 1085012"/>
-                <a:gd name="connsiteY1" fmla="*/ 49515 h 591990"/>
-                <a:gd name="connsiteX2" fmla="*/ 1085012 w 1085012"/>
-                <a:gd name="connsiteY2" fmla="*/ 24857 h 591990"/>
-              </a:gdLst>
-              <a:ahLst/>
-              <a:cxnLst>
-                <a:cxn ang="0">
-                  <a:pos x="connsiteX0" y="connsiteY0"/>
-                </a:cxn>
-                <a:cxn ang="0">
-                  <a:pos x="connsiteX1" y="connsiteY1"/>
-                </a:cxn>
-                <a:cxn ang="0">
-                  <a:pos x="connsiteX2" y="connsiteY2"/>
-                </a:cxn>
-              </a:cxnLst>
-              <a:rect l="l" t="t" r="r" b="b"/>
-              <a:pathLst>
-                <a:path w="1085012" h="591990">
-                  <a:moveTo>
-                    <a:pt x="0" y="591990"/>
-                  </a:moveTo>
-                  <a:cubicBezTo>
-                    <a:pt x="119187" y="368013"/>
-                    <a:pt x="238374" y="144037"/>
-                    <a:pt x="419209" y="49515"/>
-                  </a:cubicBezTo>
-                  <a:cubicBezTo>
-                    <a:pt x="600044" y="-45007"/>
-                    <a:pt x="1085012" y="24857"/>
-                    <a:pt x="1085012" y="24857"/>
-                  </a:cubicBezTo>
-                </a:path>
-              </a:pathLst>
-            </a:custGeom>
-            <a:ln w="9525" cmpd="sng">
-              <a:solidFill>
-                <a:schemeClr val="tx1"/>
-              </a:solidFill>
-              <a:headEnd type="none"/>
-              <a:tailEnd type="arrow"/>
-            </a:ln>
-          </p:spPr>
-          <p:style>
-            <a:lnRef idx="2">
-              <a:schemeClr val="accent1"/>
-            </a:lnRef>
-            <a:fillRef idx="0">
-              <a:schemeClr val="accent1"/>
-            </a:fillRef>
-            <a:effectRef idx="1">
-              <a:schemeClr val="accent1"/>
-            </a:effectRef>
-            <a:fontRef idx="minor">
-              <a:schemeClr val="tx1"/>
-            </a:fontRef>
-          </p:style>
-          <p:txBody>
-            <a:bodyPr rtlCol="0" anchor="ctr"/>
-            <a:lstStyle/>
-            <a:p>
-              <a:pPr algn="ctr"/>
-              <a:endParaRPr lang="fr-FR"/>
-            </a:p>
-          </p:txBody>
-        </p:sp>
-        <p:sp>
-          <p:nvSpPr>
-            <p:cNvPr id="5" name="Ellipse 4"/>
-            <p:cNvSpPr/>
-            <p:nvPr/>
-          </p:nvSpPr>
-          <p:spPr>
-            <a:xfrm>
-              <a:off x="4709938" y="2457920"/>
-              <a:ext cx="308242" cy="308225"/>
-            </a:xfrm>
-            <a:prstGeom prst="ellipse">
-              <a:avLst/>
-            </a:prstGeom>
-            <a:solidFill>
-              <a:schemeClr val="tx1"/>
-            </a:solidFill>
-            <a:ln>
-              <a:solidFill>
-                <a:schemeClr val="tx1">
-                  <a:lumMod val="95000"/>
-                  <a:lumOff val="5000"/>
-                </a:schemeClr>
-              </a:solidFill>
-            </a:ln>
-          </p:spPr>
-          <p:style>
-            <a:lnRef idx="1">
-              <a:schemeClr val="accent1"/>
-            </a:lnRef>
-            <a:fillRef idx="3">
-              <a:schemeClr val="accent1"/>
-            </a:fillRef>
-            <a:effectRef idx="2">
-              <a:schemeClr val="accent1"/>
-            </a:effectRef>
-            <a:fontRef idx="minor">
-              <a:schemeClr val="lt1"/>
-            </a:fontRef>
-          </p:style>
-          <p:txBody>
-            <a:bodyPr rtlCol="0" anchor="ctr"/>
-            <a:lstStyle/>
-            <a:p>
-              <a:pPr algn="ctr"/>
-              <a:endParaRPr lang="fr-FR" dirty="0"/>
-            </a:p>
-          </p:txBody>
-        </p:sp>
-        <p:sp>
-          <p:nvSpPr>
-            <p:cNvPr id="9" name="Ellipse 8"/>
-            <p:cNvSpPr/>
-            <p:nvPr/>
-          </p:nvSpPr>
-          <p:spPr>
-            <a:xfrm>
-              <a:off x="5540473" y="3352628"/>
-              <a:ext cx="624370" cy="630491"/>
-            </a:xfrm>
-            <a:prstGeom prst="ellipse">
-              <a:avLst/>
-            </a:prstGeom>
-            <a:solidFill>
-              <a:schemeClr val="bg1"/>
-            </a:solidFill>
-            <a:ln w="28575" cmpd="sng">
-              <a:solidFill>
-                <a:schemeClr val="tx1">
-                  <a:lumMod val="95000"/>
-                  <a:lumOff val="5000"/>
-                </a:schemeClr>
-              </a:solidFill>
-            </a:ln>
-          </p:spPr>
-          <p:style>
-            <a:lnRef idx="1">
-              <a:schemeClr val="accent1"/>
-            </a:lnRef>
-            <a:fillRef idx="3">
-              <a:schemeClr val="accent1"/>
-            </a:fillRef>
-            <a:effectRef idx="2">
-              <a:schemeClr val="accent1"/>
-            </a:effectRef>
-            <a:fontRef idx="minor">
-              <a:schemeClr val="lt1"/>
-            </a:fontRef>
-          </p:style>
-          <p:txBody>
-            <a:bodyPr rtlCol="0" anchor="ctr"/>
-            <a:lstStyle/>
-            <a:p>
-              <a:pPr algn="ctr"/>
-              <a:endParaRPr lang="fr-FR"/>
-            </a:p>
-          </p:txBody>
-        </p:sp>
-        <p:sp>
-          <p:nvSpPr>
-            <p:cNvPr id="10" name="Ellipse 9"/>
-            <p:cNvSpPr/>
-            <p:nvPr/>
-          </p:nvSpPr>
-          <p:spPr>
-            <a:xfrm>
-              <a:off x="7234081" y="2759124"/>
-              <a:ext cx="624370" cy="630491"/>
-            </a:xfrm>
-            <a:prstGeom prst="ellipse">
-              <a:avLst/>
-            </a:prstGeom>
-            <a:solidFill>
-              <a:schemeClr val="bg1"/>
-            </a:solidFill>
-            <a:ln w="28575" cmpd="sng">
-              <a:solidFill>
-                <a:schemeClr val="tx1">
-                  <a:lumMod val="95000"/>
-                  <a:lumOff val="5000"/>
-                </a:schemeClr>
-              </a:solidFill>
-            </a:ln>
-          </p:spPr>
-          <p:style>
-            <a:lnRef idx="1">
-              <a:schemeClr val="accent1"/>
-            </a:lnRef>
-            <a:fillRef idx="3">
-              <a:schemeClr val="accent1"/>
-            </a:fillRef>
-            <a:effectRef idx="2">
-              <a:schemeClr val="accent1"/>
-            </a:effectRef>
-            <a:fontRef idx="minor">
-              <a:schemeClr val="lt1"/>
-            </a:fontRef>
-          </p:style>
-          <p:txBody>
-            <a:bodyPr rtlCol="0" anchor="ctr"/>
-            <a:lstStyle/>
-            <a:p>
-              <a:pPr algn="ctr"/>
-              <a:endParaRPr lang="fr-FR"/>
-            </a:p>
-          </p:txBody>
-        </p:sp>
-        <p:sp>
-          <p:nvSpPr>
-            <p:cNvPr id="11" name="Ellipse 10"/>
-            <p:cNvSpPr/>
-            <p:nvPr/>
-          </p:nvSpPr>
-          <p:spPr>
-            <a:xfrm>
-              <a:off x="7234081" y="3946132"/>
-              <a:ext cx="624370" cy="630491"/>
-            </a:xfrm>
-            <a:prstGeom prst="ellipse">
-              <a:avLst/>
-            </a:prstGeom>
-            <a:solidFill>
-              <a:schemeClr val="bg1"/>
-            </a:solidFill>
-            <a:ln w="28575" cmpd="sng">
-              <a:solidFill>
-                <a:schemeClr val="tx1">
-                  <a:lumMod val="95000"/>
-                  <a:lumOff val="5000"/>
-                </a:schemeClr>
-              </a:solidFill>
-            </a:ln>
-          </p:spPr>
-          <p:style>
-            <a:lnRef idx="1">
-              <a:schemeClr val="accent1"/>
-            </a:lnRef>
-            <a:fillRef idx="3">
-              <a:schemeClr val="accent1"/>
-            </a:fillRef>
-            <a:effectRef idx="2">
-              <a:schemeClr val="accent1"/>
-            </a:effectRef>
-            <a:fontRef idx="minor">
-              <a:schemeClr val="lt1"/>
-            </a:fontRef>
-          </p:style>
-          <p:txBody>
-            <a:bodyPr rtlCol="0" anchor="ctr"/>
-            <a:lstStyle/>
-            <a:p>
-              <a:pPr algn="ctr"/>
-              <a:endParaRPr lang="fr-FR"/>
-            </a:p>
-          </p:txBody>
-        </p:sp>
-        <p:sp>
-          <p:nvSpPr>
-            <p:cNvPr id="18" name="ZoneTexte 17"/>
-            <p:cNvSpPr txBox="1"/>
-            <p:nvPr/>
-          </p:nvSpPr>
-          <p:spPr>
-            <a:xfrm>
-              <a:off x="4438683" y="2108257"/>
-              <a:ext cx="838418" cy="369332"/>
-            </a:xfrm>
-            <a:prstGeom prst="rect">
-              <a:avLst/>
-            </a:prstGeom>
-            <a:noFill/>
-          </p:spPr>
-          <p:txBody>
-            <a:bodyPr wrap="square" rtlCol="0">
-              <a:spAutoFit/>
-            </a:bodyPr>
-            <a:lstStyle/>
-            <a:p>
-              <a:pPr algn="ctr"/>
-              <a:r>
-                <a:rPr lang="fr-FR" dirty="0" smtClean="0"/>
-                <a:t>Initial</a:t>
-              </a:r>
-            </a:p>
-          </p:txBody>
-        </p:sp>
-        <p:sp>
-          <p:nvSpPr>
-            <p:cNvPr id="19" name="ZoneTexte 18"/>
-            <p:cNvSpPr txBox="1"/>
-            <p:nvPr/>
-          </p:nvSpPr>
-          <p:spPr>
-            <a:xfrm>
-              <a:off x="4782098" y="3810195"/>
-              <a:ext cx="1129893" cy="369332"/>
-            </a:xfrm>
-            <a:prstGeom prst="rect">
-              <a:avLst/>
-            </a:prstGeom>
-            <a:noFill/>
-          </p:spPr>
-          <p:txBody>
-            <a:bodyPr wrap="square" rtlCol="0">
-              <a:spAutoFit/>
-            </a:bodyPr>
-            <a:lstStyle/>
-            <a:p>
-              <a:pPr algn="ctr"/>
-              <a:r>
-                <a:rPr lang="fr-FR" dirty="0" smtClean="0"/>
-                <a:t>displays</a:t>
-              </a:r>
-            </a:p>
-          </p:txBody>
-        </p:sp>
-        <p:sp>
-          <p:nvSpPr>
-            <p:cNvPr id="20" name="ZoneTexte 19"/>
-            <p:cNvSpPr txBox="1"/>
-            <p:nvPr/>
-          </p:nvSpPr>
-          <p:spPr>
-            <a:xfrm>
-              <a:off x="7024470" y="2389792"/>
-              <a:ext cx="1129893" cy="369332"/>
-            </a:xfrm>
-            <a:prstGeom prst="rect">
-              <a:avLst/>
-            </a:prstGeom>
-            <a:noFill/>
-          </p:spPr>
-          <p:txBody>
-            <a:bodyPr wrap="square" rtlCol="0">
-              <a:spAutoFit/>
-            </a:bodyPr>
-            <a:lstStyle/>
-            <a:p>
-              <a:pPr algn="ctr"/>
-              <a:r>
-                <a:rPr lang="fr-FR" dirty="0" err="1"/>
-                <a:t>a</a:t>
-              </a:r>
-              <a:r>
-                <a:rPr lang="fr-FR" dirty="0" err="1" smtClean="0"/>
-                <a:t>larm</a:t>
-              </a:r>
-              <a:r>
-                <a:rPr lang="fr-FR" dirty="0" smtClean="0"/>
-                <a:t> 1</a:t>
-              </a:r>
-            </a:p>
-          </p:txBody>
-        </p:sp>
-        <p:sp>
-          <p:nvSpPr>
-            <p:cNvPr id="21" name="ZoneTexte 20"/>
-            <p:cNvSpPr txBox="1"/>
-            <p:nvPr/>
-          </p:nvSpPr>
-          <p:spPr>
-            <a:xfrm>
-              <a:off x="7054806" y="4511553"/>
-              <a:ext cx="1129893" cy="369332"/>
-            </a:xfrm>
-            <a:prstGeom prst="rect">
-              <a:avLst/>
-            </a:prstGeom>
-            <a:noFill/>
-          </p:spPr>
-          <p:txBody>
-            <a:bodyPr wrap="square" rtlCol="0">
-              <a:spAutoFit/>
-            </a:bodyPr>
-            <a:lstStyle/>
-            <a:p>
-              <a:pPr algn="ctr"/>
-              <a:r>
-                <a:rPr lang="fr-FR" dirty="0" err="1"/>
-                <a:t>a</a:t>
-              </a:r>
-              <a:r>
-                <a:rPr lang="fr-FR" dirty="0" err="1" smtClean="0"/>
-                <a:t>larm</a:t>
-              </a:r>
-              <a:r>
-                <a:rPr lang="fr-FR" dirty="0" smtClean="0"/>
-                <a:t> 2</a:t>
-              </a:r>
-            </a:p>
-          </p:txBody>
-        </p:sp>
-        <p:sp>
-          <p:nvSpPr>
-            <p:cNvPr id="22" name="ZoneTexte 21"/>
-            <p:cNvSpPr txBox="1"/>
-            <p:nvPr/>
-          </p:nvSpPr>
-          <p:spPr>
-            <a:xfrm>
-              <a:off x="4069772" y="3078822"/>
-              <a:ext cx="1129893" cy="323165"/>
-            </a:xfrm>
-            <a:prstGeom prst="rect">
-              <a:avLst/>
-            </a:prstGeom>
-            <a:noFill/>
-          </p:spPr>
-          <p:txBody>
-            <a:bodyPr wrap="square" rtlCol="0">
-              <a:spAutoFit/>
-            </a:bodyPr>
-            <a:lstStyle/>
-            <a:p>
-              <a:pPr algn="ctr"/>
-              <a:r>
-                <a:rPr lang="fr-FR" sz="1500" dirty="0" err="1" smtClean="0">
-                  <a:latin typeface="Consolas"/>
-                  <a:cs typeface="Consolas"/>
-                </a:rPr>
-                <a:t>start</a:t>
-              </a:r>
-              <a:endParaRPr lang="fr-FR" sz="1500" dirty="0" smtClean="0">
-                <a:latin typeface="Consolas"/>
-                <a:cs typeface="Consolas"/>
-              </a:endParaRPr>
-            </a:p>
-          </p:txBody>
-        </p:sp>
-        <p:sp>
-          <p:nvSpPr>
-            <p:cNvPr id="23" name="ZoneTexte 22"/>
-            <p:cNvSpPr txBox="1"/>
-            <p:nvPr/>
-          </p:nvSpPr>
-          <p:spPr>
-            <a:xfrm>
-              <a:off x="5825033" y="2734226"/>
-              <a:ext cx="1129893" cy="323165"/>
-            </a:xfrm>
-            <a:prstGeom prst="rect">
-              <a:avLst/>
-            </a:prstGeom>
-            <a:noFill/>
-          </p:spPr>
-          <p:txBody>
-            <a:bodyPr wrap="square" rtlCol="0">
-              <a:spAutoFit/>
-            </a:bodyPr>
-            <a:lstStyle/>
-            <a:p>
-              <a:pPr algn="ctr"/>
-              <a:r>
-                <a:rPr lang="fr-FR" sz="1500" dirty="0" smtClean="0">
-                  <a:latin typeface="Consolas"/>
-                  <a:cs typeface="Consolas"/>
-                </a:rPr>
-                <a:t>T1</a:t>
-              </a:r>
-            </a:p>
-          </p:txBody>
-        </p:sp>
-        <p:sp>
-          <p:nvSpPr>
-            <p:cNvPr id="24" name="ZoneTexte 23"/>
-            <p:cNvSpPr txBox="1"/>
-            <p:nvPr/>
-          </p:nvSpPr>
-          <p:spPr>
-            <a:xfrm>
-              <a:off x="6054302" y="3344709"/>
-              <a:ext cx="1129893" cy="323165"/>
-            </a:xfrm>
-            <a:prstGeom prst="rect">
-              <a:avLst/>
-            </a:prstGeom>
-            <a:noFill/>
-          </p:spPr>
-          <p:txBody>
-            <a:bodyPr wrap="square" rtlCol="0">
-              <a:spAutoFit/>
-            </a:bodyPr>
-            <a:lstStyle/>
-            <a:p>
-              <a:pPr algn="ctr"/>
-              <a:r>
-                <a:rPr lang="fr-FR" sz="1500" dirty="0" smtClean="0">
-                  <a:latin typeface="Consolas"/>
-                  <a:cs typeface="Consolas"/>
-                </a:rPr>
-                <a:t>a</a:t>
-              </a:r>
-            </a:p>
-          </p:txBody>
-        </p:sp>
-        <p:sp>
-          <p:nvSpPr>
-            <p:cNvPr id="26" name="ZoneTexte 25"/>
-            <p:cNvSpPr txBox="1"/>
-            <p:nvPr/>
-          </p:nvSpPr>
-          <p:spPr>
-            <a:xfrm>
-              <a:off x="5770285" y="4253501"/>
-              <a:ext cx="1129893" cy="323165"/>
-            </a:xfrm>
-            <a:prstGeom prst="rect">
-              <a:avLst/>
-            </a:prstGeom>
-            <a:noFill/>
-          </p:spPr>
-          <p:txBody>
-            <a:bodyPr wrap="square" rtlCol="0">
-              <a:spAutoFit/>
-            </a:bodyPr>
-            <a:lstStyle/>
-            <a:p>
-              <a:pPr algn="ctr"/>
-              <a:r>
-                <a:rPr lang="fr-FR" sz="1500" dirty="0" smtClean="0">
-                  <a:latin typeface="Consolas"/>
-                  <a:cs typeface="Consolas"/>
-                </a:rPr>
-                <a:t>T2</a:t>
-              </a:r>
-            </a:p>
-          </p:txBody>
-        </p:sp>
-      </p:grpSp>
-      <p:sp>
-        <p:nvSpPr>
-          <p:cNvPr id="28" name="Rectangle 27"/>
-          <p:cNvSpPr/>
-          <p:nvPr/>
-        </p:nvSpPr>
-        <p:spPr>
-          <a:xfrm>
-            <a:off x="113777" y="6430173"/>
-            <a:ext cx="8899220" cy="307777"/>
-          </a:xfrm>
-          <a:prstGeom prst="rect">
-            <a:avLst/>
-          </a:prstGeom>
-        </p:spPr>
-        <p:txBody>
-          <a:bodyPr wrap="square">
-            <a:spAutoFit/>
-          </a:bodyPr>
-          <a:lstStyle/>
-          <a:p>
-            <a:pPr algn="ctr"/>
-            <a:r>
-              <a:rPr lang="en-US" sz="1400" dirty="0"/>
-              <a:t>David </a:t>
-            </a:r>
-            <a:r>
-              <a:rPr lang="en-US" sz="1400" dirty="0" err="1"/>
-              <a:t>Harel</a:t>
-            </a:r>
-            <a:r>
-              <a:rPr lang="en-US" sz="1400" dirty="0"/>
-              <a:t>. 1987. Statecharts: A visual formalism for complex systems. Sci. </a:t>
-            </a:r>
-            <a:r>
-              <a:rPr lang="en-US" sz="1400" dirty="0" err="1"/>
-              <a:t>Comput</a:t>
-            </a:r>
-            <a:r>
-              <a:rPr lang="en-US" sz="1400" dirty="0"/>
-              <a:t>. Program. 8, 3 (June 1987), 231-274. </a:t>
-            </a:r>
-            <a:endParaRPr lang="fr-FR" sz="1400" dirty="0"/>
-          </a:p>
-        </p:txBody>
-      </p:sp>
-      <p:cxnSp>
-        <p:nvCxnSpPr>
-          <p:cNvPr id="30" name="Connecteur droit 29"/>
-          <p:cNvCxnSpPr/>
-          <p:nvPr/>
-        </p:nvCxnSpPr>
-        <p:spPr>
-          <a:xfrm>
-            <a:off x="113777" y="6430173"/>
-            <a:ext cx="8899220" cy="0"/>
-          </a:xfrm>
-          <a:prstGeom prst="line">
-            <a:avLst/>
-          </a:prstGeom>
-          <a:ln w="3175" cmpd="sng"/>
-        </p:spPr>
-        <p:style>
-          <a:lnRef idx="2">
-            <a:schemeClr val="accent1"/>
-          </a:lnRef>
-          <a:fillRef idx="0">
-            <a:schemeClr val="accent1"/>
-          </a:fillRef>
-          <a:effectRef idx="1">
-            <a:schemeClr val="accent1"/>
-          </a:effectRef>
-          <a:fontRef idx="minor">
-            <a:schemeClr val="tx1"/>
-          </a:fontRef>
-        </p:style>
-      </p:cxnSp>
-      <p:sp>
-        <p:nvSpPr>
-          <p:cNvPr id="3" name="ZoneTexte 2"/>
-          <p:cNvSpPr txBox="1"/>
-          <p:nvPr/>
-        </p:nvSpPr>
-        <p:spPr>
-          <a:xfrm>
-            <a:off x="5659336" y="2467436"/>
-            <a:ext cx="3156398" cy="784830"/>
-          </a:xfrm>
-          <a:prstGeom prst="rect">
-            <a:avLst/>
-          </a:prstGeom>
-          <a:solidFill>
-            <a:schemeClr val="bg1">
-              <a:lumMod val="95000"/>
-            </a:schemeClr>
-          </a:solidFill>
-        </p:spPr>
-        <p:txBody>
-          <a:bodyPr wrap="square" rtlCol="0">
-            <a:spAutoFit/>
-          </a:bodyPr>
-          <a:lstStyle/>
-          <a:p>
-            <a:r>
-              <a:rPr lang="fr-FR" sz="1500" b="1" dirty="0" err="1">
-                <a:latin typeface="Courier New"/>
-                <a:cs typeface="Courier New"/>
-              </a:rPr>
-              <a:t>w</a:t>
-            </a:r>
-            <a:r>
-              <a:rPr lang="fr-FR" sz="1500" b="1" dirty="0" err="1" smtClean="0">
-                <a:latin typeface="Courier New"/>
-                <a:cs typeface="Courier New"/>
-              </a:rPr>
-              <a:t>hile</a:t>
-            </a:r>
-            <a:r>
-              <a:rPr lang="fr-FR" sz="1500" dirty="0" smtClean="0">
-                <a:latin typeface="Courier New"/>
-                <a:cs typeface="Courier New"/>
-              </a:rPr>
-              <a:t>(alarm1.active){</a:t>
-            </a:r>
-          </a:p>
-          <a:p>
-            <a:r>
-              <a:rPr lang="fr-FR" sz="1500" dirty="0" smtClean="0">
-                <a:latin typeface="Courier New"/>
-                <a:cs typeface="Courier New"/>
-              </a:rPr>
-              <a:t>     </a:t>
-            </a:r>
-            <a:r>
-              <a:rPr lang="fr-FR" sz="1500" dirty="0" err="1" smtClean="0">
-                <a:latin typeface="Courier New"/>
-                <a:cs typeface="Courier New"/>
-              </a:rPr>
-              <a:t>println</a:t>
-            </a:r>
-            <a:r>
-              <a:rPr lang="fr-FR" sz="1500" dirty="0" smtClean="0">
-                <a:latin typeface="Courier New"/>
-                <a:cs typeface="Courier New"/>
-              </a:rPr>
-              <a:t>(‘(1) </a:t>
-            </a:r>
-            <a:r>
-              <a:rPr lang="fr-FR" sz="1500" dirty="0" err="1" smtClean="0">
-                <a:latin typeface="Courier New"/>
-                <a:cs typeface="Courier New"/>
-              </a:rPr>
-              <a:t>beep</a:t>
-            </a:r>
-            <a:r>
-              <a:rPr lang="fr-FR" sz="1500" dirty="0" smtClean="0">
-                <a:latin typeface="Courier New"/>
-                <a:cs typeface="Courier New"/>
-              </a:rPr>
-              <a:t>’)</a:t>
-            </a:r>
-            <a:endParaRPr lang="fr-FR" sz="1500" dirty="0">
-              <a:latin typeface="Courier New"/>
-              <a:cs typeface="Courier New"/>
-            </a:endParaRPr>
-          </a:p>
-          <a:p>
-            <a:r>
-              <a:rPr lang="fr-FR" sz="1500" dirty="0" smtClean="0">
-                <a:latin typeface="Courier New"/>
-                <a:cs typeface="Courier New"/>
-              </a:rPr>
-              <a:t>}</a:t>
-            </a:r>
-            <a:endParaRPr lang="fr-FR" sz="1500" dirty="0">
-              <a:latin typeface="Courier New"/>
-              <a:cs typeface="Courier New"/>
-            </a:endParaRPr>
-          </a:p>
-        </p:txBody>
-      </p:sp>
-      <p:sp>
-        <p:nvSpPr>
-          <p:cNvPr id="32" name="ZoneTexte 31"/>
-          <p:cNvSpPr txBox="1"/>
-          <p:nvPr/>
-        </p:nvSpPr>
-        <p:spPr>
-          <a:xfrm>
-            <a:off x="5659336" y="3711605"/>
-            <a:ext cx="3156398" cy="784830"/>
-          </a:xfrm>
-          <a:prstGeom prst="rect">
-            <a:avLst/>
-          </a:prstGeom>
-          <a:solidFill>
-            <a:schemeClr val="bg1">
-              <a:lumMod val="95000"/>
-            </a:schemeClr>
-          </a:solidFill>
-        </p:spPr>
-        <p:txBody>
-          <a:bodyPr wrap="square" rtlCol="0">
-            <a:spAutoFit/>
-          </a:bodyPr>
-          <a:lstStyle/>
-          <a:p>
-            <a:r>
-              <a:rPr lang="fr-FR" sz="1500" b="1" dirty="0" err="1">
-                <a:latin typeface="Courier New"/>
-                <a:cs typeface="Courier New"/>
-              </a:rPr>
-              <a:t>w</a:t>
-            </a:r>
-            <a:r>
-              <a:rPr lang="fr-FR" sz="1500" b="1" dirty="0" err="1" smtClean="0">
-                <a:latin typeface="Courier New"/>
-                <a:cs typeface="Courier New"/>
-              </a:rPr>
-              <a:t>hile</a:t>
-            </a:r>
-            <a:r>
-              <a:rPr lang="fr-FR" sz="1500" dirty="0" smtClean="0">
-                <a:latin typeface="Courier New"/>
-                <a:cs typeface="Courier New"/>
-              </a:rPr>
-              <a:t>(alarm1.active){</a:t>
-            </a:r>
-          </a:p>
-          <a:p>
-            <a:r>
-              <a:rPr lang="fr-FR" sz="1500" dirty="0" smtClean="0">
-                <a:latin typeface="Courier New"/>
-                <a:cs typeface="Courier New"/>
-              </a:rPr>
-              <a:t>     </a:t>
-            </a:r>
-            <a:r>
-              <a:rPr lang="fr-FR" sz="1500" dirty="0" err="1" smtClean="0">
-                <a:latin typeface="Courier New"/>
-                <a:cs typeface="Courier New"/>
-              </a:rPr>
-              <a:t>println</a:t>
-            </a:r>
-            <a:r>
-              <a:rPr lang="fr-FR" sz="1500" dirty="0" smtClean="0">
-                <a:latin typeface="Courier New"/>
-                <a:cs typeface="Courier New"/>
-              </a:rPr>
-              <a:t>(‘(2) </a:t>
-            </a:r>
-            <a:r>
-              <a:rPr lang="fr-FR" sz="1500" dirty="0" err="1" smtClean="0">
-                <a:latin typeface="Courier New"/>
-                <a:cs typeface="Courier New"/>
-              </a:rPr>
-              <a:t>beep</a:t>
-            </a:r>
-            <a:r>
-              <a:rPr lang="fr-FR" sz="1500" dirty="0" smtClean="0">
-                <a:latin typeface="Courier New"/>
-                <a:cs typeface="Courier New"/>
-              </a:rPr>
-              <a:t>’)</a:t>
-            </a:r>
-            <a:endParaRPr lang="fr-FR" sz="1500" dirty="0">
-              <a:latin typeface="Courier New"/>
-              <a:cs typeface="Courier New"/>
-            </a:endParaRPr>
-          </a:p>
-          <a:p>
-            <a:r>
-              <a:rPr lang="fr-FR" sz="1500" dirty="0" smtClean="0">
-                <a:latin typeface="Courier New"/>
-                <a:cs typeface="Courier New"/>
-              </a:rPr>
-              <a:t>}</a:t>
-            </a:r>
-            <a:endParaRPr lang="fr-FR" sz="1500" dirty="0">
-              <a:latin typeface="Courier New"/>
-              <a:cs typeface="Courier New"/>
-            </a:endParaRPr>
-          </a:p>
-        </p:txBody>
-      </p:sp>
-      <p:cxnSp>
-        <p:nvCxnSpPr>
-          <p:cNvPr id="7" name="Connecteur droit avec flèche 6"/>
-          <p:cNvCxnSpPr/>
-          <p:nvPr/>
-        </p:nvCxnSpPr>
-        <p:spPr>
-          <a:xfrm flipV="1">
-            <a:off x="3624926" y="2884509"/>
-            <a:ext cx="2034410" cy="9102"/>
-          </a:xfrm>
-          <a:prstGeom prst="straightConnector1">
-            <a:avLst/>
-          </a:prstGeom>
-          <a:ln>
-            <a:headEnd type="oval"/>
-            <a:tailEnd type="arrow"/>
-          </a:ln>
-        </p:spPr>
-        <p:style>
-          <a:lnRef idx="2">
-            <a:schemeClr val="accent1"/>
-          </a:lnRef>
-          <a:fillRef idx="0">
-            <a:schemeClr val="accent1"/>
-          </a:fillRef>
-          <a:effectRef idx="1">
-            <a:schemeClr val="accent1"/>
-          </a:effectRef>
-          <a:fontRef idx="minor">
-            <a:schemeClr val="tx1"/>
-          </a:fontRef>
-        </p:style>
-      </p:cxnSp>
-      <p:cxnSp>
-        <p:nvCxnSpPr>
-          <p:cNvPr id="42" name="Connecteur droit avec flèche 41"/>
-          <p:cNvCxnSpPr/>
-          <p:nvPr/>
-        </p:nvCxnSpPr>
-        <p:spPr>
-          <a:xfrm>
-            <a:off x="3624926" y="4072268"/>
-            <a:ext cx="2034410" cy="0"/>
-          </a:xfrm>
-          <a:prstGeom prst="straightConnector1">
-            <a:avLst/>
-          </a:prstGeom>
-          <a:ln>
-            <a:headEnd type="oval"/>
-            <a:tailEnd type="arrow"/>
-          </a:ln>
-        </p:spPr>
-        <p:style>
-          <a:lnRef idx="2">
-            <a:schemeClr val="accent1"/>
-          </a:lnRef>
-          <a:fillRef idx="0">
-            <a:schemeClr val="accent1"/>
-          </a:fillRef>
-          <a:effectRef idx="1">
-            <a:schemeClr val="accent1"/>
-          </a:effectRef>
-          <a:fontRef idx="minor">
-            <a:schemeClr val="tx1"/>
-          </a:fontRef>
-        </p:style>
-      </p:cxnSp>
-      <p:sp>
-        <p:nvSpPr>
-          <p:cNvPr id="43" name="ZoneTexte 42"/>
-          <p:cNvSpPr txBox="1"/>
-          <p:nvPr/>
-        </p:nvSpPr>
-        <p:spPr>
-          <a:xfrm>
-            <a:off x="4406150" y="2489008"/>
-            <a:ext cx="1129893" cy="369332"/>
-          </a:xfrm>
-          <a:prstGeom prst="rect">
-            <a:avLst/>
-          </a:prstGeom>
-          <a:noFill/>
-        </p:spPr>
-        <p:txBody>
-          <a:bodyPr wrap="square" rtlCol="0">
-            <a:spAutoFit/>
-          </a:bodyPr>
-          <a:lstStyle/>
-          <a:p>
-            <a:pPr algn="ctr"/>
-            <a:r>
-              <a:rPr lang="fr-FR" dirty="0" err="1" smtClean="0">
-                <a:solidFill>
-                  <a:srgbClr val="FF0000"/>
-                </a:solidFill>
-              </a:rPr>
-              <a:t>doActivity</a:t>
-            </a:r>
-            <a:endParaRPr lang="fr-FR" dirty="0" smtClean="0">
-              <a:solidFill>
-                <a:srgbClr val="FF0000"/>
-              </a:solidFill>
-            </a:endParaRPr>
-          </a:p>
-        </p:txBody>
-      </p:sp>
-      <p:sp>
-        <p:nvSpPr>
-          <p:cNvPr id="46" name="ZoneTexte 45"/>
-          <p:cNvSpPr txBox="1"/>
-          <p:nvPr/>
-        </p:nvSpPr>
-        <p:spPr>
-          <a:xfrm>
-            <a:off x="4406150" y="3686629"/>
-            <a:ext cx="1129893" cy="369332"/>
-          </a:xfrm>
-          <a:prstGeom prst="rect">
-            <a:avLst/>
-          </a:prstGeom>
-          <a:noFill/>
-        </p:spPr>
-        <p:txBody>
-          <a:bodyPr wrap="square" rtlCol="0">
-            <a:spAutoFit/>
-          </a:bodyPr>
-          <a:lstStyle/>
-          <a:p>
-            <a:pPr algn="ctr"/>
-            <a:r>
-              <a:rPr lang="fr-FR" dirty="0" err="1" smtClean="0">
-                <a:solidFill>
-                  <a:srgbClr val="FF0000"/>
-                </a:solidFill>
-              </a:rPr>
-              <a:t>doActivity</a:t>
-            </a:r>
-            <a:endParaRPr lang="fr-FR" dirty="0" smtClean="0">
-              <a:solidFill>
-                <a:srgbClr val="FF0000"/>
-              </a:solidFill>
-            </a:endParaRPr>
-          </a:p>
-        </p:txBody>
-      </p:sp>
-      <p:sp>
-        <p:nvSpPr>
-          <p:cNvPr id="4" name="Rectangle à coins arrondis 3"/>
-          <p:cNvSpPr/>
-          <p:nvPr/>
-        </p:nvSpPr>
-        <p:spPr>
-          <a:xfrm>
-            <a:off x="3005107" y="2082800"/>
-            <a:ext cx="1254185" cy="2806700"/>
-          </a:xfrm>
-          <a:prstGeom prst="roundRect">
-            <a:avLst/>
-          </a:prstGeom>
-          <a:noFill/>
-          <a:ln w="28575" cmpd="sng">
-            <a:solidFill>
-              <a:schemeClr val="tx1">
-                <a:lumMod val="95000"/>
-                <a:lumOff val="5000"/>
-              </a:schemeClr>
-            </a:solidFill>
-          </a:ln>
-        </p:spPr>
-        <p:style>
-          <a:lnRef idx="1">
-            <a:schemeClr val="accent1"/>
-          </a:lnRef>
-          <a:fillRef idx="3">
-            <a:schemeClr val="accent1"/>
-          </a:fillRef>
-          <a:effectRef idx="2">
-            <a:schemeClr val="accent1"/>
-          </a:effectRef>
-          <a:fontRef idx="minor">
-            <a:schemeClr val="lt1"/>
-          </a:fontRef>
-        </p:style>
-        <p:txBody>
-          <a:bodyPr rtlCol="0" anchor="ctr"/>
-          <a:lstStyle/>
-          <a:p>
-            <a:pPr algn="ctr"/>
-            <a:endParaRPr lang="fr-FR"/>
-          </a:p>
-        </p:txBody>
-      </p:sp>
-      <p:cxnSp>
-        <p:nvCxnSpPr>
-          <p:cNvPr id="8" name="Connecteur droit avec flèche 7"/>
-          <p:cNvCxnSpPr>
-            <a:stCxn id="4" idx="1"/>
-            <a:endCxn id="9" idx="6"/>
-          </p:cNvCxnSpPr>
-          <p:nvPr/>
-        </p:nvCxnSpPr>
-        <p:spPr>
-          <a:xfrm flipH="1" flipV="1">
-            <a:off x="2231672" y="3482663"/>
-            <a:ext cx="773435" cy="3487"/>
-          </a:xfrm>
-          <a:prstGeom prst="straightConnector1">
-            <a:avLst/>
-          </a:prstGeom>
-          <a:ln w="6350" cmpd="sng">
-            <a:solidFill>
-              <a:schemeClr val="tx1"/>
-            </a:solidFill>
-            <a:tailEnd type="arrow"/>
-          </a:ln>
-        </p:spPr>
-        <p:style>
-          <a:lnRef idx="2">
-            <a:schemeClr val="accent1"/>
-          </a:lnRef>
-          <a:fillRef idx="0">
-            <a:schemeClr val="accent1"/>
-          </a:fillRef>
-          <a:effectRef idx="1">
-            <a:schemeClr val="accent1"/>
-          </a:effectRef>
-          <a:fontRef idx="minor">
-            <a:schemeClr val="tx1"/>
-          </a:fontRef>
-        </p:style>
-      </p:cxnSp>
-      <p:sp>
-        <p:nvSpPr>
-          <p:cNvPr id="38" name="ZoneTexte 37"/>
-          <p:cNvSpPr txBox="1"/>
-          <p:nvPr/>
-        </p:nvSpPr>
-        <p:spPr>
-          <a:xfrm>
-            <a:off x="332899" y="5215162"/>
-            <a:ext cx="4073251" cy="646331"/>
-          </a:xfrm>
-          <a:prstGeom prst="rect">
-            <a:avLst/>
-          </a:prstGeom>
-          <a:noFill/>
-        </p:spPr>
-        <p:txBody>
-          <a:bodyPr wrap="square" rtlCol="0">
-            <a:spAutoFit/>
-          </a:bodyPr>
-          <a:lstStyle/>
-          <a:p>
-            <a:r>
-              <a:rPr lang="fr-FR" b="1" dirty="0" smtClean="0"/>
-              <a:t>Core FSM: </a:t>
-            </a:r>
-            <a:r>
-              <a:rPr lang="fr-FR" dirty="0" smtClean="0"/>
-              <a:t>State Machine, States, Transitions, Triggers</a:t>
-            </a:r>
-            <a:endParaRPr lang="fr-FR" dirty="0"/>
-          </a:p>
-        </p:txBody>
-      </p:sp>
-      <p:sp>
-        <p:nvSpPr>
-          <p:cNvPr id="39" name="ZoneTexte 38"/>
-          <p:cNvSpPr txBox="1"/>
-          <p:nvPr/>
-        </p:nvSpPr>
-        <p:spPr>
-          <a:xfrm>
-            <a:off x="4406150" y="5385927"/>
-            <a:ext cx="3156398" cy="646331"/>
-          </a:xfrm>
-          <a:prstGeom prst="rect">
-            <a:avLst/>
-          </a:prstGeom>
-          <a:noFill/>
-        </p:spPr>
-        <p:txBody>
-          <a:bodyPr wrap="square" rtlCol="0">
-            <a:spAutoFit/>
-          </a:bodyPr>
-          <a:lstStyle/>
-          <a:p>
-            <a:r>
-              <a:rPr lang="fr-FR" b="1" dirty="0" err="1" smtClean="0"/>
-              <a:t>CompositeStates</a:t>
-            </a:r>
-            <a:r>
-              <a:rPr lang="fr-FR" b="1" dirty="0" smtClean="0"/>
-              <a:t>: </a:t>
-            </a:r>
-            <a:r>
-              <a:rPr lang="fr-FR" dirty="0" err="1"/>
-              <a:t>C</a:t>
-            </a:r>
-            <a:r>
-              <a:rPr lang="fr-FR" dirty="0" err="1" smtClean="0"/>
-              <a:t>ompositeState</a:t>
-            </a:r>
-            <a:r>
-              <a:rPr lang="fr-FR" dirty="0" smtClean="0"/>
-              <a:t>, …</a:t>
-            </a:r>
-            <a:endParaRPr lang="fr-FR" dirty="0"/>
-          </a:p>
-        </p:txBody>
-      </p:sp>
-      <p:sp>
-        <p:nvSpPr>
-          <p:cNvPr id="40" name="ZoneTexte 39"/>
-          <p:cNvSpPr txBox="1"/>
-          <p:nvPr/>
-        </p:nvSpPr>
-        <p:spPr>
-          <a:xfrm>
-            <a:off x="3716049" y="5457494"/>
-            <a:ext cx="670502" cy="553998"/>
-          </a:xfrm>
-          <a:prstGeom prst="rect">
-            <a:avLst/>
-          </a:prstGeom>
-          <a:noFill/>
-        </p:spPr>
-        <p:txBody>
-          <a:bodyPr wrap="square" rtlCol="0">
-            <a:spAutoFit/>
-          </a:bodyPr>
-          <a:lstStyle/>
-          <a:p>
-            <a:pPr algn="ctr"/>
-            <a:r>
-              <a:rPr lang="fr-FR" sz="3000" b="1" dirty="0" smtClean="0"/>
-              <a:t>+</a:t>
-            </a:r>
-            <a:endParaRPr lang="fr-FR" sz="3000" dirty="0"/>
-          </a:p>
-        </p:txBody>
-      </p:sp>
-    </p:spTree>
-    <p:extLst>
-      <p:ext uri="{BB962C8B-B14F-4D97-AF65-F5344CB8AC3E}">
-        <p14:creationId xmlns:p14="http://schemas.microsoft.com/office/powerpoint/2010/main" val="910780553"/>
       </p:ext>
     </p:extLst>
   </p:cSld>
@@ -12351,7 +13350,7 @@
         </p:nvSpPr>
         <p:spPr>
           <a:xfrm>
-            <a:off x="457200" y="4608674"/>
+            <a:off x="443395" y="4367036"/>
             <a:ext cx="3161563" cy="1035634"/>
           </a:xfrm>
           <a:prstGeom prst="roundRect">
@@ -12393,14 +13392,14 @@
       </p:sp>
       <p:sp>
         <p:nvSpPr>
-          <p:cNvPr id="15" name="ZoneTexte 14"/>
+          <p:cNvPr id="16" name="ZoneTexte 15"/>
           <p:cNvSpPr txBox="1"/>
           <p:nvPr/>
         </p:nvSpPr>
         <p:spPr>
           <a:xfrm>
-            <a:off x="551265" y="4803096"/>
-            <a:ext cx="3156398" cy="646331"/>
+            <a:off x="600149" y="4575974"/>
+            <a:ext cx="2915025" cy="646331"/>
           </a:xfrm>
           <a:prstGeom prst="rect">
             <a:avLst/>
@@ -12415,23 +13414,26 @@
           <a:p>
             <a:r>
               <a:rPr lang="fr-FR" b="1" dirty="0" err="1" smtClean="0"/>
-              <a:t>CompositeStates</a:t>
+              <a:t>Complex</a:t>
             </a:r>
             <a:r>
               <a:rPr lang="fr-FR" b="1" dirty="0" smtClean="0"/>
-              <a:t>: </a:t>
-            </a:r>
-            <a:r>
-              <a:rPr lang="fr-FR" dirty="0" err="1"/>
-              <a:t>C</a:t>
-            </a:r>
-            <a:r>
-              <a:rPr lang="fr-FR" dirty="0" err="1" smtClean="0"/>
-              <a:t>ompositeState</a:t>
+              <a:t> Triggers: </a:t>
             </a:r>
             <a:r>
               <a:rPr lang="fr-FR" dirty="0" smtClean="0"/>
-              <a:t>, …</a:t>
+              <a:t>AND, </a:t>
+            </a:r>
+            <a:endParaRPr lang="fr-FR" dirty="0" smtClean="0"/>
+          </a:p>
+          <a:p>
+            <a:r>
+              <a:rPr lang="fr-FR" dirty="0" smtClean="0"/>
+              <a:t>OR</a:t>
+            </a:r>
+            <a:r>
+              <a:rPr lang="fr-FR" dirty="0" smtClean="0"/>
+              <a:t>, NOT</a:t>
             </a:r>
             <a:endParaRPr lang="fr-FR" dirty="0"/>
           </a:p>
@@ -12439,24 +13441,24 @@
       </p:sp>
       <p:sp>
         <p:nvSpPr>
-          <p:cNvPr id="16" name="Ellipse 15"/>
+          <p:cNvPr id="17" name="Ellipse 16"/>
           <p:cNvSpPr/>
           <p:nvPr/>
         </p:nvSpPr>
         <p:spPr>
           <a:xfrm>
-            <a:off x="1879611" y="3654718"/>
+            <a:off x="1870118" y="3601805"/>
             <a:ext cx="317500" cy="279400"/>
           </a:xfrm>
           <a:prstGeom prst="ellipse">
             <a:avLst/>
           </a:prstGeom>
           <a:solidFill>
-            <a:srgbClr val="0000FF"/>
+            <a:srgbClr val="008000"/>
           </a:solidFill>
           <a:ln>
             <a:solidFill>
-              <a:srgbClr val="0000FF"/>
+              <a:srgbClr val="008000"/>
             </a:solidFill>
           </a:ln>
         </p:spPr>
@@ -12485,24 +13487,24 @@
       </p:sp>
       <p:cxnSp>
         <p:nvCxnSpPr>
-          <p:cNvPr id="17" name="Connecteur droit 16"/>
+          <p:cNvPr id="20" name="Connecteur droit 19"/>
           <p:cNvCxnSpPr>
             <a:stCxn id="4" idx="2"/>
-            <a:endCxn id="16" idx="0"/>
+            <a:endCxn id="17" idx="0"/>
           </p:cNvCxnSpPr>
           <p:nvPr/>
         </p:nvCxnSpPr>
         <p:spPr>
-          <a:xfrm>
-            <a:off x="2037982" y="3193208"/>
-            <a:ext cx="379" cy="461510"/>
+          <a:xfrm flipH="1">
+            <a:off x="2028868" y="3193208"/>
+            <a:ext cx="9114" cy="408597"/>
           </a:xfrm>
           <a:prstGeom prst="line">
             <a:avLst/>
           </a:prstGeom>
           <a:ln>
             <a:solidFill>
-              <a:srgbClr val="0000FF"/>
+              <a:srgbClr val="008000"/>
             </a:solidFill>
             <a:headEnd type="none"/>
             <a:tailEnd type="none"/>
@@ -12525,25 +13527,22 @@
       </p:cxnSp>
       <p:cxnSp>
         <p:nvCxnSpPr>
-          <p:cNvPr id="20" name="Connecteur droit 19"/>
-          <p:cNvCxnSpPr/>
+          <p:cNvPr id="21" name="Connecteur droit 20"/>
+          <p:cNvCxnSpPr>
+            <a:stCxn id="14" idx="0"/>
+            <a:endCxn id="17" idx="4"/>
+          </p:cNvCxnSpPr>
           <p:nvPr/>
         </p:nvCxnSpPr>
         <p:spPr>
           <a:xfrm flipV="1">
-            <a:off x="2037982" y="3997618"/>
-            <a:ext cx="379" cy="608175"/>
+            <a:off x="2024177" y="3881205"/>
+            <a:ext cx="4691" cy="485831"/>
           </a:xfrm>
           <a:prstGeom prst="line">
             <a:avLst/>
           </a:prstGeom>
           <a:ln>
-            <a:solidFill>
-              <a:schemeClr val="accent5">
-                <a:lumMod val="60000"/>
-                <a:lumOff val="40000"/>
-              </a:schemeClr>
-            </a:solidFill>
             <a:headEnd type="none"/>
             <a:tailEnd type="arrow"/>
           </a:ln>
@@ -12565,13 +13564,13 @@
       </p:cxnSp>
       <p:sp>
         <p:nvSpPr>
-          <p:cNvPr id="21" name="ZoneTexte 20"/>
+          <p:cNvPr id="22" name="ZoneTexte 21"/>
           <p:cNvSpPr txBox="1"/>
           <p:nvPr/>
         </p:nvSpPr>
         <p:spPr>
           <a:xfrm>
-            <a:off x="868060" y="3269641"/>
+            <a:off x="793263" y="3813038"/>
             <a:ext cx="1129893" cy="553998"/>
           </a:xfrm>
           <a:prstGeom prst="rect">
@@ -12588,21 +13587,28 @@
             <a:pPr algn="ctr"/>
             <a:r>
               <a:rPr lang="fr-FR" sz="1500" b="1" dirty="0" smtClean="0"/>
-              <a:t>Extension Point</a:t>
-            </a:r>
-          </a:p>
-        </p:txBody>
-      </p:sp>
-      <p:sp>
-        <p:nvSpPr>
-          <p:cNvPr id="22" name="ZoneTexte 21"/>
+              <a:t>Required</a:t>
+            </a:r>
+          </a:p>
+          <a:p>
+            <a:pPr algn="ctr"/>
+            <a:r>
+              <a:rPr lang="fr-FR" sz="1500" b="1" dirty="0" smtClean="0"/>
+              <a:t>Interface</a:t>
+            </a:r>
+          </a:p>
+        </p:txBody>
+      </p:sp>
+      <p:sp>
+        <p:nvSpPr>
+          <p:cNvPr id="23" name="ZoneTexte 22"/>
           <p:cNvSpPr txBox="1"/>
           <p:nvPr/>
         </p:nvSpPr>
         <p:spPr>
           <a:xfrm>
-            <a:off x="2025282" y="4111918"/>
-            <a:ext cx="1129893" cy="323165"/>
+            <a:off x="2104788" y="3231428"/>
+            <a:ext cx="1567306" cy="784830"/>
           </a:xfrm>
           <a:prstGeom prst="rect">
             <a:avLst/>
@@ -12618,152 +13624,30 @@
             <a:pPr algn="ctr"/>
             <a:r>
               <a:rPr lang="fr-FR" sz="1500" b="1" dirty="0" smtClean="0"/>
-              <a:t>Extension</a:t>
-            </a:r>
-          </a:p>
-        </p:txBody>
-      </p:sp>
-      <p:cxnSp>
-        <p:nvCxnSpPr>
-          <p:cNvPr id="23" name="Connecteur droit 22"/>
-          <p:cNvCxnSpPr/>
-          <p:nvPr/>
-        </p:nvCxnSpPr>
-        <p:spPr>
-          <a:xfrm flipV="1">
-            <a:off x="3656863" y="3527718"/>
-            <a:ext cx="1779345" cy="11274"/>
-          </a:xfrm>
-          <a:prstGeom prst="line">
-            <a:avLst/>
-          </a:prstGeom>
-          <a:ln w="38100" cmpd="sng">
-            <a:solidFill>
-              <a:srgbClr val="000090"/>
-            </a:solidFill>
-            <a:headEnd type="none"/>
-            <a:tailEnd type="arrow"/>
-          </a:ln>
-        </p:spPr>
-        <p:style>
-          <a:lnRef idx="2">
-            <a:schemeClr val="accent1"/>
-          </a:lnRef>
-          <a:fillRef idx="0">
-            <a:schemeClr val="accent1"/>
-          </a:fillRef>
-          <a:effectRef idx="1">
-            <a:schemeClr val="accent1"/>
-          </a:effectRef>
-          <a:fontRef idx="minor">
-            <a:schemeClr val="tx1"/>
-          </a:fontRef>
-        </p:style>
-      </p:cxnSp>
-      <p:sp>
-        <p:nvSpPr>
-          <p:cNvPr id="24" name="ZoneTexte 23"/>
-          <p:cNvSpPr txBox="1"/>
-          <p:nvPr/>
-        </p:nvSpPr>
-        <p:spPr>
-          <a:xfrm>
-            <a:off x="3594100" y="3517900"/>
-            <a:ext cx="1917700" cy="369332"/>
-          </a:xfrm>
-          <a:prstGeom prst="rect">
-            <a:avLst/>
-          </a:prstGeom>
-          <a:noFill/>
-        </p:spPr>
-        <p:txBody>
-          <a:bodyPr wrap="square" rtlCol="0">
-            <a:spAutoFit/>
-          </a:bodyPr>
-          <a:lstStyle/>
+              <a:t>Provided</a:t>
+            </a:r>
+          </a:p>
           <a:p>
             <a:pPr algn="ctr"/>
             <a:r>
-              <a:rPr lang="fr-FR" b="1" dirty="0" err="1" smtClean="0"/>
-              <a:t>aggregation</a:t>
-            </a:r>
-            <a:endParaRPr lang="fr-FR" b="1" dirty="0"/>
-          </a:p>
-        </p:txBody>
-      </p:sp>
-      <p:cxnSp>
-        <p:nvCxnSpPr>
-          <p:cNvPr id="25" name="Connecteur droit 24"/>
-          <p:cNvCxnSpPr/>
-          <p:nvPr/>
-        </p:nvCxnSpPr>
-        <p:spPr>
-          <a:xfrm flipV="1">
-            <a:off x="3155175" y="3390900"/>
-            <a:ext cx="0" cy="1121453"/>
-          </a:xfrm>
-          <a:prstGeom prst="line">
-            <a:avLst/>
-          </a:prstGeom>
-          <a:ln w="38100" cmpd="sng">
-            <a:solidFill>
-              <a:srgbClr val="000090"/>
-            </a:solidFill>
-            <a:prstDash val="dashDot"/>
-            <a:headEnd type="none"/>
-            <a:tailEnd type="arrow"/>
-          </a:ln>
-        </p:spPr>
-        <p:style>
-          <a:lnRef idx="2">
-            <a:schemeClr val="accent1"/>
-          </a:lnRef>
-          <a:fillRef idx="0">
-            <a:schemeClr val="accent1"/>
-          </a:fillRef>
-          <a:effectRef idx="1">
-            <a:schemeClr val="accent1"/>
-          </a:effectRef>
-          <a:fontRef idx="minor">
-            <a:schemeClr val="tx1"/>
-          </a:fontRef>
-        </p:style>
-      </p:cxnSp>
-      <p:sp>
-        <p:nvSpPr>
-          <p:cNvPr id="26" name="ZoneTexte 25"/>
-          <p:cNvSpPr txBox="1"/>
-          <p:nvPr/>
-        </p:nvSpPr>
-        <p:spPr>
-          <a:xfrm>
-            <a:off x="2908322" y="4143021"/>
-            <a:ext cx="1917700" cy="369332"/>
-          </a:xfrm>
-          <a:prstGeom prst="rect">
-            <a:avLst/>
-          </a:prstGeom>
-          <a:noFill/>
-        </p:spPr>
-        <p:txBody>
-          <a:bodyPr wrap="square" rtlCol="0">
-            <a:spAutoFit/>
-          </a:bodyPr>
-          <a:lstStyle/>
+              <a:rPr lang="fr-FR" sz="1500" b="1" dirty="0" smtClean="0"/>
+              <a:t>Interface </a:t>
+            </a:r>
+          </a:p>
           <a:p>
             <a:pPr algn="ctr"/>
             <a:r>
-              <a:rPr lang="fr-FR" b="1" dirty="0" smtClean="0"/>
-              <a:t>extension</a:t>
-            </a:r>
-            <a:endParaRPr lang="fr-FR" b="1" dirty="0"/>
+              <a:rPr lang="fr-FR" sz="1500" b="1" dirty="0" smtClean="0"/>
+              <a:t>(Ext. Point)</a:t>
+            </a:r>
+            <a:endParaRPr lang="fr-FR" sz="1500" b="1" dirty="0" smtClean="0"/>
           </a:p>
         </p:txBody>
       </p:sp>
     </p:spTree>
     <p:extLst>
       <p:ext uri="{BB962C8B-B14F-4D97-AF65-F5344CB8AC3E}">
-        <p14:creationId xmlns:p14="http://schemas.microsoft.com/office/powerpoint/2010/main" val="401522761"/>
+        <p14:creationId xmlns:p14="http://schemas.microsoft.com/office/powerpoint/2010/main" val="2618466198"/>
       </p:ext>
     </p:extLst>
   </p:cSld>
@@ -12792,79 +13676,35 @@
       </p:grpSpPr>
       <p:sp>
         <p:nvSpPr>
-          <p:cNvPr id="14" name="Rectangle 13"/>
-          <p:cNvSpPr/>
-          <p:nvPr/>
+          <p:cNvPr id="4" name="Titre 1"/>
+          <p:cNvSpPr>
+            <a:spLocks noGrp="1"/>
+          </p:cNvSpPr>
+          <p:nvPr>
+            <p:ph type="title"/>
+          </p:nvPr>
         </p:nvSpPr>
         <p:spPr>
           <a:xfrm>
-            <a:off x="5638800" y="1879600"/>
-            <a:ext cx="2870200" cy="2654300"/>
+            <a:off x="457200" y="274638"/>
+            <a:ext cx="8229600" cy="1143000"/>
           </a:xfrm>
-          <a:prstGeom prst="rect">
-            <a:avLst/>
-          </a:prstGeom>
-          <a:solidFill>
-            <a:schemeClr val="bg1"/>
-          </a:solidFill>
-          <a:ln w="3175" cmpd="sng"/>
         </p:spPr>
-        <p:style>
-          <a:lnRef idx="1">
-            <a:schemeClr val="accent1"/>
-          </a:lnRef>
-          <a:fillRef idx="3">
-            <a:schemeClr val="accent1"/>
-          </a:fillRef>
-          <a:effectRef idx="2">
-            <a:schemeClr val="accent1"/>
-          </a:effectRef>
-          <a:fontRef idx="minor">
-            <a:schemeClr val="lt1"/>
-          </a:fontRef>
-        </p:style>
-        <p:txBody>
-          <a:bodyPr rtlCol="0" anchor="ctr"/>
+        <p:txBody>
+          <a:bodyPr/>
           <a:lstStyle/>
           <a:p>
-            <a:pPr algn="ctr"/>
-            <a:endParaRPr lang="fr-FR"/>
-          </a:p>
-        </p:txBody>
-      </p:sp>
-      <p:sp>
-        <p:nvSpPr>
-          <p:cNvPr id="7" name="ZoneTexte 6"/>
-          <p:cNvSpPr txBox="1"/>
-          <p:nvPr/>
-        </p:nvSpPr>
-        <p:spPr>
-          <a:xfrm>
-            <a:off x="6210300" y="2006600"/>
-            <a:ext cx="2057400" cy="707886"/>
-          </a:xfrm>
-          <a:prstGeom prst="rect">
-            <a:avLst/>
-          </a:prstGeom>
-          <a:noFill/>
-        </p:spPr>
-        <p:txBody>
-          <a:bodyPr wrap="square" rtlCol="0">
-            <a:spAutoFit/>
-          </a:bodyPr>
-          <a:lstStyle/>
-          <a:p>
-            <a:r>
-              <a:rPr lang="fr-FR" sz="4000" dirty="0" err="1" smtClean="0"/>
-              <a:t>Melange</a:t>
-            </a:r>
-            <a:endParaRPr lang="fr-FR" sz="4000" dirty="0"/>
+            <a:r>
+              <a:rPr lang="en-US" dirty="0"/>
+              <a:t>The citizen watch</a:t>
+            </a:r>
+            <a:endParaRPr lang="fr-FR" dirty="0"/>
           </a:p>
         </p:txBody>
       </p:sp>
       <p:pic>
         <p:nvPicPr>
-          <p:cNvPr id="8" name="Image 7"/>
+          <p:cNvPr id="5" name="Image 4"/>
           <p:cNvPicPr>
             <a:picLocks noChangeAspect="1"/>
           </p:cNvPicPr>
@@ -12878,408 +13718,42 @@
         </p:blipFill>
         <p:spPr>
           <a:xfrm>
-            <a:off x="5912606" y="2714486"/>
-            <a:ext cx="2355094" cy="1700263"/>
+            <a:off x="593608" y="1594725"/>
+            <a:ext cx="3956495" cy="4407320"/>
           </a:xfrm>
           <a:prstGeom prst="rect">
             <a:avLst/>
           </a:prstGeom>
         </p:spPr>
       </p:pic>
-      <p:sp>
-        <p:nvSpPr>
-          <p:cNvPr id="10" name="Titre 1"/>
-          <p:cNvSpPr>
-            <a:spLocks noGrp="1"/>
-          </p:cNvSpPr>
-          <p:nvPr>
-            <p:ph type="title"/>
-          </p:nvPr>
-        </p:nvSpPr>
+      <p:pic>
+        <p:nvPicPr>
+          <p:cNvPr id="6" name="Image 5"/>
+          <p:cNvPicPr>
+            <a:picLocks noChangeAspect="1"/>
+          </p:cNvPicPr>
+          <p:nvPr/>
+        </p:nvPicPr>
+        <p:blipFill>
+          <a:blip r:embed="rId3"/>
+          <a:stretch>
+            <a:fillRect/>
+          </a:stretch>
+        </p:blipFill>
         <p:spPr>
           <a:xfrm>
-            <a:off x="457200" y="274638"/>
-            <a:ext cx="8229600" cy="1143000"/>
-          </a:xfrm>
-        </p:spPr>
-        <p:txBody>
-          <a:bodyPr/>
-          <a:lstStyle/>
-          <a:p>
-            <a:r>
-              <a:rPr lang="en-US" dirty="0" smtClean="0"/>
-              <a:t>Some cool features coming…</a:t>
-            </a:r>
-            <a:endParaRPr lang="fr-FR" dirty="0"/>
-          </a:p>
-        </p:txBody>
-      </p:sp>
-      <p:sp>
-        <p:nvSpPr>
-          <p:cNvPr id="11" name="Flèche vers la droite 10"/>
-          <p:cNvSpPr/>
-          <p:nvPr/>
-        </p:nvSpPr>
-        <p:spPr>
-          <a:xfrm>
-            <a:off x="3886200" y="2917686"/>
-            <a:ext cx="1663700" cy="460514"/>
-          </a:xfrm>
-          <a:prstGeom prst="rightArrow">
-            <a:avLst/>
-          </a:prstGeom>
-        </p:spPr>
-        <p:style>
-          <a:lnRef idx="1">
-            <a:schemeClr val="accent1"/>
-          </a:lnRef>
-          <a:fillRef idx="3">
-            <a:schemeClr val="accent1"/>
-          </a:fillRef>
-          <a:effectRef idx="2">
-            <a:schemeClr val="accent1"/>
-          </a:effectRef>
-          <a:fontRef idx="minor">
-            <a:schemeClr val="lt1"/>
-          </a:fontRef>
-        </p:style>
-        <p:txBody>
-          <a:bodyPr rtlCol="0" anchor="ctr"/>
-          <a:lstStyle/>
-          <a:p>
-            <a:pPr algn="ctr"/>
-            <a:endParaRPr lang="fr-FR"/>
-          </a:p>
-        </p:txBody>
-      </p:sp>
-      <p:sp>
-        <p:nvSpPr>
-          <p:cNvPr id="12" name="Titre 1"/>
-          <p:cNvSpPr txBox="1">
-            <a:spLocks/>
-          </p:cNvSpPr>
-          <p:nvPr/>
-        </p:nvSpPr>
-        <p:spPr>
-          <a:xfrm>
-            <a:off x="368300" y="5418138"/>
-            <a:ext cx="8229600" cy="792162"/>
+            <a:off x="5170923" y="1594725"/>
+            <a:ext cx="3247151" cy="3626448"/>
           </a:xfrm>
           <a:prstGeom prst="rect">
             <a:avLst/>
           </a:prstGeom>
         </p:spPr>
-        <p:txBody>
-          <a:bodyPr vert="horz" lIns="91440" tIns="45720" rIns="91440" bIns="45720" rtlCol="0" anchor="ctr">
-            <a:normAutofit fontScale="92500" lnSpcReduction="20000"/>
-          </a:bodyPr>
-          <a:lstStyle>
-            <a:lvl1pPr algn="ctr" defTabSz="457200" rtl="0" eaLnBrk="1" latinLnBrk="0" hangingPunct="1">
-              <a:spcBef>
-                <a:spcPct val="0"/>
-              </a:spcBef>
-              <a:buNone/>
-              <a:defRPr sz="4400" kern="1200">
-                <a:solidFill>
-                  <a:schemeClr val="tx1"/>
-                </a:solidFill>
-                <a:latin typeface="+mj-lt"/>
-                <a:ea typeface="+mj-ea"/>
-                <a:cs typeface="+mj-cs"/>
-              </a:defRPr>
-            </a:lvl1pPr>
-          </a:lstStyle>
-          <a:p>
-            <a:r>
-              <a:rPr lang="en-US" sz="3000" dirty="0" smtClean="0"/>
-              <a:t>From </a:t>
-            </a:r>
-            <a:r>
-              <a:rPr lang="en-US" sz="3000" b="1" dirty="0" smtClean="0">
-                <a:solidFill>
-                  <a:schemeClr val="accent1">
-                    <a:lumMod val="75000"/>
-                  </a:schemeClr>
-                </a:solidFill>
-              </a:rPr>
-              <a:t>Variability Models </a:t>
-            </a:r>
-            <a:r>
-              <a:rPr lang="en-US" sz="3000" dirty="0" smtClean="0"/>
-              <a:t>to </a:t>
-            </a:r>
-            <a:r>
-              <a:rPr lang="en-US" sz="3000" b="1" dirty="0" smtClean="0">
-                <a:solidFill>
-                  <a:srgbClr val="FF0000"/>
-                </a:solidFill>
-              </a:rPr>
-              <a:t>Software Languages Engineering in the Large</a:t>
-            </a:r>
-            <a:endParaRPr lang="en-US" sz="3000" b="1" dirty="0">
-              <a:solidFill>
-                <a:srgbClr val="FF0000"/>
-              </a:solidFill>
-            </a:endParaRPr>
-          </a:p>
-        </p:txBody>
-      </p:sp>
-      <p:sp>
-        <p:nvSpPr>
-          <p:cNvPr id="16" name="Rectangle 15"/>
-          <p:cNvSpPr/>
-          <p:nvPr/>
-        </p:nvSpPr>
-        <p:spPr>
-          <a:xfrm>
-            <a:off x="850900" y="1879600"/>
-            <a:ext cx="2870200" cy="2654300"/>
-          </a:xfrm>
-          <a:prstGeom prst="rect">
-            <a:avLst/>
-          </a:prstGeom>
-          <a:solidFill>
-            <a:schemeClr val="bg1"/>
-          </a:solidFill>
-          <a:ln w="3175" cmpd="sng"/>
-        </p:spPr>
-        <p:style>
-          <a:lnRef idx="1">
-            <a:schemeClr val="accent1"/>
-          </a:lnRef>
-          <a:fillRef idx="3">
-            <a:schemeClr val="accent1"/>
-          </a:fillRef>
-          <a:effectRef idx="2">
-            <a:schemeClr val="accent1"/>
-          </a:effectRef>
-          <a:fontRef idx="minor">
-            <a:schemeClr val="lt1"/>
-          </a:fontRef>
-        </p:style>
-        <p:txBody>
-          <a:bodyPr rtlCol="0" anchor="ctr"/>
-          <a:lstStyle/>
-          <a:p>
-            <a:pPr algn="ctr"/>
-            <a:endParaRPr lang="fr-FR"/>
-          </a:p>
-        </p:txBody>
-      </p:sp>
-      <p:sp>
-        <p:nvSpPr>
-          <p:cNvPr id="17" name="Rectangle 16"/>
-          <p:cNvSpPr/>
-          <p:nvPr/>
-        </p:nvSpPr>
-        <p:spPr>
-          <a:xfrm>
-            <a:off x="1993900" y="2282686"/>
-            <a:ext cx="736600" cy="431800"/>
-          </a:xfrm>
-          <a:prstGeom prst="rect">
-            <a:avLst/>
-          </a:prstGeom>
-        </p:spPr>
-        <p:style>
-          <a:lnRef idx="1">
-            <a:schemeClr val="accent1"/>
-          </a:lnRef>
-          <a:fillRef idx="3">
-            <a:schemeClr val="accent1"/>
-          </a:fillRef>
-          <a:effectRef idx="2">
-            <a:schemeClr val="accent1"/>
-          </a:effectRef>
-          <a:fontRef idx="minor">
-            <a:schemeClr val="lt1"/>
-          </a:fontRef>
-        </p:style>
-        <p:txBody>
-          <a:bodyPr rtlCol="0" anchor="ctr"/>
-          <a:lstStyle/>
-          <a:p>
-            <a:pPr algn="ctr"/>
-            <a:endParaRPr lang="fr-FR"/>
-          </a:p>
-        </p:txBody>
-      </p:sp>
-      <p:sp>
-        <p:nvSpPr>
-          <p:cNvPr id="18" name="Rectangle 17"/>
-          <p:cNvSpPr/>
-          <p:nvPr/>
-        </p:nvSpPr>
-        <p:spPr>
-          <a:xfrm>
-            <a:off x="1257300" y="3336786"/>
-            <a:ext cx="736600" cy="431800"/>
-          </a:xfrm>
-          <a:prstGeom prst="rect">
-            <a:avLst/>
-          </a:prstGeom>
-        </p:spPr>
-        <p:style>
-          <a:lnRef idx="1">
-            <a:schemeClr val="accent1"/>
-          </a:lnRef>
-          <a:fillRef idx="3">
-            <a:schemeClr val="accent1"/>
-          </a:fillRef>
-          <a:effectRef idx="2">
-            <a:schemeClr val="accent1"/>
-          </a:effectRef>
-          <a:fontRef idx="minor">
-            <a:schemeClr val="lt1"/>
-          </a:fontRef>
-        </p:style>
-        <p:txBody>
-          <a:bodyPr rtlCol="0" anchor="ctr"/>
-          <a:lstStyle/>
-          <a:p>
-            <a:pPr algn="ctr"/>
-            <a:endParaRPr lang="fr-FR"/>
-          </a:p>
-        </p:txBody>
-      </p:sp>
-      <p:sp>
-        <p:nvSpPr>
-          <p:cNvPr id="19" name="Rectangle 18"/>
-          <p:cNvSpPr/>
-          <p:nvPr/>
-        </p:nvSpPr>
-        <p:spPr>
-          <a:xfrm>
-            <a:off x="2730500" y="3336786"/>
-            <a:ext cx="736600" cy="431800"/>
-          </a:xfrm>
-          <a:prstGeom prst="rect">
-            <a:avLst/>
-          </a:prstGeom>
-        </p:spPr>
-        <p:style>
-          <a:lnRef idx="1">
-            <a:schemeClr val="accent1"/>
-          </a:lnRef>
-          <a:fillRef idx="3">
-            <a:schemeClr val="accent1"/>
-          </a:fillRef>
-          <a:effectRef idx="2">
-            <a:schemeClr val="accent1"/>
-          </a:effectRef>
-          <a:fontRef idx="minor">
-            <a:schemeClr val="lt1"/>
-          </a:fontRef>
-        </p:style>
-        <p:txBody>
-          <a:bodyPr rtlCol="0" anchor="ctr"/>
-          <a:lstStyle/>
-          <a:p>
-            <a:pPr algn="ctr"/>
-            <a:endParaRPr lang="fr-FR"/>
-          </a:p>
-        </p:txBody>
-      </p:sp>
-      <p:cxnSp>
-        <p:nvCxnSpPr>
-          <p:cNvPr id="21" name="Connecteur droit 20"/>
-          <p:cNvCxnSpPr>
-            <a:stCxn id="17" idx="2"/>
-            <a:endCxn id="18" idx="0"/>
-          </p:cNvCxnSpPr>
-          <p:nvPr/>
-        </p:nvCxnSpPr>
-        <p:spPr>
-          <a:xfrm flipH="1">
-            <a:off x="1625600" y="2714486"/>
-            <a:ext cx="736600" cy="622300"/>
-          </a:xfrm>
-          <a:prstGeom prst="line">
-            <a:avLst/>
-          </a:prstGeom>
-        </p:spPr>
-        <p:style>
-          <a:lnRef idx="2">
-            <a:schemeClr val="accent1"/>
-          </a:lnRef>
-          <a:fillRef idx="0">
-            <a:schemeClr val="accent1"/>
-          </a:fillRef>
-          <a:effectRef idx="1">
-            <a:schemeClr val="accent1"/>
-          </a:effectRef>
-          <a:fontRef idx="minor">
-            <a:schemeClr val="tx1"/>
-          </a:fontRef>
-        </p:style>
-      </p:cxnSp>
-      <p:cxnSp>
-        <p:nvCxnSpPr>
-          <p:cNvPr id="22" name="Connecteur droit 21"/>
-          <p:cNvCxnSpPr>
-            <a:stCxn id="17" idx="2"/>
-            <a:endCxn id="19" idx="0"/>
-          </p:cNvCxnSpPr>
-          <p:nvPr/>
-        </p:nvCxnSpPr>
-        <p:spPr>
-          <a:xfrm>
-            <a:off x="2362200" y="2714486"/>
-            <a:ext cx="736600" cy="622300"/>
-          </a:xfrm>
-          <a:prstGeom prst="line">
-            <a:avLst/>
-          </a:prstGeom>
-        </p:spPr>
-        <p:style>
-          <a:lnRef idx="2">
-            <a:schemeClr val="accent1"/>
-          </a:lnRef>
-          <a:fillRef idx="0">
-            <a:schemeClr val="accent1"/>
-          </a:fillRef>
-          <a:effectRef idx="1">
-            <a:schemeClr val="accent1"/>
-          </a:effectRef>
-          <a:fontRef idx="minor">
-            <a:schemeClr val="tx1"/>
-          </a:fontRef>
-        </p:style>
-      </p:cxnSp>
-      <p:cxnSp>
-        <p:nvCxnSpPr>
-          <p:cNvPr id="25" name="Connecteur droit 24"/>
-          <p:cNvCxnSpPr/>
-          <p:nvPr/>
-        </p:nvCxnSpPr>
-        <p:spPr>
-          <a:xfrm flipH="1">
-            <a:off x="2120900" y="2917686"/>
-            <a:ext cx="457200" cy="0"/>
-          </a:xfrm>
-          <a:prstGeom prst="line">
-            <a:avLst/>
-          </a:prstGeom>
-        </p:spPr>
-        <p:style>
-          <a:lnRef idx="2">
-            <a:schemeClr val="accent1"/>
-          </a:lnRef>
-          <a:fillRef idx="0">
-            <a:schemeClr val="accent1"/>
-          </a:fillRef>
-          <a:effectRef idx="1">
-            <a:schemeClr val="accent1"/>
-          </a:effectRef>
-          <a:fontRef idx="minor">
-            <a:schemeClr val="tx1"/>
-          </a:fontRef>
-        </p:style>
-      </p:cxnSp>
+      </p:pic>
     </p:spTree>
     <p:extLst>
       <p:ext uri="{BB962C8B-B14F-4D97-AF65-F5344CB8AC3E}">
-        <p14:creationId xmlns:p14="http://schemas.microsoft.com/office/powerpoint/2010/main" val="3963354002"/>
+        <p14:creationId xmlns:p14="http://schemas.microsoft.com/office/powerpoint/2010/main" val="3725068437"/>
       </p:ext>
     </p:extLst>
   </p:cSld>
